--- a/10 Phase vocoder/Phase vocoder 2.pptx
+++ b/10 Phase vocoder/Phase vocoder 2.pptx
@@ -2009,7 +2009,7 @@
             </a:r>
             <a:r>
               <a:rPr dirty="0"/>
-              <a:t> more at </a:t>
+              <a:t> at </a:t>
             </a:r>
             <a:r>
               <a:rPr lang="en-GB" dirty="0"/>
@@ -2041,10 +2041,7 @@
               </a:rPr>
               <a:t>Window functions</a:t>
             </a:r>
-            <a:r>
-              <a:rPr dirty="0"/>
-              <a:t>: why and how</a:t>
-            </a:r>
+            <a:endParaRPr dirty="0"/>
           </a:p>
           <a:p>
             <a:pPr lvl="1"/>
@@ -14003,27 +14000,19 @@
           <a:lstStyle/>
           <a:p>
             <a:r>
-              <a:t>What does the FFT of a single </a:t>
-            </a:r>
-            <a:r>
-              <a:rPr>
-                <a:solidFill>
-                  <a:srgbClr val="3D46A6"/>
-                </a:solidFill>
-              </a:rPr>
-              <a:t>sine wave</a:t>
-            </a:r>
-            <a:r>
-              <a:t> look like?</a:t>
-            </a:r>
-          </a:p>
-          <a:p>
-            <a:pPr lvl="1"/>
-            <a:r>
-              <a:t>Let’s suppose its frequency </a:t>
-            </a:r>
-            <a:r>
-              <a:rPr>
+              <a:rPr lang="en-GB" dirty="0"/>
+              <a:t>S</a:t>
+            </a:r>
+            <a:r>
+              <a:rPr dirty="0" err="1"/>
+              <a:t>uppose</a:t>
+            </a:r>
+            <a:r>
+              <a:rPr dirty="0"/>
+              <a:t> its frequency </a:t>
+            </a:r>
+            <a:r>
+              <a:rPr dirty="0">
                 <a:solidFill>
                   <a:srgbClr val="3D46A6"/>
                 </a:solidFill>
@@ -14031,34 +14020,38 @@
               <a:t>exactly</a:t>
             </a:r>
             <a:r>
+              <a:rPr dirty="0"/>
               <a:t> matches a bin: 2π</a:t>
             </a:r>
             <a:r>
-              <a:rPr i="1"/>
+              <a:rPr i="1" dirty="0"/>
               <a:t>k</a:t>
             </a:r>
             <a:r>
+              <a:rPr dirty="0"/>
               <a:t>/</a:t>
             </a:r>
             <a:r>
-              <a:rPr i="1"/>
+              <a:rPr i="1" dirty="0"/>
               <a:t>N</a:t>
             </a:r>
             <a:r>
+              <a:rPr dirty="0"/>
               <a:t> for some </a:t>
             </a:r>
             <a:r>
-              <a:rPr i="1"/>
+              <a:rPr i="1" dirty="0"/>
               <a:t>k</a:t>
             </a:r>
           </a:p>
           <a:p>
             <a:pPr lvl="1"/>
             <a:r>
-              <a:t>This means that an </a:t>
-            </a:r>
-            <a:r>
-              <a:rPr>
+              <a:rPr lang="en-GB" dirty="0"/>
+              <a:t>So </a:t>
+            </a:r>
+            <a:r>
+              <a:rPr dirty="0">
                 <a:solidFill>
                   <a:srgbClr val="3D46A6"/>
                 </a:solidFill>
@@ -14066,7 +14059,8 @@
               <a:t>integer number of oscillations</a:t>
             </a:r>
             <a:r>
-              <a:t> fit in the window</a:t>
+              <a:rPr dirty="0"/>
+              <a:t> in the window</a:t>
             </a:r>
           </a:p>
         </p:txBody>
@@ -14091,8 +14085,10 @@
           <a:lstStyle/>
           <a:p>
             <a:r>
-              <a:t>Sine wave in the frequency domain</a:t>
-            </a:r>
+              <a:rPr lang="en-GB" dirty="0"/>
+              <a:t>FFT of sine wave</a:t>
+            </a:r>
+            <a:endParaRPr dirty="0"/>
           </a:p>
         </p:txBody>
       </p:sp>
@@ -15887,12 +15883,8 @@
             </a:r>
             <a:r>
               <a:rPr dirty="0"/>
-              <a:t> exactly match any </a:t>
-            </a:r>
-            <a:r>
-              <a:t>bin?</a:t>
-            </a:r>
-            <a:endParaRPr dirty="0"/>
+              <a:t> exactly match any bin?</a:t>
+            </a:r>
           </a:p>
           <a:p>
             <a:pPr marL="1193800" lvl="1" indent="-558800">
@@ -15913,7 +15905,7 @@
             </a:r>
             <a:r>
               <a:rPr dirty="0"/>
-              <a:t> out across all the other frequency bins (we’ll see why shortly)</a:t>
+              <a:t> out across all other frequency bins</a:t>
             </a:r>
           </a:p>
           <a:p>
@@ -15938,7 +15930,7 @@
             <a:pPr lvl="2"/>
             <a:r>
               <a:rPr dirty="0"/>
-              <a:t>If we’re clever, we can </a:t>
+              <a:t>If we’re clever, can </a:t>
             </a:r>
             <a:r>
               <a:rPr dirty="0">
@@ -15946,11 +15938,11 @@
                   <a:srgbClr val="3D46A6"/>
                 </a:solidFill>
               </a:rPr>
-              <a:t>reconstruct the exact frequency</a:t>
+              <a:t>reconstruct exact frequency</a:t>
             </a:r>
             <a:r>
               <a:rPr dirty="0"/>
-              <a:t> based on the phase changes!</a:t>
+              <a:t> based on phase changes!</a:t>
             </a:r>
           </a:p>
         </p:txBody>
@@ -15975,8 +15967,10 @@
           <a:lstStyle/>
           <a:p>
             <a:r>
-              <a:t>Sine wave in the frequency domain</a:t>
-            </a:r>
+              <a:rPr lang="en-GB" dirty="0"/>
+              <a:t>FFT of sine wave</a:t>
+            </a:r>
+            <a:endParaRPr dirty="0"/>
           </a:p>
         </p:txBody>
       </p:sp>
@@ -20172,8 +20166,8 @@
         </p:nvSpPr>
         <p:spPr>
           <a:xfrm>
-            <a:off x="533499" y="1778000"/>
-            <a:ext cx="23583801" cy="10616445"/>
+            <a:off x="292101" y="1778000"/>
+            <a:ext cx="23825200" cy="10616445"/>
           </a:xfrm>
           <a:prstGeom prst="rect">
             <a:avLst/>
@@ -20185,7 +20179,7 @@
           <a:p>
             <a:pPr marL="497839" indent="-497839" defTabSz="808990">
               <a:spcBef>
-                <a:spcPts val="900"/>
+                <a:spcPts val="1200"/>
               </a:spcBef>
               <a:defRPr sz="5096"/>
             </a:pPr>
@@ -20205,7 +20199,7 @@
           <a:p>
             <a:pPr marL="497839" indent="-497839" defTabSz="808990">
               <a:spcBef>
-                <a:spcPts val="900"/>
+                <a:spcPts val="1200"/>
               </a:spcBef>
               <a:defRPr sz="5096"/>
             </a:pPr>
@@ -20214,7 +20208,7 @@
           <a:p>
             <a:pPr marL="497839" indent="-497839" defTabSz="808990">
               <a:spcBef>
-                <a:spcPts val="900"/>
+                <a:spcPts val="1200"/>
               </a:spcBef>
               <a:defRPr sz="5096"/>
             </a:pPr>
@@ -20223,7 +20217,7 @@
           <a:p>
             <a:pPr marL="1166812" lvl="1" indent="-544512" defTabSz="808990">
               <a:spcBef>
-                <a:spcPts val="900"/>
+                <a:spcPts val="1200"/>
               </a:spcBef>
               <a:defRPr sz="4312"/>
             </a:pPr>
@@ -20237,13 +20231,21 @@
             </a:r>
             <a:r>
               <a:rPr dirty="0"/>
-              <a:t> between 0 and 2π; </a:t>
+              <a:t> between 0 </a:t>
+            </a:r>
+            <a:r>
+              <a:rPr lang="en-GB" dirty="0"/>
+              <a:t>&amp;</a:t>
+            </a:r>
+            <a:r>
+              <a:rPr dirty="0"/>
+              <a:t> 2π; </a:t>
             </a:r>
           </a:p>
           <a:p>
             <a:pPr marL="1166812" lvl="1" indent="-544512" defTabSz="808990">
               <a:spcBef>
-                <a:spcPts val="0"/>
+                <a:spcPts val="1200"/>
               </a:spcBef>
               <a:defRPr sz="4312"/>
             </a:pPr>
@@ -20267,7 +20269,7 @@
           <a:p>
             <a:pPr marL="497839" indent="-497839" defTabSz="808990">
               <a:spcBef>
-                <a:spcPts val="900"/>
+                <a:spcPts val="1200"/>
               </a:spcBef>
               <a:defRPr sz="5096"/>
             </a:pPr>
@@ -20281,7 +20283,7 @@
             </a:r>
             <a:r>
               <a:rPr dirty="0"/>
-              <a:t> this formula to</a:t>
+              <a:t> this to</a:t>
             </a:r>
             <a:r>
               <a:rPr dirty="0">
@@ -20289,26 +20291,33 @@
                   <a:srgbClr val="3D46A6"/>
                 </a:solidFill>
               </a:rPr>
-              <a:t> calculate phase shift based on frequency</a:t>
+              <a:t> </a:t>
+            </a:r>
+            <a:r>
+              <a:rPr lang="en-GB" dirty="0">
+                <a:solidFill>
+                  <a:srgbClr val="3D46A6"/>
+                </a:solidFill>
+              </a:rPr>
+              <a:t>find</a:t>
+            </a:r>
+            <a:r>
+              <a:rPr dirty="0">
+                <a:solidFill>
+                  <a:srgbClr val="3D46A6"/>
+                </a:solidFill>
+              </a:rPr>
+              <a:t> phase shift based on frequency</a:t>
             </a:r>
             <a:r>
               <a:rPr dirty="0"/>
               <a:t>:</a:t>
             </a:r>
-          </a:p>
-          <a:p>
-            <a:pPr marL="497839" indent="-497839" defTabSz="808990">
-              <a:spcBef>
-                <a:spcPts val="900"/>
-              </a:spcBef>
-              <a:defRPr sz="5096"/>
-            </a:pPr>
-            <a:endParaRPr dirty="0"/>
           </a:p>
           <a:p>
             <a:pPr marL="1166812" lvl="1" indent="-544512" defTabSz="808990">
               <a:spcBef>
-                <a:spcPts val="900"/>
+                <a:spcPts val="1200"/>
               </a:spcBef>
               <a:defRPr sz="4312"/>
             </a:pPr>
@@ -20322,7 +20331,7 @@
             </a:r>
             <a:r>
               <a:rPr dirty="0"/>
-              <a:t>, we know bin </a:t>
+              <a:t>, bin </a:t>
             </a:r>
             <a:r>
               <a:rPr i="1" dirty="0"/>
@@ -20348,13 +20357,13 @@
           <a:p>
             <a:pPr marL="1166812" lvl="1" indent="-544512" defTabSz="808990">
               <a:spcBef>
-                <a:spcPts val="900"/>
+                <a:spcPts val="1200"/>
               </a:spcBef>
               <a:defRPr sz="4312"/>
             </a:pPr>
             <a:r>
               <a:rPr dirty="0"/>
-              <a:t>For a sine wave of </a:t>
+              <a:t>For sine wave of </a:t>
             </a:r>
             <a:r>
               <a:rPr dirty="0">
@@ -20366,7 +20375,7 @@
             </a:r>
             <a:r>
               <a:rPr dirty="0"/>
-              <a:t> the bin frequency, this is the </a:t>
+              <a:t> bin frequency, </a:t>
             </a:r>
             <a:r>
               <a:rPr dirty="0">
@@ -20377,6 +20386,14 @@
               <a:t>expected phase shift over 1 hop</a:t>
             </a:r>
             <a:r>
+              <a:rPr lang="en-GB" dirty="0">
+                <a:solidFill>
+                  <a:srgbClr val="3D46A6"/>
+                </a:solidFill>
+              </a:rPr>
+              <a:t> is</a:t>
+            </a:r>
+            <a:r>
               <a:rPr dirty="0"/>
               <a:t>:</a:t>
             </a:r>
@@ -20384,7 +20401,7 @@
           <a:p>
             <a:pPr marL="1166812" lvl="1" indent="-544512" defTabSz="808990">
               <a:spcBef>
-                <a:spcPts val="900"/>
+                <a:spcPts val="1200"/>
               </a:spcBef>
               <a:defRPr sz="4312"/>
             </a:pPr>
@@ -20393,7 +20410,7 @@
           <a:p>
             <a:pPr marL="1166812" lvl="1" indent="-544512" defTabSz="808990">
               <a:spcBef>
-                <a:spcPts val="900"/>
+                <a:spcPts val="1200"/>
               </a:spcBef>
               <a:defRPr sz="4312"/>
             </a:pPr>
@@ -20402,25 +20419,25 @@
           <a:p>
             <a:pPr marL="1166812" lvl="1" indent="-544512" defTabSz="808990">
               <a:spcBef>
-                <a:spcPts val="900"/>
+                <a:spcPts val="1200"/>
               </a:spcBef>
               <a:defRPr sz="4312"/>
             </a:pPr>
             <a:r>
+              <a:rPr lang="en-GB" dirty="0"/>
+              <a:t>        -          </a:t>
+            </a:r>
+            <a:r>
               <a:rPr dirty="0"/>
-              <a:t>By subtracting off this expected phase shift, </a:t>
-            </a:r>
-            <a:r>
-              <a:rPr dirty="0">
-                <a:solidFill>
-                  <a:srgbClr val="3D46A6"/>
-                </a:solidFill>
-              </a:rPr>
-              <a:t>remainder</a:t>
+              <a:t>tell</a:t>
+            </a:r>
+            <a:r>
+              <a:rPr lang="en-GB" dirty="0"/>
+              <a:t>s</a:t>
             </a:r>
             <a:r>
               <a:rPr dirty="0"/>
-              <a:t> will tell us whether actual frequency is higher or lower than bin frequency</a:t>
+              <a:t> whether actual frequency higher or lower than bin frequency</a:t>
             </a:r>
           </a:p>
         </p:txBody>
@@ -20493,7 +20510,7 @@
         </p:blipFill>
         <p:spPr>
           <a:xfrm>
-            <a:off x="1843705" y="7201270"/>
+            <a:off x="15827559" y="6391936"/>
             <a:ext cx="5727701" cy="546101"/>
           </a:xfrm>
           <a:prstGeom prst="rect">
@@ -20520,8 +20537,72 @@
         </p:blipFill>
         <p:spPr>
           <a:xfrm>
-            <a:off x="1824655" y="9636684"/>
+            <a:off x="5896802" y="8948579"/>
             <a:ext cx="5765801" cy="1104901"/>
+          </a:xfrm>
+          <a:prstGeom prst="rect">
+            <a:avLst/>
+          </a:prstGeom>
+          <a:ln w="12700">
+            <a:miter lim="400000"/>
+          </a:ln>
+        </p:spPr>
+      </p:pic>
+      <p:pic>
+        <p:nvPicPr>
+          <p:cNvPr id="4" name="Image" descr="Image">
+            <a:extLst>
+              <a:ext uri="{FF2B5EF4-FFF2-40B4-BE49-F238E27FC236}">
+                <a16:creationId xmlns:a16="http://schemas.microsoft.com/office/drawing/2014/main" id="{AD266188-4538-5933-94DC-7DB1D4F2204B}"/>
+              </a:ext>
+            </a:extLst>
+          </p:cNvPr>
+          <p:cNvPicPr>
+            <a:picLocks noChangeAspect="1"/>
+          </p:cNvPicPr>
+          <p:nvPr/>
+        </p:nvPicPr>
+        <p:blipFill rotWithShape="1">
+          <a:blip r:embed="rId3"/>
+          <a:srcRect l="73219"/>
+          <a:stretch/>
+        </p:blipFill>
+        <p:spPr>
+          <a:xfrm>
+            <a:off x="1168923" y="10527562"/>
+            <a:ext cx="1533931" cy="546101"/>
+          </a:xfrm>
+          <a:prstGeom prst="rect">
+            <a:avLst/>
+          </a:prstGeom>
+          <a:ln w="12700">
+            <a:miter lim="400000"/>
+          </a:ln>
+        </p:spPr>
+      </p:pic>
+      <p:pic>
+        <p:nvPicPr>
+          <p:cNvPr id="5" name="Image" descr="Image">
+            <a:extLst>
+              <a:ext uri="{FF2B5EF4-FFF2-40B4-BE49-F238E27FC236}">
+                <a16:creationId xmlns:a16="http://schemas.microsoft.com/office/drawing/2014/main" id="{4441452E-B6A4-868E-99CA-8A0E97C69520}"/>
+              </a:ext>
+            </a:extLst>
+          </p:cNvPr>
+          <p:cNvPicPr>
+            <a:picLocks noChangeAspect="1"/>
+          </p:cNvPicPr>
+          <p:nvPr/>
+        </p:nvPicPr>
+        <p:blipFill rotWithShape="1">
+          <a:blip r:embed="rId4"/>
+          <a:srcRect l="72240"/>
+          <a:stretch/>
+        </p:blipFill>
+        <p:spPr>
+          <a:xfrm>
+            <a:off x="2779390" y="10248161"/>
+            <a:ext cx="1600571" cy="1104901"/>
           </a:xfrm>
           <a:prstGeom prst="rect">
             <a:avLst/>
@@ -20847,7 +20928,7 @@
                                         <p:tgtEl>
                                           <p:spTgt spid="489">
                                             <p:txEl>
-                                              <p:pRg st="7" end="7"/>
+                                              <p:pRg st="6" end="6"/>
                                             </p:txEl>
                                           </p:spTgt>
                                         </p:tgtEl>
@@ -20895,7 +20976,7 @@
                                         <p:tgtEl>
                                           <p:spTgt spid="489">
                                             <p:txEl>
-                                              <p:pRg st="8" end="8"/>
+                                              <p:pRg st="7" end="7"/>
                                             </p:txEl>
                                           </p:spTgt>
                                         </p:tgtEl>
@@ -20978,9 +21059,79 @@
                                         <p:tgtEl>
                                           <p:spTgt spid="489">
                                             <p:txEl>
-                                              <p:pRg st="11" end="11"/>
+                                              <p:pRg st="10" end="10"/>
                                             </p:txEl>
                                           </p:spTgt>
+                                        </p:tgtEl>
+                                        <p:attrNameLst>
+                                          <p:attrName>style.visibility</p:attrName>
+                                        </p:attrNameLst>
+                                      </p:cBhvr>
+                                      <p:to>
+                                        <p:strVal val="visible"/>
+                                      </p:to>
+                                    </p:set>
+                                  </p:childTnLst>
+                                </p:cTn>
+                              </p:par>
+                            </p:childTnLst>
+                          </p:cTn>
+                        </p:par>
+                        <p:par>
+                          <p:cTn id="40" fill="hold">
+                            <p:stCondLst>
+                              <p:cond delay="0"/>
+                            </p:stCondLst>
+                            <p:childTnLst>
+                              <p:par>
+                                <p:cTn id="41" presetID="1" presetClass="entr" presetSubtype="0" fill="hold" grpId="0" nodeType="afterEffect">
+                                  <p:stCondLst>
+                                    <p:cond delay="0"/>
+                                  </p:stCondLst>
+                                  <p:iterate>
+                                    <p:tmAbs val="0"/>
+                                  </p:iterate>
+                                  <p:childTnLst>
+                                    <p:set>
+                                      <p:cBhvr>
+                                        <p:cTn id="42" fill="hold"/>
+                                        <p:tgtEl>
+                                          <p:spTgt spid="4"/>
+                                        </p:tgtEl>
+                                        <p:attrNameLst>
+                                          <p:attrName>style.visibility</p:attrName>
+                                        </p:attrNameLst>
+                                      </p:cBhvr>
+                                      <p:to>
+                                        <p:strVal val="visible"/>
+                                      </p:to>
+                                    </p:set>
+                                  </p:childTnLst>
+                                </p:cTn>
+                              </p:par>
+                            </p:childTnLst>
+                          </p:cTn>
+                        </p:par>
+                        <p:par>
+                          <p:cTn id="43" fill="hold">
+                            <p:stCondLst>
+                              <p:cond delay="0"/>
+                            </p:stCondLst>
+                            <p:childTnLst>
+                              <p:par>
+                                <p:cTn id="44" presetID="1" presetClass="entr" presetSubtype="0" fill="hold" grpId="0" nodeType="afterEffect">
+                                  <p:stCondLst>
+                                    <p:cond delay="0"/>
+                                  </p:stCondLst>
+                                  <p:iterate>
+                                    <p:tmAbs val="0"/>
+                                  </p:iterate>
+                                  <p:childTnLst>
+                                    <p:set>
+                                      <p:cBhvr>
+                                        <p:cTn id="45" fill="hold"/>
+                                        <p:tgtEl>
+                                          <p:spTgt spid="5"/>
                                         </p:tgtEl>
                                         <p:attrNameLst>
                                           <p:attrName>style.visibility</p:attrName>
@@ -21025,6 +21176,8 @@
       <p:bldP spid="491" grpId="2" animBg="1" advAuto="0"/>
       <p:bldP spid="492" grpId="3" animBg="1" advAuto="0"/>
       <p:bldP spid="493" grpId="4" animBg="1" advAuto="0"/>
+      <p:bldP spid="4" grpId="0" animBg="1" advAuto="0"/>
+      <p:bldP spid="5" grpId="0" animBg="1" advAuto="0"/>
     </p:bldLst>
   </p:timing>
 </p:sld>

--- a/10 Phase vocoder/Phase vocoder 2.pptx
+++ b/10 Phase vocoder/Phase vocoder 2.pptx
@@ -5,7 +5,7 @@
     <p:sldMasterId id="2147483648" r:id="rId1"/>
   </p:sldMasterIdLst>
   <p:notesMasterIdLst>
-    <p:notesMasterId r:id="rId18"/>
+    <p:notesMasterId r:id="rId17"/>
   </p:notesMasterIdLst>
   <p:sldIdLst>
     <p:sldId id="287" r:id="rId2"/>
@@ -20,10 +20,9 @@
     <p:sldId id="275" r:id="rId11"/>
     <p:sldId id="276" r:id="rId12"/>
     <p:sldId id="277" r:id="rId13"/>
-    <p:sldId id="278" r:id="rId14"/>
-    <p:sldId id="279" r:id="rId15"/>
+    <p:sldId id="306" r:id="rId14"/>
+    <p:sldId id="278" r:id="rId15"/>
     <p:sldId id="280" r:id="rId16"/>
-    <p:sldId id="281" r:id="rId17"/>
   </p:sldIdLst>
   <p:sldSz cx="24384000" cy="13716000"/>
   <p:notesSz cx="6858000" cy="9144000"/>
@@ -572,6 +571,72 @@
     </p:spTree>
     <p:extLst>
       <p:ext uri="{BB962C8B-B14F-4D97-AF65-F5344CB8AC3E}">
+        <p14:creationId xmlns:p14="http://schemas.microsoft.com/office/powerpoint/2010/main" val="294112053"/>
+      </p:ext>
+    </p:extLst>
+  </p:cSld>
+  <p:clrMapOvr>
+    <a:masterClrMapping/>
+  </p:clrMapOvr>
+</p:notes>
+</file>
+
+<file path=ppt/notesSlides/notesSlide2.xml><?xml version="1.0" encoding="utf-8"?>
+<p:notes xmlns:a="http://schemas.openxmlformats.org/drawingml/2006/main" xmlns:r="http://schemas.openxmlformats.org/officeDocument/2006/relationships" xmlns:p="http://schemas.openxmlformats.org/presentationml/2006/main">
+  <p:cSld>
+    <p:spTree>
+      <p:nvGrpSpPr>
+        <p:cNvPr id="1" name=""/>
+        <p:cNvGrpSpPr/>
+        <p:nvPr/>
+      </p:nvGrpSpPr>
+      <p:grpSpPr>
+        <a:xfrm>
+          <a:off x="0" y="0"/>
+          <a:ext cx="0" cy="0"/>
+          <a:chOff x="0" y="0"/>
+          <a:chExt cx="0" cy="0"/>
+        </a:xfrm>
+      </p:grpSpPr>
+      <p:sp>
+        <p:nvSpPr>
+          <p:cNvPr id="2" name="Slide Image Placeholder 1"/>
+          <p:cNvSpPr>
+            <a:spLocks noGrp="1" noRot="1" noChangeAspect="1"/>
+          </p:cNvSpPr>
+          <p:nvPr>
+            <p:ph type="sldImg"/>
+          </p:nvPr>
+        </p:nvSpPr>
+        <p:spPr>
+          <a:xfrm>
+            <a:off x="381000" y="685800"/>
+            <a:ext cx="6096000" cy="3429000"/>
+          </a:xfrm>
+        </p:spPr>
+      </p:sp>
+      <p:sp>
+        <p:nvSpPr>
+          <p:cNvPr id="3" name="Notes Placeholder 2"/>
+          <p:cNvSpPr>
+            <a:spLocks noGrp="1"/>
+          </p:cNvSpPr>
+          <p:nvPr>
+            <p:ph type="body" idx="1"/>
+          </p:nvPr>
+        </p:nvSpPr>
+        <p:spPr/>
+        <p:txBody>
+          <a:bodyPr/>
+          <a:lstStyle/>
+          <a:p>
+            <a:endParaRPr lang="en-GB" dirty="0"/>
+          </a:p>
+        </p:txBody>
+      </p:sp>
+    </p:spTree>
+    <p:extLst>
+      <p:ext uri="{BB962C8B-B14F-4D97-AF65-F5344CB8AC3E}">
         <p14:creationId xmlns:p14="http://schemas.microsoft.com/office/powerpoint/2010/main" val="220186630"/>
       </p:ext>
     </p:extLst>
@@ -1065,6 +1130,110 @@
 </p:sldLayout>
 </file>
 
+<file path=ppt/slideLayouts/slideLayout5.xml><?xml version="1.0" encoding="utf-8"?>
+<p:sldLayout xmlns:a="http://schemas.openxmlformats.org/drawingml/2006/main" xmlns:r="http://schemas.openxmlformats.org/officeDocument/2006/relationships" xmlns:p="http://schemas.openxmlformats.org/presentationml/2006/main" type="obj">
+  <p:cSld name="Title and Content">
+    <p:spTree>
+      <p:nvGrpSpPr>
+        <p:cNvPr id="1" name=""/>
+        <p:cNvGrpSpPr/>
+        <p:nvPr/>
+      </p:nvGrpSpPr>
+      <p:grpSpPr>
+        <a:xfrm>
+          <a:off x="0" y="0"/>
+          <a:ext cx="0" cy="0"/>
+          <a:chOff x="0" y="0"/>
+          <a:chExt cx="0" cy="0"/>
+        </a:xfrm>
+      </p:grpSpPr>
+      <p:sp>
+        <p:nvSpPr>
+          <p:cNvPr id="2" name="Title 1"/>
+          <p:cNvSpPr>
+            <a:spLocks noGrp="1"/>
+          </p:cNvSpPr>
+          <p:nvPr>
+            <p:ph type="title"/>
+          </p:nvPr>
+        </p:nvSpPr>
+        <p:spPr/>
+        <p:txBody>
+          <a:bodyPr/>
+          <a:lstStyle/>
+          <a:p>
+            <a:r>
+              <a:rPr lang="en-US"/>
+              <a:t>Click to edit Master title style</a:t>
+            </a:r>
+          </a:p>
+        </p:txBody>
+      </p:sp>
+      <p:sp>
+        <p:nvSpPr>
+          <p:cNvPr id="3" name="Content Placeholder 2"/>
+          <p:cNvSpPr>
+            <a:spLocks noGrp="1"/>
+          </p:cNvSpPr>
+          <p:nvPr>
+            <p:ph idx="1"/>
+          </p:nvPr>
+        </p:nvSpPr>
+        <p:spPr/>
+        <p:txBody>
+          <a:bodyPr/>
+          <a:lstStyle/>
+          <a:p>
+            <a:pPr lvl="0"/>
+            <a:r>
+              <a:rPr lang="en-US"/>
+              <a:t>Click to edit Master text styles</a:t>
+            </a:r>
+          </a:p>
+          <a:p>
+            <a:pPr lvl="1"/>
+            <a:r>
+              <a:rPr lang="en-US"/>
+              <a:t>Second level</a:t>
+            </a:r>
+          </a:p>
+          <a:p>
+            <a:pPr lvl="2"/>
+            <a:r>
+              <a:rPr lang="en-US"/>
+              <a:t>Third level</a:t>
+            </a:r>
+          </a:p>
+          <a:p>
+            <a:pPr lvl="3"/>
+            <a:r>
+              <a:rPr lang="en-US"/>
+              <a:t>Fourth level</a:t>
+            </a:r>
+          </a:p>
+          <a:p>
+            <a:pPr lvl="4"/>
+            <a:r>
+              <a:rPr lang="en-US"/>
+              <a:t>Fifth level</a:t>
+            </a:r>
+          </a:p>
+        </p:txBody>
+      </p:sp>
+    </p:spTree>
+    <p:extLst>
+      <p:ext uri="{BB962C8B-B14F-4D97-AF65-F5344CB8AC3E}">
+        <p14:creationId xmlns:p14="http://schemas.microsoft.com/office/powerpoint/2010/main" val="2716311578"/>
+      </p:ext>
+    </p:extLst>
+  </p:cSld>
+  <p:clrMapOvr>
+    <a:masterClrMapping/>
+  </p:clrMapOvr>
+  <p:transition/>
+</p:sldLayout>
+</file>
+
 <file path=ppt/slideMasters/slideMaster1.xml><?xml version="1.0" encoding="utf-8"?>
 <p:sldMaster xmlns:a="http://schemas.openxmlformats.org/drawingml/2006/main" xmlns:r="http://schemas.openxmlformats.org/officeDocument/2006/relationships" xmlns:p="http://schemas.openxmlformats.org/presentationml/2006/main">
   <p:cSld>
@@ -1244,6 +1413,7 @@
     <p:sldLayoutId id="2147483652" r:id="rId2"/>
     <p:sldLayoutId id="2147483653" r:id="rId3"/>
     <p:sldLayoutId id="2147483654" r:id="rId4"/>
+    <p:sldLayoutId id="2147483655" r:id="rId5"/>
   </p:sldLayoutIdLst>
   <p:transition spd="med"/>
   <p:txStyles>
@@ -2278,8 +2448,12 @@
               <a:defRPr sz="4356"/>
             </a:pPr>
             <a:r>
+              <a:rPr lang="en-GB" dirty="0"/>
+              <a:t>If</a:t>
+            </a:r>
+            <a:r>
               <a:rPr dirty="0"/>
-              <a:t>Assuming we want to reconstruct signal, </a:t>
+              <a:t> we want to reconstruct signal, </a:t>
             </a:r>
             <a:br>
               <a:rPr dirty="0"/>
@@ -2510,7 +2684,23 @@
             </a:br>
             <a:r>
               <a:rPr dirty="0"/>
-              <a:t>size can lead to artefacts on reconstruction</a:t>
+              <a:t>size can lead to </a:t>
+            </a:r>
+            <a:r>
+              <a:rPr lang="en-GB" dirty="0"/>
+              <a:t>reconstruction a</a:t>
+            </a:r>
+            <a:r>
+              <a:rPr dirty="0"/>
+              <a:t>rt</a:t>
+            </a:r>
+            <a:r>
+              <a:rPr lang="en-GB" dirty="0" err="1"/>
+              <a:t>i</a:t>
+            </a:r>
+            <a:r>
+              <a:rPr dirty="0"/>
+              <a:t>facts </a:t>
             </a:r>
           </a:p>
         </p:txBody>
@@ -4217,8 +4407,16 @@
           <a:p>
             <a:pPr lvl="1"/>
             <a:r>
+              <a:rPr lang="en-GB" dirty="0"/>
+              <a:t>M</a:t>
+            </a:r>
+            <a:r>
+              <a:rPr dirty="0" err="1"/>
+              <a:t>ight</a:t>
+            </a:r>
+            <a:r>
               <a:rPr dirty="0"/>
-              <a:t>We might not notice this if we just reconstruct the</a:t>
+              <a:t> not notice this if we just reconstruct the</a:t>
             </a:r>
             <a:br>
               <a:rPr dirty="0"/>
@@ -4232,7 +4430,7 @@
             <a:pPr lvl="1"/>
             <a:r>
               <a:rPr dirty="0"/>
-              <a:t>If we modify the signal, these sharp edges can lead</a:t>
+              <a:t>If we modify signal, these sharp edges can lead</a:t>
             </a:r>
             <a:br>
               <a:rPr dirty="0"/>
@@ -4252,8 +4450,12 @@
           </a:p>
           <a:p>
             <a:r>
+              <a:rPr lang="en-GB" dirty="0"/>
+              <a:t>C</a:t>
+            </a:r>
+            <a:r>
               <a:rPr dirty="0"/>
-              <a:t>We can use a </a:t>
+              <a:t>an use </a:t>
             </a:r>
             <a:r>
               <a:rPr dirty="0">
@@ -6199,6 +6401,7 @@
             </a:lstStyle>
             <a:p>
               <a:r>
+                <a:rPr dirty="0"/>
                 <a:t>Hann window</a:t>
               </a:r>
             </a:p>
@@ -7723,6 +7926,7 @@
           </a:lstStyle>
           <a:p>
             <a:r>
+              <a:rPr dirty="0"/>
               <a:t>Hann</a:t>
             </a:r>
           </a:p>
@@ -7896,6 +8100,198 @@
 </file>
 
 <file path=ppt/slides/slide13.xml><?xml version="1.0" encoding="utf-8"?>
+<p:sld xmlns:a="http://schemas.openxmlformats.org/drawingml/2006/main" xmlns:r="http://schemas.openxmlformats.org/officeDocument/2006/relationships" xmlns:p="http://schemas.openxmlformats.org/presentationml/2006/main">
+  <p:cSld>
+    <p:spTree>
+      <p:nvGrpSpPr>
+        <p:cNvPr id="1" name=""/>
+        <p:cNvGrpSpPr/>
+        <p:nvPr/>
+      </p:nvGrpSpPr>
+      <p:grpSpPr>
+        <a:xfrm>
+          <a:off x="0" y="0"/>
+          <a:ext cx="0" cy="0"/>
+          <a:chOff x="0" y="0"/>
+          <a:chExt cx="0" cy="0"/>
+        </a:xfrm>
+      </p:grpSpPr>
+      <p:sp>
+        <p:nvSpPr>
+          <p:cNvPr id="2" name="Title 1"/>
+          <p:cNvSpPr>
+            <a:spLocks noGrp="1"/>
+          </p:cNvSpPr>
+          <p:nvPr>
+            <p:ph type="title"/>
+          </p:nvPr>
+        </p:nvSpPr>
+        <p:spPr>
+          <a:xfrm>
+            <a:off x="3048000" y="2"/>
+            <a:ext cx="18288000" cy="1389892"/>
+          </a:xfrm>
+        </p:spPr>
+        <p:txBody>
+          <a:bodyPr>
+            <a:normAutofit/>
+          </a:bodyPr>
+          <a:lstStyle/>
+          <a:p>
+            <a:pPr defTabSz="1828706">
+              <a:defRPr/>
+            </a:pPr>
+            <a:r>
+              <a:rPr lang="en-GB" sz="4500" kern="1200" dirty="0"/>
+              <a:t>Effect of rectangular window and Hann window applied to signal</a:t>
+            </a:r>
+            <a:endParaRPr lang="en-US" sz="4500" kern="1200" dirty="0"/>
+          </a:p>
+        </p:txBody>
+      </p:sp>
+      <p:sp>
+        <p:nvSpPr>
+          <p:cNvPr id="9218" name="Rectangle 2"/>
+          <p:cNvSpPr>
+            <a:spLocks noChangeArrowheads="1"/>
+          </p:cNvSpPr>
+          <p:nvPr/>
+        </p:nvSpPr>
+        <p:spPr bwMode="auto">
+          <a:xfrm>
+            <a:off x="12007306" y="-89548"/>
+            <a:ext cx="369391" cy="1093500"/>
+          </a:xfrm>
+          <a:prstGeom prst="rect">
+            <a:avLst/>
+          </a:prstGeom>
+          <a:noFill/>
+          <a:ln w="9525">
+            <a:noFill/>
+            <a:miter lim="800000"/>
+            <a:headEnd/>
+            <a:tailEnd/>
+          </a:ln>
+          <a:effectLst/>
+        </p:spPr>
+        <p:txBody>
+          <a:bodyPr vert="horz" wrap="none" lIns="182878" tIns="91438" rIns="182878" bIns="91438" numCol="1" anchor="ctr" anchorCtr="0" compatLnSpc="1">
+            <a:prstTxWarp prst="textNoShape">
+              <a:avLst/>
+            </a:prstTxWarp>
+            <a:spAutoFit/>
+          </a:bodyPr>
+          <a:lstStyle/>
+          <a:p>
+            <a:pPr defTabSz="1285830" fontAlgn="base">
+              <a:spcBef>
+                <a:spcPct val="0"/>
+              </a:spcBef>
+              <a:spcAft>
+                <a:spcPct val="0"/>
+              </a:spcAft>
+            </a:pPr>
+            <a:endParaRPr lang="en-US" sz="5906">
+              <a:latin typeface="Gill Sans" charset="0"/>
+              <a:sym typeface="Gill Sans" charset="0"/>
+            </a:endParaRPr>
+          </a:p>
+        </p:txBody>
+      </p:sp>
+      <p:pic>
+        <p:nvPicPr>
+          <p:cNvPr id="9217" name="Picture 7"/>
+          <p:cNvPicPr>
+            <a:picLocks noChangeAspect="1" noChangeArrowheads="1"/>
+          </p:cNvPicPr>
+          <p:nvPr/>
+        </p:nvPicPr>
+        <p:blipFill>
+          <a:blip r:embed="rId2" cstate="print"/>
+          <a:srcRect l="8791" r="8791"/>
+          <a:stretch>
+            <a:fillRect/>
+          </a:stretch>
+        </p:blipFill>
+        <p:spPr bwMode="auto">
+          <a:xfrm>
+            <a:off x="2431507" y="1295401"/>
+            <a:ext cx="19991846" cy="12420600"/>
+          </a:xfrm>
+          <a:prstGeom prst="rect">
+            <a:avLst/>
+          </a:prstGeom>
+          <a:noFill/>
+        </p:spPr>
+      </p:pic>
+      <p:sp>
+        <p:nvSpPr>
+          <p:cNvPr id="9219" name="Rectangle 3"/>
+          <p:cNvSpPr>
+            <a:spLocks noChangeArrowheads="1"/>
+          </p:cNvSpPr>
+          <p:nvPr/>
+        </p:nvSpPr>
+        <p:spPr bwMode="auto">
+          <a:xfrm>
+            <a:off x="3048001" y="8211796"/>
+            <a:ext cx="449478" cy="530911"/>
+          </a:xfrm>
+          <a:prstGeom prst="rect">
+            <a:avLst/>
+          </a:prstGeom>
+          <a:noFill/>
+          <a:ln w="9525">
+            <a:noFill/>
+            <a:miter lim="800000"/>
+            <a:headEnd/>
+            <a:tailEnd/>
+          </a:ln>
+          <a:effectLst/>
+        </p:spPr>
+        <p:txBody>
+          <a:bodyPr vert="horz" wrap="none" lIns="182878" tIns="91438" rIns="182878" bIns="91438" numCol="1" anchor="ctr" anchorCtr="0" compatLnSpc="1">
+            <a:prstTxWarp prst="textNoShape">
+              <a:avLst/>
+            </a:prstTxWarp>
+            <a:spAutoFit/>
+          </a:bodyPr>
+          <a:lstStyle/>
+          <a:p>
+            <a:pPr defTabSz="1828706" fontAlgn="base">
+              <a:spcBef>
+                <a:spcPct val="0"/>
+              </a:spcBef>
+              <a:spcAft>
+                <a:spcPct val="0"/>
+              </a:spcAft>
+            </a:pPr>
+            <a:r>
+              <a:rPr lang="en-US" sz="2250" dirty="0">
+                <a:latin typeface="Arial" pitchFamily="34" charset="0"/>
+                <a:ea typeface="Times New Roman" pitchFamily="18" charset="0"/>
+                <a:cs typeface="Arial" pitchFamily="34" charset="0"/>
+                <a:sym typeface="Gill Sans" charset="0"/>
+              </a:rPr>
+              <a:t> </a:t>
+            </a:r>
+            <a:endParaRPr lang="en-US" sz="3656" dirty="0">
+              <a:latin typeface="Arial" pitchFamily="34" charset="0"/>
+              <a:cs typeface="Arial" pitchFamily="34" charset="0"/>
+              <a:sym typeface="Gill Sans" charset="0"/>
+            </a:endParaRPr>
+          </a:p>
+        </p:txBody>
+      </p:sp>
+    </p:spTree>
+  </p:cSld>
+  <p:clrMapOvr>
+    <a:masterClrMapping/>
+  </p:clrMapOvr>
+</p:sld>
+</file>
+
+<file path=ppt/slides/slide14.xml><?xml version="1.0" encoding="utf-8"?>
 <p:sld xmlns:a="http://schemas.openxmlformats.org/drawingml/2006/main" xmlns:r="http://schemas.openxmlformats.org/officeDocument/2006/relationships" xmlns:p="http://schemas.openxmlformats.org/presentationml/2006/main">
   <p:cSld>
     <p:spTree>
@@ -8058,7 +8454,7 @@
               <a:defRPr sz="4888"/>
             </a:pPr>
             <a:r>
-              <a:rPr>
+              <a:rPr dirty="0">
                 <a:solidFill>
                   <a:srgbClr val="3D46A6"/>
                 </a:solidFill>
@@ -8066,7 +8462,8 @@
               <a:t>Windowing</a:t>
             </a:r>
             <a:r>
-              <a:t> lets us isolate a particular time segment of our signal</a:t>
+              <a:rPr dirty="0"/>
+              <a:t> lets us isolate segment of signal</a:t>
             </a:r>
           </a:p>
           <a:p>
@@ -8077,10 +8474,19 @@
               <a:defRPr sz="4888"/>
             </a:pPr>
             <a:r>
-              <a:t>The cost is </a:t>
-            </a:r>
-            <a:r>
-              <a:rPr>
+              <a:rPr lang="en-GB" dirty="0"/>
+              <a:t>C</a:t>
+            </a:r>
+            <a:r>
+              <a:rPr dirty="0" err="1"/>
+              <a:t>ost</a:t>
+            </a:r>
+            <a:r>
+              <a:rPr dirty="0"/>
+              <a:t> is </a:t>
+            </a:r>
+            <a:r>
+              <a:rPr dirty="0">
                 <a:solidFill>
                   <a:srgbClr val="3D46A6"/>
                 </a:solidFill>
@@ -8088,10 +8494,14 @@
               <a:t>smearing</a:t>
             </a:r>
             <a:r>
-              <a:t> of energy in the</a:t>
-            </a:r>
-            <a:br/>
-            <a:r>
+              <a:rPr dirty="0"/>
+              <a:t> of energy in</a:t>
+            </a:r>
+            <a:br>
+              <a:rPr dirty="0"/>
+            </a:br>
+            <a:r>
+              <a:rPr dirty="0"/>
               <a:t>frequency domain</a:t>
             </a:r>
           </a:p>
@@ -8103,11 +8513,15 @@
               <a:defRPr sz="4136"/>
             </a:pPr>
             <a:r>
+              <a:rPr dirty="0"/>
               <a:t>Energy appears at frequencies where it</a:t>
             </a:r>
-            <a:br/>
-            <a:r>
-              <a:t>doesn’t exist in the original signal</a:t>
+            <a:br>
+              <a:rPr dirty="0"/>
+            </a:br>
+            <a:r>
+              <a:rPr dirty="0"/>
+              <a:t>doesn’t exist in original signal</a:t>
             </a:r>
           </a:p>
           <a:p>
@@ -8118,10 +8532,11 @@
               <a:defRPr sz="4888"/>
             </a:pPr>
             <a:r>
+              <a:rPr dirty="0"/>
               <a:t>Each </a:t>
             </a:r>
             <a:r>
-              <a:rPr>
+              <a:rPr dirty="0">
                 <a:solidFill>
                   <a:srgbClr val="3D46A6"/>
                 </a:solidFill>
@@ -8129,14 +8544,18 @@
               <a:t>frequency component </a:t>
             </a:r>
             <a:r>
-              <a:t>of the </a:t>
-            </a:r>
-            <a:br/>
-            <a:r>
-              <a:t>signal appears as a series of </a:t>
-            </a:r>
-            <a:r>
-              <a:rPr>
+              <a:rPr dirty="0"/>
+              <a:t>of</a:t>
+            </a:r>
+            <a:br>
+              <a:rPr dirty="0"/>
+            </a:br>
+            <a:r>
+              <a:rPr dirty="0"/>
+              <a:t>signal appears as series of </a:t>
+            </a:r>
+            <a:r>
+              <a:rPr dirty="0">
                 <a:solidFill>
                   <a:srgbClr val="3D46A6"/>
                 </a:solidFill>
@@ -8152,7 +8571,7 @@
               <a:defRPr sz="4136"/>
             </a:pPr>
             <a:r>
-              <a:rPr>
+              <a:rPr dirty="0">
                 <a:solidFill>
                   <a:srgbClr val="3D46A6"/>
                 </a:solidFill>
@@ -8160,11 +8579,23 @@
               <a:t>Main lobe:</a:t>
             </a:r>
             <a:r>
-              <a:t> a broad peak centred around </a:t>
-            </a:r>
-            <a:br/>
-            <a:r>
-              <a:t>the actual frequency </a:t>
+              <a:rPr dirty="0"/>
+              <a:t> broad peak </a:t>
+            </a:r>
+            <a:r>
+              <a:rPr dirty="0" err="1"/>
+              <a:t>centred</a:t>
+            </a:r>
+            <a:r>
+              <a:rPr dirty="0"/>
+              <a:t> around </a:t>
+            </a:r>
+            <a:br>
+              <a:rPr dirty="0"/>
+            </a:br>
+            <a:r>
+              <a:rPr dirty="0"/>
+              <a:t>actual frequency </a:t>
             </a:r>
           </a:p>
           <a:p>
@@ -8175,7 +8606,7 @@
               <a:defRPr sz="4136"/>
             </a:pPr>
             <a:r>
-              <a:rPr>
+              <a:rPr dirty="0">
                 <a:solidFill>
                   <a:srgbClr val="3D46A6"/>
                 </a:solidFill>
@@ -8183,10 +8614,14 @@
               <a:t>Side lobes:</a:t>
             </a:r>
             <a:r>
+              <a:rPr dirty="0"/>
               <a:t> secondary peaks at other</a:t>
             </a:r>
-            <a:br/>
-            <a:r>
+            <a:br>
+              <a:rPr dirty="0"/>
+            </a:br>
+            <a:r>
+              <a:rPr dirty="0"/>
               <a:t>frequencies</a:t>
             </a:r>
           </a:p>
@@ -8198,10 +8633,19 @@
               <a:defRPr sz="4888"/>
             </a:pPr>
             <a:r>
-              <a:t>We typically want to </a:t>
-            </a:r>
-            <a:r>
-              <a:rPr>
+              <a:rPr lang="en-GB" dirty="0"/>
+              <a:t>T</a:t>
+            </a:r>
+            <a:r>
+              <a:rPr dirty="0" err="1"/>
+              <a:t>ypically</a:t>
+            </a:r>
+            <a:r>
+              <a:rPr dirty="0"/>
+              <a:t> want to </a:t>
+            </a:r>
+            <a:r>
+              <a:rPr dirty="0" err="1">
                 <a:solidFill>
                   <a:srgbClr val="3D46A6"/>
                 </a:solidFill>
@@ -8209,6 +8653,7 @@
               <a:t>minimise</a:t>
             </a:r>
             <a:r>
+              <a:rPr dirty="0"/>
               <a:t>:</a:t>
             </a:r>
           </a:p>
@@ -8224,6 +8669,7 @@
               </a:defRPr>
             </a:pPr>
             <a:r>
+              <a:rPr dirty="0"/>
               <a:t>Main lobe width</a:t>
             </a:r>
           </a:p>
@@ -8239,6 +8685,7 @@
               </a:defRPr>
             </a:pPr>
             <a:r>
+              <a:rPr dirty="0"/>
               <a:t>Side lobe height</a:t>
             </a:r>
           </a:p>
@@ -8264,8 +8711,10 @@
           <a:lstStyle/>
           <a:p>
             <a:r>
-              <a:t>Effects of windowing</a:t>
-            </a:r>
+              <a:rPr lang="en-GB" dirty="0"/>
+              <a:t>Window spectra</a:t>
+            </a:r>
+            <a:endParaRPr dirty="0"/>
           </a:p>
         </p:txBody>
       </p:sp>
@@ -9362,649 +9811,6 @@
 </p:sld>
 </file>
 
-<file path=ppt/slides/slide14.xml><?xml version="1.0" encoding="utf-8"?>
-<p:sld xmlns:a="http://schemas.openxmlformats.org/drawingml/2006/main" xmlns:r="http://schemas.openxmlformats.org/officeDocument/2006/relationships" xmlns:p="http://schemas.openxmlformats.org/presentationml/2006/main">
-  <p:cSld>
-    <p:spTree>
-      <p:nvGrpSpPr>
-        <p:cNvPr id="1" name=""/>
-        <p:cNvGrpSpPr/>
-        <p:nvPr/>
-      </p:nvGrpSpPr>
-      <p:grpSpPr>
-        <a:xfrm>
-          <a:off x="0" y="0"/>
-          <a:ext cx="0" cy="0"/>
-          <a:chOff x="0" y="0"/>
-          <a:chExt cx="0" cy="0"/>
-        </a:xfrm>
-      </p:grpSpPr>
-      <p:pic>
-        <p:nvPicPr>
-          <p:cNvPr id="673" name="hamming.png" descr="hamming.png"/>
-          <p:cNvPicPr>
-            <a:picLocks noChangeAspect="1"/>
-          </p:cNvPicPr>
-          <p:nvPr/>
-        </p:nvPicPr>
-        <p:blipFill>
-          <a:blip r:embed="rId2"/>
-          <a:stretch>
-            <a:fillRect/>
-          </a:stretch>
-        </p:blipFill>
-        <p:spPr>
-          <a:xfrm>
-            <a:off x="12238899" y="8702281"/>
-            <a:ext cx="11626079" cy="3111501"/>
-          </a:xfrm>
-          <a:prstGeom prst="rect">
-            <a:avLst/>
-          </a:prstGeom>
-          <a:ln w="12700">
-            <a:miter lim="400000"/>
-          </a:ln>
-        </p:spPr>
-      </p:pic>
-      <p:pic>
-        <p:nvPicPr>
-          <p:cNvPr id="674" name="hann.png" descr="hann.png"/>
-          <p:cNvPicPr>
-            <a:picLocks noChangeAspect="1"/>
-          </p:cNvPicPr>
-          <p:nvPr/>
-        </p:nvPicPr>
-        <p:blipFill>
-          <a:blip r:embed="rId3"/>
-          <a:stretch>
-            <a:fillRect/>
-          </a:stretch>
-        </p:blipFill>
-        <p:spPr>
-          <a:xfrm>
-            <a:off x="-25848" y="8745660"/>
-            <a:ext cx="11605621" cy="3106026"/>
-          </a:xfrm>
-          <a:prstGeom prst="rect">
-            <a:avLst/>
-          </a:prstGeom>
-          <a:ln w="12700">
-            <a:miter lim="400000"/>
-          </a:ln>
-        </p:spPr>
-      </p:pic>
-      <p:pic>
-        <p:nvPicPr>
-          <p:cNvPr id="675" name="bartlett.png" descr="bartlett.png"/>
-          <p:cNvPicPr>
-            <a:picLocks noChangeAspect="1"/>
-          </p:cNvPicPr>
-          <p:nvPr/>
-        </p:nvPicPr>
-        <p:blipFill>
-          <a:blip r:embed="rId4"/>
-          <a:stretch>
-            <a:fillRect/>
-          </a:stretch>
-        </p:blipFill>
-        <p:spPr>
-          <a:xfrm>
-            <a:off x="12238899" y="3613480"/>
-            <a:ext cx="11626079" cy="3111501"/>
-          </a:xfrm>
-          <a:prstGeom prst="rect">
-            <a:avLst/>
-          </a:prstGeom>
-          <a:ln w="12700">
-            <a:miter lim="400000"/>
-          </a:ln>
-        </p:spPr>
-      </p:pic>
-      <p:sp>
-        <p:nvSpPr>
-          <p:cNvPr id="676" name="Main lobe width: 8π/N…"/>
-          <p:cNvSpPr txBox="1"/>
-          <p:nvPr/>
-        </p:nvSpPr>
-        <p:spPr>
-          <a:xfrm>
-            <a:off x="13786744" y="2427420"/>
-            <a:ext cx="5911089" cy="1306577"/>
-          </a:xfrm>
-          <a:prstGeom prst="rect">
-            <a:avLst/>
-          </a:prstGeom>
-          <a:ln w="12700">
-            <a:miter lim="400000"/>
-          </a:ln>
-          <a:extLst>
-            <a:ext uri="{C572A759-6A51-4108-AA02-DFA0A04FC94B}">
-              <ma14:wrappingTextBoxFlag xmlns:ma14="http://schemas.microsoft.com/office/mac/drawingml/2011/main" xmlns:a14="http://schemas.microsoft.com/office/drawing/2010/main" xmlns:m="http://schemas.openxmlformats.org/officeDocument/2006/math" xmlns="" val="1"/>
-            </a:ext>
-          </a:extLst>
-        </p:spPr>
-        <p:txBody>
-          <a:bodyPr wrap="none" lIns="50800" tIns="50800" rIns="50800" bIns="50800" anchor="ctr">
-            <a:spAutoFit/>
-          </a:bodyPr>
-          <a:lstStyle/>
-          <a:p>
-            <a:pPr algn="l">
-              <a:defRPr sz="4000" b="0"/>
-            </a:pPr>
-            <a:r>
-              <a:t>Main lobe width: 8π/N</a:t>
-            </a:r>
-          </a:p>
-          <a:p>
-            <a:pPr algn="l">
-              <a:defRPr sz="4000" b="0"/>
-            </a:pPr>
-            <a:r>
-              <a:t>Side lobe height: -26.5dB</a:t>
-            </a:r>
-          </a:p>
-        </p:txBody>
-      </p:sp>
-      <p:sp>
-        <p:nvSpPr>
-          <p:cNvPr id="677" name="Window spectra"/>
-          <p:cNvSpPr txBox="1">
-            <a:spLocks noGrp="1"/>
-          </p:cNvSpPr>
-          <p:nvPr>
-            <p:ph type="title"/>
-          </p:nvPr>
-        </p:nvSpPr>
-        <p:spPr>
-          <a:prstGeom prst="rect">
-            <a:avLst/>
-          </a:prstGeom>
-        </p:spPr>
-        <p:txBody>
-          <a:bodyPr/>
-          <a:lstStyle/>
-          <a:p>
-            <a:r>
-              <a:t>Window spectra</a:t>
-            </a:r>
-          </a:p>
-        </p:txBody>
-      </p:sp>
-      <p:sp>
-        <p:nvSpPr>
-          <p:cNvPr id="678" name="Rectangular"/>
-          <p:cNvSpPr txBox="1"/>
-          <p:nvPr/>
-        </p:nvSpPr>
-        <p:spPr>
-          <a:xfrm>
-            <a:off x="4259402" y="1670809"/>
-            <a:ext cx="3673196" cy="870510"/>
-          </a:xfrm>
-          <a:prstGeom prst="rect">
-            <a:avLst/>
-          </a:prstGeom>
-          <a:ln w="12700">
-            <a:miter lim="400000"/>
-          </a:ln>
-          <a:extLst>
-            <a:ext uri="{C572A759-6A51-4108-AA02-DFA0A04FC94B}">
-              <ma14:wrappingTextBoxFlag xmlns:ma14="http://schemas.microsoft.com/office/mac/drawingml/2011/main" xmlns:a14="http://schemas.microsoft.com/office/drawing/2010/main" xmlns:m="http://schemas.openxmlformats.org/officeDocument/2006/math" xmlns="" val="1"/>
-            </a:ext>
-          </a:extLst>
-        </p:spPr>
-        <p:txBody>
-          <a:bodyPr wrap="none" lIns="50800" tIns="50800" rIns="50800" bIns="50800" anchor="ctr">
-            <a:spAutoFit/>
-          </a:bodyPr>
-          <a:lstStyle>
-            <a:lvl1pPr>
-              <a:defRPr sz="5200" b="0">
-                <a:solidFill>
-                  <a:srgbClr val="9B1200"/>
-                </a:solidFill>
-              </a:defRPr>
-            </a:lvl1pPr>
-          </a:lstStyle>
-          <a:p>
-            <a:r>
-              <a:t>Rectangular</a:t>
-            </a:r>
-          </a:p>
-        </p:txBody>
-      </p:sp>
-      <p:sp>
-        <p:nvSpPr>
-          <p:cNvPr id="679" name="Triangular (Bartlett)"/>
-          <p:cNvSpPr txBox="1"/>
-          <p:nvPr/>
-        </p:nvSpPr>
-        <p:spPr>
-          <a:xfrm>
-            <a:off x="15503435" y="1670809"/>
-            <a:ext cx="5666284" cy="870510"/>
-          </a:xfrm>
-          <a:prstGeom prst="rect">
-            <a:avLst/>
-          </a:prstGeom>
-          <a:ln w="12700">
-            <a:miter lim="400000"/>
-          </a:ln>
-          <a:extLst>
-            <a:ext uri="{C572A759-6A51-4108-AA02-DFA0A04FC94B}">
-              <ma14:wrappingTextBoxFlag xmlns:ma14="http://schemas.microsoft.com/office/mac/drawingml/2011/main" xmlns:a14="http://schemas.microsoft.com/office/drawing/2010/main" xmlns:m="http://schemas.openxmlformats.org/officeDocument/2006/math" xmlns="" val="1"/>
-            </a:ext>
-          </a:extLst>
-        </p:spPr>
-        <p:txBody>
-          <a:bodyPr wrap="none" lIns="50800" tIns="50800" rIns="50800" bIns="50800" anchor="ctr">
-            <a:spAutoFit/>
-          </a:bodyPr>
-          <a:lstStyle>
-            <a:lvl1pPr>
-              <a:defRPr sz="5200" b="0">
-                <a:solidFill>
-                  <a:srgbClr val="9B1200"/>
-                </a:solidFill>
-              </a:defRPr>
-            </a:lvl1pPr>
-          </a:lstStyle>
-          <a:p>
-            <a:r>
-              <a:t>Triangular (Bartlett)</a:t>
-            </a:r>
-          </a:p>
-        </p:txBody>
-      </p:sp>
-      <p:sp>
-        <p:nvSpPr>
-          <p:cNvPr id="680" name="Hann"/>
-          <p:cNvSpPr txBox="1"/>
-          <p:nvPr/>
-        </p:nvSpPr>
-        <p:spPr>
-          <a:xfrm>
-            <a:off x="5255945" y="6644617"/>
-            <a:ext cx="1680110" cy="870510"/>
-          </a:xfrm>
-          <a:prstGeom prst="rect">
-            <a:avLst/>
-          </a:prstGeom>
-          <a:ln w="12700">
-            <a:miter lim="400000"/>
-          </a:ln>
-          <a:extLst>
-            <a:ext uri="{C572A759-6A51-4108-AA02-DFA0A04FC94B}">
-              <ma14:wrappingTextBoxFlag xmlns:ma14="http://schemas.microsoft.com/office/mac/drawingml/2011/main" xmlns:a14="http://schemas.microsoft.com/office/drawing/2010/main" xmlns:m="http://schemas.openxmlformats.org/officeDocument/2006/math" xmlns="" val="1"/>
-            </a:ext>
-          </a:extLst>
-        </p:spPr>
-        <p:txBody>
-          <a:bodyPr wrap="none" lIns="50800" tIns="50800" rIns="50800" bIns="50800" anchor="ctr">
-            <a:spAutoFit/>
-          </a:bodyPr>
-          <a:lstStyle>
-            <a:lvl1pPr>
-              <a:defRPr sz="5200" b="0">
-                <a:solidFill>
-                  <a:srgbClr val="9B1200"/>
-                </a:solidFill>
-              </a:defRPr>
-            </a:lvl1pPr>
-          </a:lstStyle>
-          <a:p>
-            <a:r>
-              <a:t>Hann</a:t>
-            </a:r>
-          </a:p>
-        </p:txBody>
-      </p:sp>
-      <p:sp>
-        <p:nvSpPr>
-          <p:cNvPr id="681" name="Hamming"/>
-          <p:cNvSpPr txBox="1"/>
-          <p:nvPr/>
-        </p:nvSpPr>
-        <p:spPr>
-          <a:xfrm>
-            <a:off x="16853953" y="6644617"/>
-            <a:ext cx="2965248" cy="870510"/>
-          </a:xfrm>
-          <a:prstGeom prst="rect">
-            <a:avLst/>
-          </a:prstGeom>
-          <a:ln w="12700">
-            <a:miter lim="400000"/>
-          </a:ln>
-          <a:extLst>
-            <a:ext uri="{C572A759-6A51-4108-AA02-DFA0A04FC94B}">
-              <ma14:wrappingTextBoxFlag xmlns:ma14="http://schemas.microsoft.com/office/mac/drawingml/2011/main" xmlns:a14="http://schemas.microsoft.com/office/drawing/2010/main" xmlns:m="http://schemas.openxmlformats.org/officeDocument/2006/math" xmlns="" val="1"/>
-            </a:ext>
-          </a:extLst>
-        </p:spPr>
-        <p:txBody>
-          <a:bodyPr wrap="none" lIns="50800" tIns="50800" rIns="50800" bIns="50800" anchor="ctr">
-            <a:spAutoFit/>
-          </a:bodyPr>
-          <a:lstStyle>
-            <a:lvl1pPr>
-              <a:defRPr sz="5200" b="0">
-                <a:solidFill>
-                  <a:srgbClr val="9B1200"/>
-                </a:solidFill>
-              </a:defRPr>
-            </a:lvl1pPr>
-          </a:lstStyle>
-          <a:p>
-            <a:r>
-              <a:t>Hamming</a:t>
-            </a:r>
-          </a:p>
-        </p:txBody>
-      </p:sp>
-      <p:pic>
-        <p:nvPicPr>
-          <p:cNvPr id="682" name="rectangular.png" descr="rectangular.png"/>
-          <p:cNvPicPr>
-            <a:picLocks noChangeAspect="1"/>
-          </p:cNvPicPr>
-          <p:nvPr/>
-        </p:nvPicPr>
-        <p:blipFill>
-          <a:blip r:embed="rId5"/>
-          <a:stretch>
-            <a:fillRect/>
-          </a:stretch>
-        </p:blipFill>
-        <p:spPr>
-          <a:xfrm>
-            <a:off x="11363" y="3609159"/>
-            <a:ext cx="11626079" cy="3111501"/>
-          </a:xfrm>
-          <a:prstGeom prst="rect">
-            <a:avLst/>
-          </a:prstGeom>
-          <a:ln w="12700">
-            <a:miter lim="400000"/>
-          </a:ln>
-        </p:spPr>
-      </p:pic>
-      <p:sp>
-        <p:nvSpPr>
-          <p:cNvPr id="683" name="Main lobe width: 4π/N…"/>
-          <p:cNvSpPr txBox="1"/>
-          <p:nvPr/>
-        </p:nvSpPr>
-        <p:spPr>
-          <a:xfrm>
-            <a:off x="1562624" y="2423099"/>
-            <a:ext cx="5487417" cy="1306577"/>
-          </a:xfrm>
-          <a:prstGeom prst="rect">
-            <a:avLst/>
-          </a:prstGeom>
-          <a:ln w="12700">
-            <a:miter lim="400000"/>
-          </a:ln>
-          <a:extLst>
-            <a:ext uri="{C572A759-6A51-4108-AA02-DFA0A04FC94B}">
-              <ma14:wrappingTextBoxFlag xmlns:ma14="http://schemas.microsoft.com/office/mac/drawingml/2011/main" xmlns:a14="http://schemas.microsoft.com/office/drawing/2010/main" xmlns:m="http://schemas.openxmlformats.org/officeDocument/2006/math" xmlns="" val="1"/>
-            </a:ext>
-          </a:extLst>
-        </p:spPr>
-        <p:txBody>
-          <a:bodyPr wrap="none" lIns="50800" tIns="50800" rIns="50800" bIns="50800" anchor="ctr">
-            <a:spAutoFit/>
-          </a:bodyPr>
-          <a:lstStyle/>
-          <a:p>
-            <a:pPr algn="l">
-              <a:defRPr sz="4000" b="0"/>
-            </a:pPr>
-            <a:r>
-              <a:t>Main lobe width: 4π/N</a:t>
-            </a:r>
-          </a:p>
-          <a:p>
-            <a:pPr algn="l">
-              <a:defRPr sz="4000" b="0"/>
-            </a:pPr>
-            <a:r>
-              <a:t>Side lobe height: -13dB</a:t>
-            </a:r>
-          </a:p>
-        </p:txBody>
-      </p:sp>
-      <p:sp>
-        <p:nvSpPr>
-          <p:cNvPr id="684" name="Main lobe width: 8π/N…"/>
-          <p:cNvSpPr txBox="1"/>
-          <p:nvPr/>
-        </p:nvSpPr>
-        <p:spPr>
-          <a:xfrm>
-            <a:off x="1555705" y="7517657"/>
-            <a:ext cx="5911089" cy="1306577"/>
-          </a:xfrm>
-          <a:prstGeom prst="rect">
-            <a:avLst/>
-          </a:prstGeom>
-          <a:ln w="12700">
-            <a:miter lim="400000"/>
-          </a:ln>
-          <a:extLst>
-            <a:ext uri="{C572A759-6A51-4108-AA02-DFA0A04FC94B}">
-              <ma14:wrappingTextBoxFlag xmlns:ma14="http://schemas.microsoft.com/office/mac/drawingml/2011/main" xmlns:a14="http://schemas.microsoft.com/office/drawing/2010/main" xmlns:m="http://schemas.openxmlformats.org/officeDocument/2006/math" xmlns="" val="1"/>
-            </a:ext>
-          </a:extLst>
-        </p:spPr>
-        <p:txBody>
-          <a:bodyPr wrap="none" lIns="50800" tIns="50800" rIns="50800" bIns="50800" anchor="ctr">
-            <a:spAutoFit/>
-          </a:bodyPr>
-          <a:lstStyle/>
-          <a:p>
-            <a:pPr algn="l">
-              <a:defRPr sz="4000" b="0"/>
-            </a:pPr>
-            <a:r>
-              <a:t>Main lobe width: 8π/N</a:t>
-            </a:r>
-          </a:p>
-          <a:p>
-            <a:pPr algn="l">
-              <a:defRPr sz="4000" b="0"/>
-            </a:pPr>
-            <a:r>
-              <a:t>Side lobe height: -31.5dB</a:t>
-            </a:r>
-          </a:p>
-        </p:txBody>
-      </p:sp>
-      <p:sp>
-        <p:nvSpPr>
-          <p:cNvPr id="685" name="Main lobe width: 8π/N…"/>
-          <p:cNvSpPr txBox="1"/>
-          <p:nvPr/>
-        </p:nvSpPr>
-        <p:spPr>
-          <a:xfrm>
-            <a:off x="13786744" y="7439084"/>
-            <a:ext cx="5911089" cy="1306577"/>
-          </a:xfrm>
-          <a:prstGeom prst="rect">
-            <a:avLst/>
-          </a:prstGeom>
-          <a:ln w="12700">
-            <a:miter lim="400000"/>
-          </a:ln>
-          <a:extLst>
-            <a:ext uri="{C572A759-6A51-4108-AA02-DFA0A04FC94B}">
-              <ma14:wrappingTextBoxFlag xmlns:ma14="http://schemas.microsoft.com/office/mac/drawingml/2011/main" xmlns:a14="http://schemas.microsoft.com/office/drawing/2010/main" xmlns:m="http://schemas.openxmlformats.org/officeDocument/2006/math" xmlns="" val="1"/>
-            </a:ext>
-          </a:extLst>
-        </p:spPr>
-        <p:txBody>
-          <a:bodyPr wrap="none" lIns="50800" tIns="50800" rIns="50800" bIns="50800" anchor="ctr">
-            <a:spAutoFit/>
-          </a:bodyPr>
-          <a:lstStyle/>
-          <a:p>
-            <a:pPr algn="l">
-              <a:defRPr sz="4000" b="0"/>
-            </a:pPr>
-            <a:r>
-              <a:t>Main lobe width: 8π/N</a:t>
-            </a:r>
-          </a:p>
-          <a:p>
-            <a:pPr algn="l">
-              <a:defRPr sz="4000" b="0"/>
-            </a:pPr>
-            <a:r>
-              <a:t>Side lobe height: -42.8dB</a:t>
-            </a:r>
-          </a:p>
-        </p:txBody>
-      </p:sp>
-      <p:sp>
-        <p:nvSpPr>
-          <p:cNvPr id="686" name="→ When in doubt: use a Hann window"/>
-          <p:cNvSpPr txBox="1"/>
-          <p:nvPr/>
-        </p:nvSpPr>
-        <p:spPr>
-          <a:xfrm>
-            <a:off x="1493114" y="11618426"/>
-            <a:ext cx="9708897" cy="763152"/>
-          </a:xfrm>
-          <a:prstGeom prst="rect">
-            <a:avLst/>
-          </a:prstGeom>
-          <a:ln w="12700">
-            <a:miter lim="400000"/>
-          </a:ln>
-          <a:extLst>
-            <a:ext uri="{C572A759-6A51-4108-AA02-DFA0A04FC94B}">
-              <ma14:wrappingTextBoxFlag xmlns:ma14="http://schemas.microsoft.com/office/mac/drawingml/2011/main" xmlns:a14="http://schemas.microsoft.com/office/drawing/2010/main" xmlns:m="http://schemas.openxmlformats.org/officeDocument/2006/math" xmlns="" val="1"/>
-            </a:ext>
-          </a:extLst>
-        </p:spPr>
-        <p:txBody>
-          <a:bodyPr wrap="none" lIns="50800" tIns="50800" rIns="50800" bIns="50800" anchor="ctr">
-            <a:spAutoFit/>
-          </a:bodyPr>
-          <a:lstStyle>
-            <a:lvl1pPr algn="l">
-              <a:defRPr sz="4400" b="0">
-                <a:solidFill>
-                  <a:srgbClr val="9B1200"/>
-                </a:solidFill>
-              </a:defRPr>
-            </a:lvl1pPr>
-          </a:lstStyle>
-          <a:p>
-            <a:r>
-              <a:t>→ When in doubt: use a Hann window</a:t>
-            </a:r>
-          </a:p>
-        </p:txBody>
-      </p:sp>
-    </p:spTree>
-  </p:cSld>
-  <p:clrMapOvr>
-    <a:masterClrMapping/>
-  </p:clrMapOvr>
-  <p:transition spd="med"/>
-  <p:timing>
-    <p:tnLst>
-      <p:par>
-        <p:cTn id="1" dur="indefinite" restart="never" fill="hold" nodeType="tmRoot">
-          <p:childTnLst>
-            <p:seq concurrent="1" prevAc="none" nextAc="seek">
-              <p:cTn id="2" dur="indefinite" fill="hold" nodeType="mainSeq">
-                <p:childTnLst>
-                  <p:par>
-                    <p:cTn id="3" fill="hold">
-                      <p:stCondLst>
-                        <p:cond delay="indefinite"/>
-                      </p:stCondLst>
-                      <p:childTnLst>
-                        <p:par>
-                          <p:cTn id="4" fill="hold">
-                            <p:stCondLst>
-                              <p:cond delay="0"/>
-                            </p:stCondLst>
-                            <p:childTnLst>
-                              <p:par>
-                                <p:cTn id="5" presetID="22" presetClass="entr" presetSubtype="8" fill="hold" grpId="1" nodeType="clickEffect">
-                                  <p:stCondLst>
-                                    <p:cond delay="0"/>
-                                  </p:stCondLst>
-                                  <p:iterate>
-                                    <p:tmAbs val="0"/>
-                                  </p:iterate>
-                                  <p:childTnLst>
-                                    <p:set>
-                                      <p:cBhvr>
-                                        <p:cTn id="6" fill="hold"/>
-                                        <p:tgtEl>
-                                          <p:spTgt spid="686"/>
-                                        </p:tgtEl>
-                                        <p:attrNameLst>
-                                          <p:attrName>style.visibility</p:attrName>
-                                        </p:attrNameLst>
-                                      </p:cBhvr>
-                                      <p:to>
-                                        <p:strVal val="visible"/>
-                                      </p:to>
-                                    </p:set>
-                                    <p:animEffect transition="in" filter="wipe(left)">
-                                      <p:cBhvr>
-                                        <p:cTn id="7" dur="1000"/>
-                                        <p:tgtEl>
-                                          <p:spTgt spid="686"/>
-                                        </p:tgtEl>
-                                      </p:cBhvr>
-                                    </p:animEffect>
-                                  </p:childTnLst>
-                                </p:cTn>
-                              </p:par>
-                            </p:childTnLst>
-                          </p:cTn>
-                        </p:par>
-                      </p:childTnLst>
-                    </p:cTn>
-                  </p:par>
-                </p:childTnLst>
-              </p:cTn>
-              <p:prevCondLst>
-                <p:cond evt="onPrev" delay="0">
-                  <p:tgtEl>
-                    <p:sldTgt/>
-                  </p:tgtEl>
-                </p:cond>
-              </p:prevCondLst>
-              <p:nextCondLst>
-                <p:cond evt="onNext" delay="0">
-                  <p:tgtEl>
-                    <p:sldTgt/>
-                  </p:tgtEl>
-                </p:cond>
-              </p:nextCondLst>
-            </p:seq>
-          </p:childTnLst>
-        </p:cTn>
-      </p:par>
-    </p:tnLst>
-    <p:bldLst>
-      <p:bldP spid="686" grpId="1" animBg="1" advAuto="0"/>
-    </p:bldLst>
-  </p:timing>
-</p:sld>
-</file>
-
 <file path=ppt/slides/slide15.xml><?xml version="1.0" encoding="utf-8"?>
 <p:sld xmlns:a="http://schemas.openxmlformats.org/drawingml/2006/main" xmlns:r="http://schemas.openxmlformats.org/officeDocument/2006/relationships" xmlns:p="http://schemas.openxmlformats.org/presentationml/2006/main">
   <p:cSld>
@@ -10042,32 +9848,44 @@
           <a:lstStyle/>
           <a:p>
             <a:r>
-              <a:t>It is most efficient to </a:t>
-            </a:r>
-            <a:r>
-              <a:rPr>
+              <a:rPr lang="en-GB" dirty="0"/>
+              <a:t>M</a:t>
+            </a:r>
+            <a:r>
+              <a:rPr dirty="0" err="1"/>
+              <a:t>ost</a:t>
+            </a:r>
+            <a:r>
+              <a:rPr dirty="0"/>
+              <a:t> efficient to </a:t>
+            </a:r>
+            <a:r>
+              <a:rPr dirty="0">
                 <a:solidFill>
                   <a:srgbClr val="3D46A6"/>
                 </a:solidFill>
               </a:rPr>
-              <a:t>pre-calculate the window</a:t>
-            </a:r>
-            <a:r>
-              <a:t> when the program starts</a:t>
+              <a:t>pre-calculate window</a:t>
+            </a:r>
+            <a:r>
+              <a:rPr dirty="0"/>
+              <a:t> when program starts</a:t>
             </a:r>
           </a:p>
           <a:p>
             <a:pPr lvl="1"/>
             <a:r>
+              <a:rPr dirty="0"/>
               <a:t>Then recalculate when settings change: window size, window type etc.</a:t>
             </a:r>
           </a:p>
           <a:p>
             <a:r>
-              <a:t>Store the window in an </a:t>
-            </a:r>
-            <a:r>
-              <a:rPr>
+              <a:rPr dirty="0"/>
+              <a:t>Store window in an </a:t>
+            </a:r>
+            <a:r>
+              <a:rPr dirty="0">
                 <a:solidFill>
                   <a:srgbClr val="3D46A6"/>
                 </a:solidFill>
@@ -10075,21 +9893,32 @@
               <a:t>array</a:t>
             </a:r>
             <a:r>
+              <a:rPr dirty="0"/>
               <a:t> (typically a global variable)</a:t>
             </a:r>
           </a:p>
           <a:p>
             <a:pPr lvl="1"/>
             <a:r>
-              <a:t>Length of the array is equal to the window size</a:t>
+              <a:rPr lang="en-GB" dirty="0"/>
+              <a:t>Array l</a:t>
+            </a:r>
+            <a:r>
+              <a:rPr dirty="0" err="1"/>
+              <a:t>ength</a:t>
+            </a:r>
+            <a:r>
+              <a:rPr dirty="0"/>
+              <a:t> equal to window size</a:t>
             </a:r>
           </a:p>
           <a:p>
             <a:r>
+              <a:rPr dirty="0"/>
               <a:t>To </a:t>
             </a:r>
             <a:r>
-              <a:rPr>
+              <a:rPr dirty="0">
                 <a:solidFill>
                   <a:srgbClr val="3D46A6"/>
                 </a:solidFill>
@@ -10097,10 +9926,11 @@
               <a:t>calculate</a:t>
             </a:r>
             <a:r>
-              <a:t>, use a </a:t>
-            </a:r>
-            <a:r>
-              <a:rPr>
+              <a:rPr dirty="0"/>
+              <a:t>, use </a:t>
+            </a:r>
+            <a:r>
+              <a:rPr dirty="0">
                 <a:latin typeface="Courier"/>
                 <a:ea typeface="Courier"/>
                 <a:cs typeface="Courier"/>
@@ -10109,27 +9939,42 @@
               <a:t>for()</a:t>
             </a:r>
             <a:r>
-              <a:t> loop to iterate over each sample of the window</a:t>
+              <a:rPr dirty="0"/>
+              <a:t> loop to iterate over each sample of window</a:t>
             </a:r>
           </a:p>
           <a:p>
-            <a:endParaRPr/>
+            <a:endParaRPr dirty="0"/>
           </a:p>
           <a:p>
-            <a:endParaRPr/>
+            <a:endParaRPr dirty="0"/>
           </a:p>
           <a:p>
-            <a:endParaRPr/>
+            <a:endParaRPr dirty="0"/>
           </a:p>
           <a:p>
             <a:r>
-              <a:t>To apply, multiply the signal by the window buffer frame-by-frame</a:t>
+              <a:rPr dirty="0"/>
+              <a:t>To apply, multiply </a:t>
+            </a:r>
+            <a:r>
+              <a:rPr lang="en-GB" dirty="0"/>
+              <a:t>s</a:t>
+            </a:r>
+            <a:r>
+              <a:rPr dirty="0" err="1"/>
+              <a:t>ignal</a:t>
+            </a:r>
+            <a:r>
+              <a:rPr dirty="0"/>
+              <a:t> by window buffer frame-by-frame</a:t>
             </a:r>
           </a:p>
           <a:p>
             <a:pPr lvl="1"/>
             <a:r>
-              <a:t>Could do this while unwrapping a circular buffer (see Lecture 18)</a:t>
+              <a:rPr dirty="0"/>
+              <a:t>Could do this while unwrapping circular buffer</a:t>
             </a:r>
           </a:p>
         </p:txBody>
@@ -10154,6 +9999,7 @@
           <a:lstStyle/>
           <a:p>
             <a:r>
+              <a:rPr dirty="0"/>
               <a:t>Coding a window</a:t>
             </a:r>
           </a:p>
@@ -10345,10 +10191,10 @@
         </p:nvGrpSpPr>
         <p:grpSpPr>
           <a:xfrm>
-            <a:off x="2434191" y="6140450"/>
-            <a:ext cx="10665843" cy="3213100"/>
-            <a:chOff x="0" y="0"/>
-            <a:chExt cx="10665841" cy="3213100"/>
+            <a:off x="2434191" y="6084342"/>
+            <a:ext cx="8793417" cy="2470696"/>
+            <a:chOff x="0" y="401092"/>
+            <a:chExt cx="8793415" cy="2470696"/>
           </a:xfrm>
         </p:grpSpPr>
         <p:grpSp>
@@ -10359,10 +10205,10 @@
           </p:nvGrpSpPr>
           <p:grpSpPr>
             <a:xfrm>
-              <a:off x="0" y="0"/>
-              <a:ext cx="10665842" cy="3213100"/>
-              <a:chOff x="0" y="0"/>
-              <a:chExt cx="10665841" cy="3213100"/>
+              <a:off x="0" y="401092"/>
+              <a:ext cx="8793415" cy="2470696"/>
+              <a:chOff x="0" y="401092"/>
+              <a:chExt cx="8793414" cy="2470696"/>
             </a:xfrm>
           </p:grpSpPr>
           <p:sp>
@@ -10373,8 +10219,8 @@
             </p:nvSpPr>
             <p:spPr>
               <a:xfrm>
-                <a:off x="0" y="0"/>
-                <a:ext cx="10665842" cy="3213101"/>
+                <a:off x="0" y="401092"/>
+                <a:ext cx="5596082" cy="2410916"/>
               </a:xfrm>
               <a:prstGeom prst="rect">
                 <a:avLst/>
@@ -10412,7 +10258,7 @@
                   </a:defRPr>
                 </a:pPr>
                 <a:r>
-                  <a:rPr b="1">
+                  <a:rPr b="1" dirty="0">
                     <a:solidFill>
                       <a:srgbClr val="AD3DA4"/>
                     </a:solidFill>
@@ -10420,7 +10266,7 @@
                   <a:t>const</a:t>
                 </a:r>
                 <a:r>
-                  <a:rPr>
+                  <a:rPr dirty="0">
                     <a:solidFill>
                       <a:srgbClr val="000000">
                         <a:alpha val="85000"/>
@@ -10430,7 +10276,7 @@
                   <a:t> </a:t>
                 </a:r>
                 <a:r>
-                  <a:rPr b="1">
+                  <a:rPr b="1" dirty="0">
                     <a:solidFill>
                       <a:srgbClr val="AD3DA4"/>
                     </a:solidFill>
@@ -10438,7 +10284,7 @@
                   <a:t>int</a:t>
                 </a:r>
                 <a:r>
-                  <a:rPr>
+                  <a:rPr dirty="0">
                     <a:solidFill>
                       <a:srgbClr val="000000">
                         <a:alpha val="85000"/>
@@ -10448,10 +10294,11 @@
                   <a:t> </a:t>
                 </a:r>
                 <a:r>
+                  <a:rPr dirty="0" err="1"/>
                   <a:t>windowSize</a:t>
                 </a:r>
                 <a:r>
-                  <a:rPr>
+                  <a:rPr dirty="0">
                     <a:solidFill>
                       <a:srgbClr val="000000">
                         <a:alpha val="85000"/>
@@ -10461,7 +10308,7 @@
                   <a:t> = </a:t>
                 </a:r>
                 <a:r>
-                  <a:rPr>
+                  <a:rPr dirty="0">
                     <a:solidFill>
                       <a:srgbClr val="272AD8"/>
                     </a:solidFill>
@@ -10469,7 +10316,7 @@
                   <a:t>1024</a:t>
                 </a:r>
                 <a:r>
-                  <a:rPr>
+                  <a:rPr dirty="0">
                     <a:solidFill>
                       <a:srgbClr val="000000">
                         <a:alpha val="85000"/>
@@ -10497,7 +10344,7 @@
                   </a:defRPr>
                 </a:pPr>
                 <a:r>
-                  <a:rPr b="1">
+                  <a:rPr b="1" dirty="0">
                     <a:solidFill>
                       <a:srgbClr val="AD3DA4"/>
                     </a:solidFill>
@@ -10505,10 +10352,11 @@
                   <a:t>float</a:t>
                 </a:r>
                 <a:r>
+                  <a:rPr dirty="0"/>
                   <a:t> </a:t>
                 </a:r>
                 <a:r>
-                  <a:rPr>
+                  <a:rPr dirty="0" err="1">
                     <a:solidFill>
                       <a:srgbClr val="047CB0"/>
                     </a:solidFill>
@@ -10516,7 +10364,16 @@
                   <a:t>windowBuffer</a:t>
                 </a:r>
                 <a:r>
-                  <a:t>[gWindowSize];</a:t>
+                  <a:rPr dirty="0"/>
+                  <a:t>[</a:t>
+                </a:r>
+                <a:r>
+                  <a:rPr dirty="0" err="1"/>
+                  <a:t>gWindowSize</a:t>
+                </a:r>
+                <a:r>
+                  <a:rPr dirty="0"/>
+                  <a:t>];</a:t>
                 </a:r>
               </a:p>
               <a:p>
@@ -10536,7 +10393,7 @@
                     <a:sym typeface="Menlo Regular"/>
                   </a:defRPr>
                 </a:pPr>
-                <a:endParaRPr/>
+                <a:endParaRPr dirty="0"/>
               </a:p>
               <a:p>
                 <a:pPr algn="l" defTabSz="376554">
@@ -10556,40 +10413,35 @@
                   </a:defRPr>
                 </a:pPr>
                 <a:r>
-                  <a:rPr b="1">
+                  <a:rPr lang="en-GB" dirty="0">
                     <a:solidFill>
                       <a:srgbClr val="AD3DA4"/>
                     </a:solidFill>
                   </a:rPr>
-                  <a:t>for</a:t>
+                  <a:t>f</a:t>
                 </a:r>
                 <a:r>
-                  <a:t>(</a:t>
-                </a:r>
-                <a:r>
-                  <a:rPr b="1">
+                  <a:rPr b="1" dirty="0">
                     <a:solidFill>
                       <a:srgbClr val="AD3DA4"/>
                     </a:solidFill>
                   </a:rPr>
-                  <a:t>unsigned</a:t>
+                  <a:t>or</a:t>
                 </a:r>
                 <a:r>
-                  <a:t> </a:t>
-                </a:r>
-                <a:r>
-                  <a:rPr b="1">
+                  <a:rPr lang="en-GB" b="1" dirty="0">
                     <a:solidFill>
                       <a:srgbClr val="AD3DA4"/>
                     </a:solidFill>
                   </a:rPr>
-                  <a:t>int</a:t>
+                  <a:t> </a:t>
                 </a:r>
                 <a:r>
-                  <a:t> n = </a:t>
+                  <a:rPr dirty="0"/>
+                  <a:t>(n = </a:t>
                 </a:r>
                 <a:r>
-                  <a:rPr>
+                  <a:rPr dirty="0">
                     <a:solidFill>
                       <a:srgbClr val="272AD8"/>
                     </a:solidFill>
@@ -10597,8 +10449,18 @@
                   <a:t>0</a:t>
                 </a:r>
                 <a:r>
-                  <a:t>; n &lt; windowSize; n++) {</a:t>
+                  <a:rPr dirty="0"/>
+                  <a:t>; n &lt; </a:t>
                 </a:r>
+                <a:r>
+                  <a:rPr dirty="0" err="1"/>
+                  <a:t>windowSize</a:t>
+                </a:r>
+                <a:r>
+                  <a:rPr dirty="0"/>
+                  <a:t>; n++) </a:t>
+                </a:r>
+                <a:endParaRPr lang="en-GB" dirty="0"/>
               </a:p>
               <a:p>
                 <a:pPr algn="l" defTabSz="376554">
@@ -10616,7 +10478,7 @@
                   </a:defRPr>
                 </a:pPr>
                 <a:r>
-                  <a:rPr>
+                  <a:rPr lang="en-GB" dirty="0">
                     <a:solidFill>
                       <a:srgbClr val="000000">
                         <a:alpha val="85000"/>
@@ -10626,10 +10488,11 @@
                   <a:t>    </a:t>
                 </a:r>
                 <a:r>
+                  <a:rPr lang="en-GB" dirty="0" err="1"/>
                   <a:t>windowBuffer</a:t>
                 </a:r>
                 <a:r>
-                  <a:rPr>
+                  <a:rPr lang="en-GB" dirty="0">
                     <a:solidFill>
                       <a:srgbClr val="000000">
                         <a:alpha val="85000"/>
@@ -10638,27 +10501,7 @@
                   </a:rPr>
                   <a:t>[n] = </a:t>
                 </a:r>
-              </a:p>
-              <a:p>
-                <a:pPr algn="l" defTabSz="376554">
-                  <a:tabLst>
-                    <a:tab pos="368300" algn="l"/>
-                  </a:tabLst>
-                  <a:defRPr b="0">
-                    <a:solidFill>
-                      <a:srgbClr val="000000">
-                        <a:alpha val="85000"/>
-                      </a:srgbClr>
-                    </a:solidFill>
-                    <a:latin typeface="Menlo Regular"/>
-                    <a:ea typeface="Menlo Regular"/>
-                    <a:cs typeface="Menlo Regular"/>
-                    <a:sym typeface="Menlo Regular"/>
-                  </a:defRPr>
-                </a:pPr>
-                <a:r>
-                  <a:t>}</a:t>
-                </a:r>
+                <a:endParaRPr dirty="0"/>
               </a:p>
             </p:txBody>
           </p:sp>
@@ -10670,7 +10513,7 @@
             </p:nvSpPr>
             <p:spPr>
               <a:xfrm>
-                <a:off x="5031625" y="1791599"/>
+                <a:off x="5031624" y="2290883"/>
                 <a:ext cx="3761790" cy="580905"/>
               </a:xfrm>
               <a:prstGeom prst="rect">
@@ -10715,7 +10558,7 @@
           </p:nvSpPr>
           <p:spPr>
             <a:xfrm>
-              <a:off x="5122963" y="1807985"/>
+              <a:off x="5122963" y="2290883"/>
               <a:ext cx="3579115" cy="548133"/>
             </a:xfrm>
             <a:prstGeom prst="rect">
@@ -10744,6 +10587,7 @@
             </a:lstStyle>
             <a:p>
               <a:r>
+                <a:rPr dirty="0"/>
                 <a:t>equation for window</a:t>
               </a:r>
             </a:p>
@@ -11049,14 +10893,23 @@
                             </p:childTnLst>
                           </p:cTn>
                         </p:par>
+                      </p:childTnLst>
+                    </p:cTn>
+                  </p:par>
+                  <p:par>
+                    <p:cTn id="26" fill="hold">
+                      <p:stCondLst>
+                        <p:cond delay="indefinite"/>
+                      </p:stCondLst>
+                      <p:childTnLst>
                         <p:par>
-                          <p:cTn id="26" fill="hold">
+                          <p:cTn id="27" fill="hold">
                             <p:stCondLst>
                               <p:cond delay="0"/>
                             </p:stCondLst>
                             <p:childTnLst>
                               <p:par>
-                                <p:cTn id="27" presetID="1" presetClass="entr" presetSubtype="0" fill="hold" grpId="1" nodeType="afterEffect">
+                                <p:cTn id="28" presetID="1" presetClass="entr" presetSubtype="0" fill="hold" grpId="1" nodeType="clickEffect">
                                   <p:stCondLst>
                                     <p:cond delay="0"/>
                                   </p:stCondLst>
@@ -11066,133 +10919,7 @@
                                   <p:childTnLst>
                                     <p:set>
                                       <p:cBhvr>
-                                        <p:cTn id="28" fill="hold"/>
-                                        <p:tgtEl>
-                                          <p:spTgt spid="689">
-                                            <p:txEl>
-                                              <p:pRg st="5" end="5"/>
-                                            </p:txEl>
-                                          </p:spTgt>
-                                        </p:tgtEl>
-                                        <p:attrNameLst>
-                                          <p:attrName>style.visibility</p:attrName>
-                                        </p:attrNameLst>
-                                      </p:cBhvr>
-                                      <p:to>
-                                        <p:strVal val="visible"/>
-                                      </p:to>
-                                    </p:set>
-                                  </p:childTnLst>
-                                </p:cTn>
-                              </p:par>
-                            </p:childTnLst>
-                          </p:cTn>
-                        </p:par>
-                        <p:par>
-                          <p:cTn id="29" fill="hold">
-                            <p:stCondLst>
-                              <p:cond delay="0"/>
-                            </p:stCondLst>
-                            <p:childTnLst>
-                              <p:par>
-                                <p:cTn id="30" presetID="1" presetClass="entr" presetSubtype="0" fill="hold" grpId="1" nodeType="afterEffect">
-                                  <p:stCondLst>
-                                    <p:cond delay="0"/>
-                                  </p:stCondLst>
-                                  <p:iterate>
-                                    <p:tmAbs val="0"/>
-                                  </p:iterate>
-                                  <p:childTnLst>
-                                    <p:set>
-                                      <p:cBhvr>
-                                        <p:cTn id="31" fill="hold"/>
-                                        <p:tgtEl>
-                                          <p:spTgt spid="689">
-                                            <p:txEl>
-                                              <p:pRg st="6" end="6"/>
-                                            </p:txEl>
-                                          </p:spTgt>
-                                        </p:tgtEl>
-                                        <p:attrNameLst>
-                                          <p:attrName>style.visibility</p:attrName>
-                                        </p:attrNameLst>
-                                      </p:cBhvr>
-                                      <p:to>
-                                        <p:strVal val="visible"/>
-                                      </p:to>
-                                    </p:set>
-                                  </p:childTnLst>
-                                </p:cTn>
-                              </p:par>
-                            </p:childTnLst>
-                          </p:cTn>
-                        </p:par>
-                        <p:par>
-                          <p:cTn id="32" fill="hold">
-                            <p:stCondLst>
-                              <p:cond delay="0"/>
-                            </p:stCondLst>
-                            <p:childTnLst>
-                              <p:par>
-                                <p:cTn id="33" presetID="1" presetClass="entr" presetSubtype="0" fill="hold" grpId="1" nodeType="afterEffect">
-                                  <p:stCondLst>
-                                    <p:cond delay="0"/>
-                                  </p:stCondLst>
-                                  <p:iterate>
-                                    <p:tmAbs val="0"/>
-                                  </p:iterate>
-                                  <p:childTnLst>
-                                    <p:set>
-                                      <p:cBhvr>
-                                        <p:cTn id="34" fill="hold"/>
-                                        <p:tgtEl>
-                                          <p:spTgt spid="689">
-                                            <p:txEl>
-                                              <p:pRg st="7" end="7"/>
-                                            </p:txEl>
-                                          </p:spTgt>
-                                        </p:tgtEl>
-                                        <p:attrNameLst>
-                                          <p:attrName>style.visibility</p:attrName>
-                                        </p:attrNameLst>
-                                      </p:cBhvr>
-                                      <p:to>
-                                        <p:strVal val="visible"/>
-                                      </p:to>
-                                    </p:set>
-                                  </p:childTnLst>
-                                </p:cTn>
-                              </p:par>
-                            </p:childTnLst>
-                          </p:cTn>
-                        </p:par>
-                      </p:childTnLst>
-                    </p:cTn>
-                  </p:par>
-                  <p:par>
-                    <p:cTn id="35" fill="hold">
-                      <p:stCondLst>
-                        <p:cond delay="indefinite"/>
-                      </p:stCondLst>
-                      <p:childTnLst>
-                        <p:par>
-                          <p:cTn id="36" fill="hold">
-                            <p:stCondLst>
-                              <p:cond delay="0"/>
-                            </p:stCondLst>
-                            <p:childTnLst>
-                              <p:par>
-                                <p:cTn id="37" presetID="1" presetClass="entr" presetSubtype="0" fill="hold" grpId="1" nodeType="clickEffect">
-                                  <p:stCondLst>
-                                    <p:cond delay="0"/>
-                                  </p:stCondLst>
-                                  <p:iterate>
-                                    <p:tmAbs val="0"/>
-                                  </p:iterate>
-                                  <p:childTnLst>
-                                    <p:set>
-                                      <p:cBhvr>
-                                        <p:cTn id="38" fill="hold"/>
+                                        <p:cTn id="29" fill="hold"/>
                                         <p:tgtEl>
                                           <p:spTgt spid="689">
                                             <p:txEl>
@@ -11215,13 +10942,13 @@
                           </p:cTn>
                         </p:par>
                         <p:par>
-                          <p:cTn id="39" fill="hold">
+                          <p:cTn id="30" fill="hold">
                             <p:stCondLst>
                               <p:cond delay="0"/>
                             </p:stCondLst>
                             <p:childTnLst>
                               <p:par>
-                                <p:cTn id="40" presetID="1" presetClass="entr" presetSubtype="0" fill="hold" grpId="1" nodeType="afterEffect">
+                                <p:cTn id="31" presetID="1" presetClass="entr" presetSubtype="0" fill="hold" grpId="1" nodeType="afterEffect">
                                   <p:stCondLst>
                                     <p:cond delay="0"/>
                                   </p:stCondLst>
@@ -11231,7 +10958,7 @@
                                   <p:childTnLst>
                                     <p:set>
                                       <p:cBhvr>
-                                        <p:cTn id="41" fill="hold"/>
+                                        <p:cTn id="32" fill="hold"/>
                                         <p:tgtEl>
                                           <p:spTgt spid="689">
                                             <p:txEl>
@@ -11254,13 +10981,13 @@
                           </p:cTn>
                         </p:par>
                         <p:par>
-                          <p:cTn id="42" fill="hold">
+                          <p:cTn id="33" fill="hold">
                             <p:stCondLst>
                               <p:cond delay="0"/>
                             </p:stCondLst>
                             <p:childTnLst>
                               <p:par>
-                                <p:cTn id="43" presetID="1" presetClass="entr" presetSubtype="0" fill="hold" grpId="3" nodeType="afterEffect">
+                                <p:cTn id="34" presetID="1" presetClass="entr" presetSubtype="0" fill="hold" grpId="3" nodeType="afterEffect">
                                   <p:stCondLst>
                                     <p:cond delay="0"/>
                                   </p:stCondLst>
@@ -11270,7 +10997,7 @@
                                   <p:childTnLst>
                                     <p:set>
                                       <p:cBhvr>
-                                        <p:cTn id="44" fill="hold"/>
+                                        <p:cTn id="35" fill="hold"/>
                                         <p:tgtEl>
                                           <p:spTgt spid="691"/>
                                         </p:tgtEl>
@@ -11316,2547 +11043,6 @@
       <p:bldP spid="689" grpId="1" build="p" bldLvl="5" animBg="1" advAuto="0"/>
       <p:bldP spid="691" grpId="3" animBg="1" advAuto="0"/>
       <p:bldP spid="696" grpId="2" animBg="1" advAuto="0"/>
-    </p:bldLst>
-  </p:timing>
-</p:sld>
-</file>
-
-<file path=ppt/slides/slide16.xml><?xml version="1.0" encoding="utf-8"?>
-<p:sld xmlns:a="http://schemas.openxmlformats.org/drawingml/2006/main" xmlns:r="http://schemas.openxmlformats.org/officeDocument/2006/relationships" xmlns:p="http://schemas.openxmlformats.org/presentationml/2006/main">
-  <p:cSld>
-    <p:spTree>
-      <p:nvGrpSpPr>
-        <p:cNvPr id="1" name=""/>
-        <p:cNvGrpSpPr/>
-        <p:nvPr/>
-      </p:nvGrpSpPr>
-      <p:grpSpPr>
-        <a:xfrm>
-          <a:off x="0" y="0"/>
-          <a:ext cx="0" cy="0"/>
-          <a:chOff x="0" y="0"/>
-          <a:chExt cx="0" cy="0"/>
-        </a:xfrm>
-      </p:grpSpPr>
-      <p:sp>
-        <p:nvSpPr>
-          <p:cNvPr id="699" name="Let’s go back to our fft-sine project and see the window in action…"/>
-          <p:cNvSpPr txBox="1">
-            <a:spLocks noGrp="1"/>
-          </p:cNvSpPr>
-          <p:nvPr>
-            <p:ph type="body" idx="1"/>
-          </p:nvPr>
-        </p:nvSpPr>
-        <p:spPr>
-          <a:prstGeom prst="rect">
-            <a:avLst/>
-          </a:prstGeom>
-        </p:spPr>
-        <p:txBody>
-          <a:bodyPr anchor="t"/>
-          <a:lstStyle/>
-          <a:p>
-            <a:pPr marL="492759" indent="-492759" defTabSz="800735">
-              <a:spcBef>
-                <a:spcPts val="900"/>
-              </a:spcBef>
-              <a:defRPr sz="5044"/>
-            </a:pPr>
-            <a:r>
-              <a:rPr dirty="0"/>
-              <a:t>Let’s go back to our </a:t>
-            </a:r>
-            <a:r>
-              <a:rPr dirty="0" err="1">
-                <a:solidFill>
-                  <a:srgbClr val="3D46A6"/>
-                </a:solidFill>
-              </a:rPr>
-              <a:t>fft</a:t>
-            </a:r>
-            <a:r>
-              <a:rPr dirty="0">
-                <a:solidFill>
-                  <a:srgbClr val="3D46A6"/>
-                </a:solidFill>
-              </a:rPr>
-              <a:t>-sine</a:t>
-            </a:r>
-            <a:r>
-              <a:rPr dirty="0"/>
-              <a:t> project and see the window in action</a:t>
-            </a:r>
-          </a:p>
-          <a:p>
-            <a:pPr marL="492759" indent="-492759" defTabSz="800735">
-              <a:spcBef>
-                <a:spcPts val="900"/>
-              </a:spcBef>
-              <a:defRPr sz="5044"/>
-            </a:pPr>
-            <a:r>
-              <a:rPr dirty="0">
-                <a:solidFill>
-                  <a:srgbClr val="9B1200"/>
-                </a:solidFill>
-              </a:rPr>
-              <a:t>Task:</a:t>
-            </a:r>
-            <a:r>
-              <a:rPr dirty="0"/>
-              <a:t> in </a:t>
-            </a:r>
-            <a:r>
-              <a:rPr dirty="0" err="1">
-                <a:solidFill>
-                  <a:srgbClr val="3D46A6"/>
-                </a:solidFill>
-              </a:rPr>
-              <a:t>fft</a:t>
-            </a:r>
-            <a:r>
-              <a:rPr dirty="0">
-                <a:solidFill>
-                  <a:srgbClr val="3D46A6"/>
-                </a:solidFill>
-              </a:rPr>
-              <a:t>-sine</a:t>
-            </a:r>
-            <a:r>
-              <a:rPr dirty="0"/>
-              <a:t>, implement a </a:t>
-            </a:r>
-            <a:r>
-              <a:rPr dirty="0">
-                <a:solidFill>
-                  <a:srgbClr val="3D46A6"/>
-                </a:solidFill>
-              </a:rPr>
-              <a:t>Hann</a:t>
-            </a:r>
-            <a:r>
-              <a:rPr dirty="0"/>
-              <a:t> window</a:t>
-            </a:r>
-          </a:p>
-          <a:p>
-            <a:pPr marL="1154906" lvl="1" indent="-538956" defTabSz="800735">
-              <a:spcBef>
-                <a:spcPts val="900"/>
-              </a:spcBef>
-              <a:defRPr sz="4268"/>
-            </a:pPr>
-            <a:r>
-              <a:rPr dirty="0"/>
-              <a:t>Change the frequency in the GUI so it doesn’t align with any bin</a:t>
-            </a:r>
-          </a:p>
-          <a:p>
-            <a:pPr marL="1154906" lvl="1" indent="-538956" defTabSz="800735">
-              <a:spcBef>
-                <a:spcPts val="900"/>
-              </a:spcBef>
-              <a:defRPr sz="4268"/>
-            </a:pPr>
-            <a:r>
-              <a:rPr dirty="0"/>
-              <a:t>What happens to the </a:t>
-            </a:r>
-            <a:r>
-              <a:rPr dirty="0">
-                <a:solidFill>
-                  <a:srgbClr val="3D46A6"/>
-                </a:solidFill>
-              </a:rPr>
-              <a:t>width of the main lobe</a:t>
-            </a:r>
-            <a:r>
-              <a:rPr dirty="0"/>
-              <a:t>?</a:t>
-            </a:r>
-          </a:p>
-          <a:p>
-            <a:pPr marL="1154906" lvl="1" indent="-538956" defTabSz="800735">
-              <a:spcBef>
-                <a:spcPts val="900"/>
-              </a:spcBef>
-              <a:defRPr sz="4268"/>
-            </a:pPr>
-            <a:r>
-              <a:rPr dirty="0"/>
-              <a:t>What happens to the </a:t>
-            </a:r>
-            <a:r>
-              <a:rPr dirty="0">
-                <a:solidFill>
-                  <a:srgbClr val="3D46A6"/>
-                </a:solidFill>
-              </a:rPr>
-              <a:t>side lobes</a:t>
-            </a:r>
-            <a:r>
-              <a:rPr dirty="0"/>
-              <a:t>?</a:t>
-            </a:r>
-          </a:p>
-          <a:p>
-            <a:pPr marL="1154906" lvl="1" indent="-538956" defTabSz="800735">
-              <a:spcBef>
-                <a:spcPts val="900"/>
-              </a:spcBef>
-              <a:defRPr sz="4268"/>
-            </a:pPr>
-            <a:r>
-              <a:rPr dirty="0"/>
-              <a:t>As a bonus, Hann window should </a:t>
-            </a:r>
-            <a:r>
-              <a:rPr dirty="0">
-                <a:solidFill>
-                  <a:srgbClr val="3D46A6"/>
-                </a:solidFill>
-              </a:rPr>
-              <a:t>improve</a:t>
-            </a:r>
-            <a:r>
-              <a:rPr lang="en-GB" dirty="0">
-                <a:solidFill>
-                  <a:srgbClr val="3D46A6"/>
-                </a:solidFill>
-              </a:rPr>
-              <a:t> </a:t>
-            </a:r>
-            <a:r>
-              <a:rPr dirty="0">
-                <a:solidFill>
-                  <a:srgbClr val="3D46A6"/>
-                </a:solidFill>
-              </a:rPr>
-              <a:t>frequency estimation</a:t>
-            </a:r>
-            <a:r>
-              <a:rPr dirty="0"/>
-              <a:t>!</a:t>
-            </a:r>
-          </a:p>
-          <a:p>
-            <a:pPr marL="492759" indent="-492759" defTabSz="800735">
-              <a:spcBef>
-                <a:spcPts val="900"/>
-              </a:spcBef>
-              <a:defRPr sz="5044"/>
-            </a:pPr>
-            <a:r>
-              <a:rPr dirty="0"/>
-              <a:t>Why didn’t we see the classic comb filter pattern?</a:t>
-            </a:r>
-          </a:p>
-          <a:p>
-            <a:pPr marL="1154906" lvl="1" indent="-538956" defTabSz="800735">
-              <a:spcBef>
-                <a:spcPts val="900"/>
-              </a:spcBef>
-              <a:defRPr sz="4268"/>
-            </a:pPr>
-            <a:r>
-              <a:rPr dirty="0"/>
-              <a:t>Because </a:t>
-            </a:r>
-            <a:r>
-              <a:rPr dirty="0">
-                <a:solidFill>
-                  <a:srgbClr val="3D46A6"/>
-                </a:solidFill>
-              </a:rPr>
-              <a:t>window size is the same as the FFT size</a:t>
-            </a:r>
-          </a:p>
-          <a:p>
-            <a:pPr marL="1154906" lvl="1" indent="-538956" defTabSz="800735">
-              <a:spcBef>
-                <a:spcPts val="900"/>
-              </a:spcBef>
-              <a:defRPr sz="4268"/>
-            </a:pPr>
-            <a:r>
-              <a:rPr dirty="0"/>
-              <a:t>The FFT is effectively sampling the peaks of each lobe</a:t>
-            </a:r>
-          </a:p>
-          <a:p>
-            <a:pPr marL="492759" indent="-492759" defTabSz="800735">
-              <a:spcBef>
-                <a:spcPts val="900"/>
-              </a:spcBef>
-              <a:defRPr sz="5044"/>
-            </a:pPr>
-            <a:r>
-              <a:rPr dirty="0">
-                <a:solidFill>
-                  <a:srgbClr val="9B1200"/>
-                </a:solidFill>
-              </a:rPr>
-              <a:t>Task 2:</a:t>
-            </a:r>
-            <a:r>
-              <a:rPr dirty="0"/>
-              <a:t> in </a:t>
-            </a:r>
-            <a:r>
-              <a:rPr dirty="0">
-                <a:latin typeface="Courier"/>
-                <a:ea typeface="Courier"/>
-                <a:cs typeface="Courier"/>
-                <a:sym typeface="Courier"/>
-              </a:rPr>
-              <a:t>setup()</a:t>
-            </a:r>
-            <a:r>
-              <a:rPr dirty="0"/>
-              <a:t>, change the window size to </a:t>
-            </a:r>
-            <a:br>
-              <a:rPr dirty="0"/>
-            </a:br>
-            <a:r>
-              <a:rPr dirty="0"/>
-              <a:t>be a </a:t>
-            </a:r>
-            <a:r>
-              <a:rPr dirty="0">
-                <a:solidFill>
-                  <a:srgbClr val="3D46A6"/>
-                </a:solidFill>
-              </a:rPr>
-              <a:t>fraction of the FFT length</a:t>
-            </a:r>
-          </a:p>
-          <a:p>
-            <a:pPr marL="1154906" lvl="1" indent="-538956" defTabSz="800735">
-              <a:spcBef>
-                <a:spcPts val="900"/>
-              </a:spcBef>
-              <a:defRPr sz="4268"/>
-            </a:pPr>
-            <a:r>
-              <a:rPr dirty="0"/>
-              <a:t>Say 1/4 or 1/8 of the FFT length</a:t>
-            </a:r>
-          </a:p>
-          <a:p>
-            <a:pPr marL="1154906" lvl="1" indent="-538956" defTabSz="800735">
-              <a:spcBef>
-                <a:spcPts val="900"/>
-              </a:spcBef>
-              <a:defRPr sz="4268"/>
-            </a:pPr>
-            <a:r>
-              <a:rPr dirty="0"/>
-              <a:t>Now the lobes should be visible</a:t>
-            </a:r>
-          </a:p>
-        </p:txBody>
-      </p:sp>
-      <p:sp>
-        <p:nvSpPr>
-          <p:cNvPr id="700" name="Visualising the effects of windowing"/>
-          <p:cNvSpPr txBox="1">
-            <a:spLocks noGrp="1"/>
-          </p:cNvSpPr>
-          <p:nvPr>
-            <p:ph type="title"/>
-          </p:nvPr>
-        </p:nvSpPr>
-        <p:spPr>
-          <a:prstGeom prst="rect">
-            <a:avLst/>
-          </a:prstGeom>
-        </p:spPr>
-        <p:txBody>
-          <a:bodyPr/>
-          <a:lstStyle/>
-          <a:p>
-            <a:r>
-              <a:rPr dirty="0" err="1"/>
-              <a:t>Visualising</a:t>
-            </a:r>
-            <a:r>
-              <a:rPr dirty="0"/>
-              <a:t> effects of windowing</a:t>
-            </a:r>
-          </a:p>
-        </p:txBody>
-      </p:sp>
-      <p:pic>
-        <p:nvPicPr>
-          <p:cNvPr id="701" name="hann.png" descr="hann.png"/>
-          <p:cNvPicPr>
-            <a:picLocks noChangeAspect="1"/>
-          </p:cNvPicPr>
-          <p:nvPr/>
-        </p:nvPicPr>
-        <p:blipFill>
-          <a:blip r:embed="rId2"/>
-          <a:srcRect l="12885"/>
-          <a:stretch>
-            <a:fillRect/>
-          </a:stretch>
-        </p:blipFill>
-        <p:spPr>
-          <a:xfrm>
-            <a:off x="15371475" y="7346189"/>
-            <a:ext cx="9610011" cy="2952364"/>
-          </a:xfrm>
-          <a:prstGeom prst="rect">
-            <a:avLst/>
-          </a:prstGeom>
-          <a:ln w="12700">
-            <a:miter lim="400000"/>
-          </a:ln>
-        </p:spPr>
-      </p:pic>
-      <p:grpSp>
-        <p:nvGrpSpPr>
-          <p:cNvPr id="735" name="Group"/>
-          <p:cNvGrpSpPr/>
-          <p:nvPr/>
-        </p:nvGrpSpPr>
-        <p:grpSpPr>
-          <a:xfrm>
-            <a:off x="15478320" y="7604031"/>
-            <a:ext cx="8437874" cy="1799483"/>
-            <a:chOff x="0" y="0"/>
-            <a:chExt cx="8437873" cy="1799481"/>
-          </a:xfrm>
-        </p:grpSpPr>
-        <p:sp>
-          <p:nvSpPr>
-            <p:cNvPr id="702" name="Circle"/>
-            <p:cNvSpPr/>
-            <p:nvPr/>
-          </p:nvSpPr>
-          <p:spPr>
-            <a:xfrm>
-              <a:off x="4148407" y="0"/>
-              <a:ext cx="152445" cy="152445"/>
-            </a:xfrm>
-            <a:prstGeom prst="ellipse">
-              <a:avLst/>
-            </a:prstGeom>
-            <a:solidFill>
-              <a:schemeClr val="accent5">
-                <a:lumOff val="-29866"/>
-              </a:schemeClr>
-            </a:solidFill>
-            <a:ln w="12700" cap="flat">
-              <a:noFill/>
-              <a:miter lim="400000"/>
-            </a:ln>
-            <a:effectLst/>
-          </p:spPr>
-          <p:txBody>
-            <a:bodyPr wrap="square" lIns="0" tIns="0" rIns="0" bIns="0" numCol="1" anchor="ctr">
-              <a:noAutofit/>
-            </a:bodyPr>
-            <a:lstStyle/>
-            <a:p>
-              <a:pPr>
-                <a:defRPr sz="3200" b="0">
-                  <a:solidFill>
-                    <a:srgbClr val="FFFFFF"/>
-                  </a:solidFill>
-                  <a:latin typeface="+mn-lt"/>
-                  <a:ea typeface="+mn-ea"/>
-                  <a:cs typeface="+mn-cs"/>
-                  <a:sym typeface="Helvetica Neue Medium"/>
-                </a:defRPr>
-              </a:pPr>
-              <a:endParaRPr/>
-            </a:p>
-          </p:txBody>
-        </p:sp>
-        <p:grpSp>
-          <p:nvGrpSpPr>
-            <p:cNvPr id="717" name="Group"/>
-            <p:cNvGrpSpPr/>
-            <p:nvPr/>
-          </p:nvGrpSpPr>
-          <p:grpSpPr>
-            <a:xfrm>
-              <a:off x="4790878" y="651206"/>
-              <a:ext cx="3646996" cy="1148276"/>
-              <a:chOff x="0" y="0"/>
-              <a:chExt cx="3646995" cy="1148274"/>
-            </a:xfrm>
-          </p:grpSpPr>
-          <p:sp>
-            <p:nvSpPr>
-              <p:cNvPr id="703" name="Circle"/>
-              <p:cNvSpPr/>
-              <p:nvPr/>
-            </p:nvSpPr>
-            <p:spPr>
-              <a:xfrm>
-                <a:off x="0" y="0"/>
-                <a:ext cx="152445" cy="152445"/>
-              </a:xfrm>
-              <a:prstGeom prst="ellipse">
-                <a:avLst/>
-              </a:prstGeom>
-              <a:solidFill>
-                <a:schemeClr val="accent5">
-                  <a:lumOff val="-29866"/>
-                </a:schemeClr>
-              </a:solidFill>
-              <a:ln w="12700" cap="flat">
-                <a:noFill/>
-                <a:miter lim="400000"/>
-              </a:ln>
-              <a:effectLst/>
-            </p:spPr>
-            <p:txBody>
-              <a:bodyPr wrap="square" lIns="0" tIns="0" rIns="0" bIns="0" numCol="1" anchor="ctr">
-                <a:noAutofit/>
-              </a:bodyPr>
-              <a:lstStyle/>
-              <a:p>
-                <a:pPr>
-                  <a:defRPr sz="3200" b="0">
-                    <a:solidFill>
-                      <a:srgbClr val="FFFFFF"/>
-                    </a:solidFill>
-                    <a:latin typeface="+mn-lt"/>
-                    <a:ea typeface="+mn-ea"/>
-                    <a:cs typeface="+mn-cs"/>
-                    <a:sym typeface="Helvetica Neue Medium"/>
-                  </a:defRPr>
-                </a:pPr>
-                <a:endParaRPr/>
-              </a:p>
-            </p:txBody>
-          </p:sp>
-          <p:sp>
-            <p:nvSpPr>
-              <p:cNvPr id="704" name="Circle"/>
-              <p:cNvSpPr/>
-              <p:nvPr/>
-            </p:nvSpPr>
-            <p:spPr>
-              <a:xfrm>
-                <a:off x="275525" y="205630"/>
-                <a:ext cx="152446" cy="152446"/>
-              </a:xfrm>
-              <a:prstGeom prst="ellipse">
-                <a:avLst/>
-              </a:prstGeom>
-              <a:solidFill>
-                <a:schemeClr val="accent5">
-                  <a:lumOff val="-29866"/>
-                </a:schemeClr>
-              </a:solidFill>
-              <a:ln w="12700" cap="flat">
-                <a:noFill/>
-                <a:miter lim="400000"/>
-              </a:ln>
-              <a:effectLst/>
-            </p:spPr>
-            <p:txBody>
-              <a:bodyPr wrap="square" lIns="0" tIns="0" rIns="0" bIns="0" numCol="1" anchor="ctr">
-                <a:noAutofit/>
-              </a:bodyPr>
-              <a:lstStyle/>
-              <a:p>
-                <a:pPr>
-                  <a:defRPr sz="3200" b="0">
-                    <a:solidFill>
-                      <a:srgbClr val="FFFFFF"/>
-                    </a:solidFill>
-                    <a:latin typeface="+mn-lt"/>
-                    <a:ea typeface="+mn-ea"/>
-                    <a:cs typeface="+mn-cs"/>
-                    <a:sym typeface="Helvetica Neue Medium"/>
-                  </a:defRPr>
-                </a:pPr>
-                <a:endParaRPr/>
-              </a:p>
-            </p:txBody>
-          </p:sp>
-          <p:sp>
-            <p:nvSpPr>
-              <p:cNvPr id="705" name="Circle"/>
-              <p:cNvSpPr/>
-              <p:nvPr/>
-            </p:nvSpPr>
-            <p:spPr>
-              <a:xfrm>
-                <a:off x="542314" y="350104"/>
-                <a:ext cx="152445" cy="152445"/>
-              </a:xfrm>
-              <a:prstGeom prst="ellipse">
-                <a:avLst/>
-              </a:prstGeom>
-              <a:solidFill>
-                <a:schemeClr val="accent5">
-                  <a:lumOff val="-29866"/>
-                </a:schemeClr>
-              </a:solidFill>
-              <a:ln w="12700" cap="flat">
-                <a:noFill/>
-                <a:miter lim="400000"/>
-              </a:ln>
-              <a:effectLst/>
-            </p:spPr>
-            <p:txBody>
-              <a:bodyPr wrap="square" lIns="0" tIns="0" rIns="0" bIns="0" numCol="1" anchor="ctr">
-                <a:noAutofit/>
-              </a:bodyPr>
-              <a:lstStyle/>
-              <a:p>
-                <a:pPr>
-                  <a:defRPr sz="3200" b="0">
-                    <a:solidFill>
-                      <a:srgbClr val="FFFFFF"/>
-                    </a:solidFill>
-                    <a:latin typeface="+mn-lt"/>
-                    <a:ea typeface="+mn-ea"/>
-                    <a:cs typeface="+mn-cs"/>
-                    <a:sym typeface="Helvetica Neue Medium"/>
-                  </a:defRPr>
-                </a:pPr>
-                <a:endParaRPr/>
-              </a:p>
-            </p:txBody>
-          </p:sp>
-          <p:sp>
-            <p:nvSpPr>
-              <p:cNvPr id="706" name="Circle"/>
-              <p:cNvSpPr/>
-              <p:nvPr/>
-            </p:nvSpPr>
-            <p:spPr>
-              <a:xfrm>
-                <a:off x="809102" y="450894"/>
-                <a:ext cx="152445" cy="152445"/>
-              </a:xfrm>
-              <a:prstGeom prst="ellipse">
-                <a:avLst/>
-              </a:prstGeom>
-              <a:solidFill>
-                <a:schemeClr val="accent5">
-                  <a:lumOff val="-29866"/>
-                </a:schemeClr>
-              </a:solidFill>
-              <a:ln w="12700" cap="flat">
-                <a:noFill/>
-                <a:miter lim="400000"/>
-              </a:ln>
-              <a:effectLst/>
-            </p:spPr>
-            <p:txBody>
-              <a:bodyPr wrap="square" lIns="0" tIns="0" rIns="0" bIns="0" numCol="1" anchor="ctr">
-                <a:noAutofit/>
-              </a:bodyPr>
-              <a:lstStyle/>
-              <a:p>
-                <a:pPr>
-                  <a:defRPr sz="3200" b="0">
-                    <a:solidFill>
-                      <a:srgbClr val="FFFFFF"/>
-                    </a:solidFill>
-                    <a:latin typeface="+mn-lt"/>
-                    <a:ea typeface="+mn-ea"/>
-                    <a:cs typeface="+mn-cs"/>
-                    <a:sym typeface="Helvetica Neue Medium"/>
-                  </a:defRPr>
-                </a:pPr>
-                <a:endParaRPr/>
-              </a:p>
-            </p:txBody>
-          </p:sp>
-          <p:sp>
-            <p:nvSpPr>
-              <p:cNvPr id="707" name="Circle"/>
-              <p:cNvSpPr/>
-              <p:nvPr/>
-            </p:nvSpPr>
-            <p:spPr>
-              <a:xfrm>
-                <a:off x="1075890" y="551684"/>
-                <a:ext cx="152446" cy="152445"/>
-              </a:xfrm>
-              <a:prstGeom prst="ellipse">
-                <a:avLst/>
-              </a:prstGeom>
-              <a:solidFill>
-                <a:schemeClr val="accent5">
-                  <a:lumOff val="-29866"/>
-                </a:schemeClr>
-              </a:solidFill>
-              <a:ln w="12700" cap="flat">
-                <a:noFill/>
-                <a:miter lim="400000"/>
-              </a:ln>
-              <a:effectLst/>
-            </p:spPr>
-            <p:txBody>
-              <a:bodyPr wrap="square" lIns="0" tIns="0" rIns="0" bIns="0" numCol="1" anchor="ctr">
-                <a:noAutofit/>
-              </a:bodyPr>
-              <a:lstStyle/>
-              <a:p>
-                <a:pPr>
-                  <a:defRPr sz="3200" b="0">
-                    <a:solidFill>
-                      <a:srgbClr val="FFFFFF"/>
-                    </a:solidFill>
-                    <a:latin typeface="+mn-lt"/>
-                    <a:ea typeface="+mn-ea"/>
-                    <a:cs typeface="+mn-cs"/>
-                    <a:sym typeface="Helvetica Neue Medium"/>
-                  </a:defRPr>
-                </a:pPr>
-                <a:endParaRPr/>
-              </a:p>
-            </p:txBody>
-          </p:sp>
-          <p:sp>
-            <p:nvSpPr>
-              <p:cNvPr id="708" name="Circle"/>
-              <p:cNvSpPr/>
-              <p:nvPr/>
-            </p:nvSpPr>
-            <p:spPr>
-              <a:xfrm>
-                <a:off x="1351416" y="626263"/>
-                <a:ext cx="152446" cy="152445"/>
-              </a:xfrm>
-              <a:prstGeom prst="ellipse">
-                <a:avLst/>
-              </a:prstGeom>
-              <a:solidFill>
-                <a:schemeClr val="accent5">
-                  <a:lumOff val="-29866"/>
-                </a:schemeClr>
-              </a:solidFill>
-              <a:ln w="12700" cap="flat">
-                <a:noFill/>
-                <a:miter lim="400000"/>
-              </a:ln>
-              <a:effectLst/>
-            </p:spPr>
-            <p:txBody>
-              <a:bodyPr wrap="square" lIns="0" tIns="0" rIns="0" bIns="0" numCol="1" anchor="ctr">
-                <a:noAutofit/>
-              </a:bodyPr>
-              <a:lstStyle/>
-              <a:p>
-                <a:pPr>
-                  <a:defRPr sz="3200" b="0">
-                    <a:solidFill>
-                      <a:srgbClr val="FFFFFF"/>
-                    </a:solidFill>
-                    <a:latin typeface="+mn-lt"/>
-                    <a:ea typeface="+mn-ea"/>
-                    <a:cs typeface="+mn-cs"/>
-                    <a:sym typeface="Helvetica Neue Medium"/>
-                  </a:defRPr>
-                </a:pPr>
-                <a:endParaRPr/>
-              </a:p>
-            </p:txBody>
-          </p:sp>
-          <p:sp>
-            <p:nvSpPr>
-              <p:cNvPr id="709" name="Circle"/>
-              <p:cNvSpPr/>
-              <p:nvPr/>
-            </p:nvSpPr>
-            <p:spPr>
-              <a:xfrm>
-                <a:off x="1618205" y="692105"/>
-                <a:ext cx="152445" cy="152446"/>
-              </a:xfrm>
-              <a:prstGeom prst="ellipse">
-                <a:avLst/>
-              </a:prstGeom>
-              <a:solidFill>
-                <a:schemeClr val="accent5">
-                  <a:lumOff val="-29866"/>
-                </a:schemeClr>
-              </a:solidFill>
-              <a:ln w="12700" cap="flat">
-                <a:noFill/>
-                <a:miter lim="400000"/>
-              </a:ln>
-              <a:effectLst/>
-            </p:spPr>
-            <p:txBody>
-              <a:bodyPr wrap="square" lIns="0" tIns="0" rIns="0" bIns="0" numCol="1" anchor="ctr">
-                <a:noAutofit/>
-              </a:bodyPr>
-              <a:lstStyle/>
-              <a:p>
-                <a:pPr>
-                  <a:defRPr sz="3200" b="0">
-                    <a:solidFill>
-                      <a:srgbClr val="FFFFFF"/>
-                    </a:solidFill>
-                    <a:latin typeface="+mn-lt"/>
-                    <a:ea typeface="+mn-ea"/>
-                    <a:cs typeface="+mn-cs"/>
-                    <a:sym typeface="Helvetica Neue Medium"/>
-                  </a:defRPr>
-                </a:pPr>
-                <a:endParaRPr/>
-              </a:p>
-            </p:txBody>
-          </p:sp>
-          <p:sp>
-            <p:nvSpPr>
-              <p:cNvPr id="710" name="Circle"/>
-              <p:cNvSpPr/>
-              <p:nvPr/>
-            </p:nvSpPr>
-            <p:spPr>
-              <a:xfrm>
-                <a:off x="1884993" y="757948"/>
-                <a:ext cx="152445" cy="152445"/>
-              </a:xfrm>
-              <a:prstGeom prst="ellipse">
-                <a:avLst/>
-              </a:prstGeom>
-              <a:solidFill>
-                <a:schemeClr val="accent5">
-                  <a:lumOff val="-29866"/>
-                </a:schemeClr>
-              </a:solidFill>
-              <a:ln w="12700" cap="flat">
-                <a:noFill/>
-                <a:miter lim="400000"/>
-              </a:ln>
-              <a:effectLst/>
-            </p:spPr>
-            <p:txBody>
-              <a:bodyPr wrap="square" lIns="0" tIns="0" rIns="0" bIns="0" numCol="1" anchor="ctr">
-                <a:noAutofit/>
-              </a:bodyPr>
-              <a:lstStyle/>
-              <a:p>
-                <a:pPr>
-                  <a:defRPr sz="3200" b="0">
-                    <a:solidFill>
-                      <a:srgbClr val="FFFFFF"/>
-                    </a:solidFill>
-                    <a:latin typeface="+mn-lt"/>
-                    <a:ea typeface="+mn-ea"/>
-                    <a:cs typeface="+mn-cs"/>
-                    <a:sym typeface="Helvetica Neue Medium"/>
-                  </a:defRPr>
-                </a:pPr>
-                <a:endParaRPr/>
-              </a:p>
-            </p:txBody>
-          </p:sp>
-          <p:sp>
-            <p:nvSpPr>
-              <p:cNvPr id="711" name="Circle"/>
-              <p:cNvSpPr/>
-              <p:nvPr/>
-            </p:nvSpPr>
-            <p:spPr>
-              <a:xfrm>
-                <a:off x="2151781" y="806317"/>
-                <a:ext cx="152446" cy="152445"/>
-              </a:xfrm>
-              <a:prstGeom prst="ellipse">
-                <a:avLst/>
-              </a:prstGeom>
-              <a:solidFill>
-                <a:schemeClr val="accent5">
-                  <a:lumOff val="-29866"/>
-                </a:schemeClr>
-              </a:solidFill>
-              <a:ln w="12700" cap="flat">
-                <a:noFill/>
-                <a:miter lim="400000"/>
-              </a:ln>
-              <a:effectLst/>
-            </p:spPr>
-            <p:txBody>
-              <a:bodyPr wrap="square" lIns="0" tIns="0" rIns="0" bIns="0" numCol="1" anchor="ctr">
-                <a:noAutofit/>
-              </a:bodyPr>
-              <a:lstStyle/>
-              <a:p>
-                <a:pPr>
-                  <a:defRPr sz="3200" b="0">
-                    <a:solidFill>
-                      <a:srgbClr val="FFFFFF"/>
-                    </a:solidFill>
-                    <a:latin typeface="+mn-lt"/>
-                    <a:ea typeface="+mn-ea"/>
-                    <a:cs typeface="+mn-cs"/>
-                    <a:sym typeface="Helvetica Neue Medium"/>
-                  </a:defRPr>
-                </a:pPr>
-                <a:endParaRPr/>
-              </a:p>
-            </p:txBody>
-          </p:sp>
-          <p:sp>
-            <p:nvSpPr>
-              <p:cNvPr id="712" name="Circle"/>
-              <p:cNvSpPr/>
-              <p:nvPr/>
-            </p:nvSpPr>
-            <p:spPr>
-              <a:xfrm>
-                <a:off x="2427307" y="845949"/>
-                <a:ext cx="152446" cy="152446"/>
-              </a:xfrm>
-              <a:prstGeom prst="ellipse">
-                <a:avLst/>
-              </a:prstGeom>
-              <a:solidFill>
-                <a:schemeClr val="accent5">
-                  <a:lumOff val="-29866"/>
-                </a:schemeClr>
-              </a:solidFill>
-              <a:ln w="12700" cap="flat">
-                <a:noFill/>
-                <a:miter lim="400000"/>
-              </a:ln>
-              <a:effectLst/>
-            </p:spPr>
-            <p:txBody>
-              <a:bodyPr wrap="square" lIns="0" tIns="0" rIns="0" bIns="0" numCol="1" anchor="ctr">
-                <a:noAutofit/>
-              </a:bodyPr>
-              <a:lstStyle/>
-              <a:p>
-                <a:pPr>
-                  <a:defRPr sz="3200" b="0">
-                    <a:solidFill>
-                      <a:srgbClr val="FFFFFF"/>
-                    </a:solidFill>
-                    <a:latin typeface="+mn-lt"/>
-                    <a:ea typeface="+mn-ea"/>
-                    <a:cs typeface="+mn-cs"/>
-                    <a:sym typeface="Helvetica Neue Medium"/>
-                  </a:defRPr>
-                </a:pPr>
-                <a:endParaRPr/>
-              </a:p>
-            </p:txBody>
-          </p:sp>
-          <p:sp>
-            <p:nvSpPr>
-              <p:cNvPr id="713" name="Circle"/>
-              <p:cNvSpPr/>
-              <p:nvPr/>
-            </p:nvSpPr>
-            <p:spPr>
-              <a:xfrm>
-                <a:off x="2685360" y="894319"/>
-                <a:ext cx="152445" cy="152445"/>
-              </a:xfrm>
-              <a:prstGeom prst="ellipse">
-                <a:avLst/>
-              </a:prstGeom>
-              <a:solidFill>
-                <a:schemeClr val="accent5">
-                  <a:lumOff val="-29866"/>
-                </a:schemeClr>
-              </a:solidFill>
-              <a:ln w="12700" cap="flat">
-                <a:noFill/>
-                <a:miter lim="400000"/>
-              </a:ln>
-              <a:effectLst/>
-            </p:spPr>
-            <p:txBody>
-              <a:bodyPr wrap="square" lIns="0" tIns="0" rIns="0" bIns="0" numCol="1" anchor="ctr">
-                <a:noAutofit/>
-              </a:bodyPr>
-              <a:lstStyle/>
-              <a:p>
-                <a:pPr>
-                  <a:defRPr sz="3200" b="0">
-                    <a:solidFill>
-                      <a:srgbClr val="FFFFFF"/>
-                    </a:solidFill>
-                    <a:latin typeface="+mn-lt"/>
-                    <a:ea typeface="+mn-ea"/>
-                    <a:cs typeface="+mn-cs"/>
-                    <a:sym typeface="Helvetica Neue Medium"/>
-                  </a:defRPr>
-                </a:pPr>
-                <a:endParaRPr/>
-              </a:p>
-            </p:txBody>
-          </p:sp>
-          <p:sp>
-            <p:nvSpPr>
-              <p:cNvPr id="714" name="Circle"/>
-              <p:cNvSpPr/>
-              <p:nvPr/>
-            </p:nvSpPr>
-            <p:spPr>
-              <a:xfrm>
-                <a:off x="2952148" y="933950"/>
-                <a:ext cx="152445" cy="152446"/>
-              </a:xfrm>
-              <a:prstGeom prst="ellipse">
-                <a:avLst/>
-              </a:prstGeom>
-              <a:solidFill>
-                <a:schemeClr val="accent5">
-                  <a:lumOff val="-29866"/>
-                </a:schemeClr>
-              </a:solidFill>
-              <a:ln w="12700" cap="flat">
-                <a:noFill/>
-                <a:miter lim="400000"/>
-              </a:ln>
-              <a:effectLst/>
-            </p:spPr>
-            <p:txBody>
-              <a:bodyPr wrap="square" lIns="0" tIns="0" rIns="0" bIns="0" numCol="1" anchor="ctr">
-                <a:noAutofit/>
-              </a:bodyPr>
-              <a:lstStyle/>
-              <a:p>
-                <a:pPr>
-                  <a:defRPr sz="3200" b="0">
-                    <a:solidFill>
-                      <a:srgbClr val="FFFFFF"/>
-                    </a:solidFill>
-                    <a:latin typeface="+mn-lt"/>
-                    <a:ea typeface="+mn-ea"/>
-                    <a:cs typeface="+mn-cs"/>
-                    <a:sym typeface="Helvetica Neue Medium"/>
-                  </a:defRPr>
-                </a:pPr>
-                <a:endParaRPr/>
-              </a:p>
-            </p:txBody>
-          </p:sp>
-          <p:sp>
-            <p:nvSpPr>
-              <p:cNvPr id="715" name="Circle"/>
-              <p:cNvSpPr/>
-              <p:nvPr/>
-            </p:nvSpPr>
-            <p:spPr>
-              <a:xfrm>
-                <a:off x="3219025" y="964934"/>
-                <a:ext cx="152445" cy="152446"/>
-              </a:xfrm>
-              <a:prstGeom prst="ellipse">
-                <a:avLst/>
-              </a:prstGeom>
-              <a:solidFill>
-                <a:schemeClr val="accent5">
-                  <a:lumOff val="-29866"/>
-                </a:schemeClr>
-              </a:solidFill>
-              <a:ln w="12700" cap="flat">
-                <a:noFill/>
-                <a:miter lim="400000"/>
-              </a:ln>
-              <a:effectLst/>
-            </p:spPr>
-            <p:txBody>
-              <a:bodyPr wrap="square" lIns="0" tIns="0" rIns="0" bIns="0" numCol="1" anchor="ctr">
-                <a:noAutofit/>
-              </a:bodyPr>
-              <a:lstStyle/>
-              <a:p>
-                <a:pPr>
-                  <a:defRPr sz="3200" b="0">
-                    <a:solidFill>
-                      <a:srgbClr val="FFFFFF"/>
-                    </a:solidFill>
-                    <a:latin typeface="+mn-lt"/>
-                    <a:ea typeface="+mn-ea"/>
-                    <a:cs typeface="+mn-cs"/>
-                    <a:sym typeface="Helvetica Neue Medium"/>
-                  </a:defRPr>
-                </a:pPr>
-                <a:endParaRPr/>
-              </a:p>
-            </p:txBody>
-          </p:sp>
-          <p:sp>
-            <p:nvSpPr>
-              <p:cNvPr id="716" name="Circle"/>
-              <p:cNvSpPr/>
-              <p:nvPr/>
-            </p:nvSpPr>
-            <p:spPr>
-              <a:xfrm>
-                <a:off x="3494551" y="995829"/>
-                <a:ext cx="152445" cy="152446"/>
-              </a:xfrm>
-              <a:prstGeom prst="ellipse">
-                <a:avLst/>
-              </a:prstGeom>
-              <a:solidFill>
-                <a:schemeClr val="accent5">
-                  <a:lumOff val="-29866"/>
-                </a:schemeClr>
-              </a:solidFill>
-              <a:ln w="12700" cap="flat">
-                <a:noFill/>
-                <a:miter lim="400000"/>
-              </a:ln>
-              <a:effectLst/>
-            </p:spPr>
-            <p:txBody>
-              <a:bodyPr wrap="square" lIns="0" tIns="0" rIns="0" bIns="0" numCol="1" anchor="ctr">
-                <a:noAutofit/>
-              </a:bodyPr>
-              <a:lstStyle/>
-              <a:p>
-                <a:pPr>
-                  <a:defRPr sz="3200" b="0">
-                    <a:solidFill>
-                      <a:srgbClr val="FFFFFF"/>
-                    </a:solidFill>
-                    <a:latin typeface="+mn-lt"/>
-                    <a:ea typeface="+mn-ea"/>
-                    <a:cs typeface="+mn-cs"/>
-                    <a:sym typeface="Helvetica Neue Medium"/>
-                  </a:defRPr>
-                </a:pPr>
-                <a:endParaRPr/>
-              </a:p>
-            </p:txBody>
-          </p:sp>
-        </p:grpSp>
-        <p:grpSp>
-          <p:nvGrpSpPr>
-            <p:cNvPr id="732" name="Group"/>
-            <p:cNvGrpSpPr/>
-            <p:nvPr/>
-          </p:nvGrpSpPr>
-          <p:grpSpPr>
-            <a:xfrm flipH="1">
-              <a:off x="0" y="644197"/>
-              <a:ext cx="3646996" cy="1148275"/>
-              <a:chOff x="0" y="0"/>
-              <a:chExt cx="3646995" cy="1148274"/>
-            </a:xfrm>
-          </p:grpSpPr>
-          <p:sp>
-            <p:nvSpPr>
-              <p:cNvPr id="718" name="Circle"/>
-              <p:cNvSpPr/>
-              <p:nvPr/>
-            </p:nvSpPr>
-            <p:spPr>
-              <a:xfrm>
-                <a:off x="0" y="0"/>
-                <a:ext cx="152445" cy="152445"/>
-              </a:xfrm>
-              <a:prstGeom prst="ellipse">
-                <a:avLst/>
-              </a:prstGeom>
-              <a:solidFill>
-                <a:schemeClr val="accent5">
-                  <a:lumOff val="-29866"/>
-                </a:schemeClr>
-              </a:solidFill>
-              <a:ln w="12700" cap="flat">
-                <a:noFill/>
-                <a:miter lim="400000"/>
-              </a:ln>
-              <a:effectLst/>
-            </p:spPr>
-            <p:txBody>
-              <a:bodyPr wrap="square" lIns="0" tIns="0" rIns="0" bIns="0" numCol="1" anchor="ctr">
-                <a:noAutofit/>
-              </a:bodyPr>
-              <a:lstStyle/>
-              <a:p>
-                <a:pPr>
-                  <a:defRPr sz="3200" b="0">
-                    <a:solidFill>
-                      <a:srgbClr val="FFFFFF"/>
-                    </a:solidFill>
-                    <a:latin typeface="+mn-lt"/>
-                    <a:ea typeface="+mn-ea"/>
-                    <a:cs typeface="+mn-cs"/>
-                    <a:sym typeface="Helvetica Neue Medium"/>
-                  </a:defRPr>
-                </a:pPr>
-                <a:endParaRPr/>
-              </a:p>
-            </p:txBody>
-          </p:sp>
-          <p:sp>
-            <p:nvSpPr>
-              <p:cNvPr id="719" name="Circle"/>
-              <p:cNvSpPr/>
-              <p:nvPr/>
-            </p:nvSpPr>
-            <p:spPr>
-              <a:xfrm>
-                <a:off x="275525" y="205630"/>
-                <a:ext cx="152446" cy="152446"/>
-              </a:xfrm>
-              <a:prstGeom prst="ellipse">
-                <a:avLst/>
-              </a:prstGeom>
-              <a:solidFill>
-                <a:schemeClr val="accent5">
-                  <a:lumOff val="-29866"/>
-                </a:schemeClr>
-              </a:solidFill>
-              <a:ln w="12700" cap="flat">
-                <a:noFill/>
-                <a:miter lim="400000"/>
-              </a:ln>
-              <a:effectLst/>
-            </p:spPr>
-            <p:txBody>
-              <a:bodyPr wrap="square" lIns="0" tIns="0" rIns="0" bIns="0" numCol="1" anchor="ctr">
-                <a:noAutofit/>
-              </a:bodyPr>
-              <a:lstStyle/>
-              <a:p>
-                <a:pPr>
-                  <a:defRPr sz="3200" b="0">
-                    <a:solidFill>
-                      <a:srgbClr val="FFFFFF"/>
-                    </a:solidFill>
-                    <a:latin typeface="+mn-lt"/>
-                    <a:ea typeface="+mn-ea"/>
-                    <a:cs typeface="+mn-cs"/>
-                    <a:sym typeface="Helvetica Neue Medium"/>
-                  </a:defRPr>
-                </a:pPr>
-                <a:endParaRPr/>
-              </a:p>
-            </p:txBody>
-          </p:sp>
-          <p:sp>
-            <p:nvSpPr>
-              <p:cNvPr id="720" name="Circle"/>
-              <p:cNvSpPr/>
-              <p:nvPr/>
-            </p:nvSpPr>
-            <p:spPr>
-              <a:xfrm>
-                <a:off x="542314" y="350104"/>
-                <a:ext cx="152445" cy="152445"/>
-              </a:xfrm>
-              <a:prstGeom prst="ellipse">
-                <a:avLst/>
-              </a:prstGeom>
-              <a:solidFill>
-                <a:schemeClr val="accent5">
-                  <a:lumOff val="-29866"/>
-                </a:schemeClr>
-              </a:solidFill>
-              <a:ln w="12700" cap="flat">
-                <a:noFill/>
-                <a:miter lim="400000"/>
-              </a:ln>
-              <a:effectLst/>
-            </p:spPr>
-            <p:txBody>
-              <a:bodyPr wrap="square" lIns="0" tIns="0" rIns="0" bIns="0" numCol="1" anchor="ctr">
-                <a:noAutofit/>
-              </a:bodyPr>
-              <a:lstStyle/>
-              <a:p>
-                <a:pPr>
-                  <a:defRPr sz="3200" b="0">
-                    <a:solidFill>
-                      <a:srgbClr val="FFFFFF"/>
-                    </a:solidFill>
-                    <a:latin typeface="+mn-lt"/>
-                    <a:ea typeface="+mn-ea"/>
-                    <a:cs typeface="+mn-cs"/>
-                    <a:sym typeface="Helvetica Neue Medium"/>
-                  </a:defRPr>
-                </a:pPr>
-                <a:endParaRPr/>
-              </a:p>
-            </p:txBody>
-          </p:sp>
-          <p:sp>
-            <p:nvSpPr>
-              <p:cNvPr id="721" name="Circle"/>
-              <p:cNvSpPr/>
-              <p:nvPr/>
-            </p:nvSpPr>
-            <p:spPr>
-              <a:xfrm>
-                <a:off x="809102" y="450894"/>
-                <a:ext cx="152445" cy="152445"/>
-              </a:xfrm>
-              <a:prstGeom prst="ellipse">
-                <a:avLst/>
-              </a:prstGeom>
-              <a:solidFill>
-                <a:schemeClr val="accent5">
-                  <a:lumOff val="-29866"/>
-                </a:schemeClr>
-              </a:solidFill>
-              <a:ln w="12700" cap="flat">
-                <a:noFill/>
-                <a:miter lim="400000"/>
-              </a:ln>
-              <a:effectLst/>
-            </p:spPr>
-            <p:txBody>
-              <a:bodyPr wrap="square" lIns="0" tIns="0" rIns="0" bIns="0" numCol="1" anchor="ctr">
-                <a:noAutofit/>
-              </a:bodyPr>
-              <a:lstStyle/>
-              <a:p>
-                <a:pPr>
-                  <a:defRPr sz="3200" b="0">
-                    <a:solidFill>
-                      <a:srgbClr val="FFFFFF"/>
-                    </a:solidFill>
-                    <a:latin typeface="+mn-lt"/>
-                    <a:ea typeface="+mn-ea"/>
-                    <a:cs typeface="+mn-cs"/>
-                    <a:sym typeface="Helvetica Neue Medium"/>
-                  </a:defRPr>
-                </a:pPr>
-                <a:endParaRPr/>
-              </a:p>
-            </p:txBody>
-          </p:sp>
-          <p:sp>
-            <p:nvSpPr>
-              <p:cNvPr id="722" name="Circle"/>
-              <p:cNvSpPr/>
-              <p:nvPr/>
-            </p:nvSpPr>
-            <p:spPr>
-              <a:xfrm>
-                <a:off x="1075890" y="551684"/>
-                <a:ext cx="152446" cy="152445"/>
-              </a:xfrm>
-              <a:prstGeom prst="ellipse">
-                <a:avLst/>
-              </a:prstGeom>
-              <a:solidFill>
-                <a:schemeClr val="accent5">
-                  <a:lumOff val="-29866"/>
-                </a:schemeClr>
-              </a:solidFill>
-              <a:ln w="12700" cap="flat">
-                <a:noFill/>
-                <a:miter lim="400000"/>
-              </a:ln>
-              <a:effectLst/>
-            </p:spPr>
-            <p:txBody>
-              <a:bodyPr wrap="square" lIns="0" tIns="0" rIns="0" bIns="0" numCol="1" anchor="ctr">
-                <a:noAutofit/>
-              </a:bodyPr>
-              <a:lstStyle/>
-              <a:p>
-                <a:pPr>
-                  <a:defRPr sz="3200" b="0">
-                    <a:solidFill>
-                      <a:srgbClr val="FFFFFF"/>
-                    </a:solidFill>
-                    <a:latin typeface="+mn-lt"/>
-                    <a:ea typeface="+mn-ea"/>
-                    <a:cs typeface="+mn-cs"/>
-                    <a:sym typeface="Helvetica Neue Medium"/>
-                  </a:defRPr>
-                </a:pPr>
-                <a:endParaRPr/>
-              </a:p>
-            </p:txBody>
-          </p:sp>
-          <p:sp>
-            <p:nvSpPr>
-              <p:cNvPr id="723" name="Circle"/>
-              <p:cNvSpPr/>
-              <p:nvPr/>
-            </p:nvSpPr>
-            <p:spPr>
-              <a:xfrm>
-                <a:off x="1351416" y="626263"/>
-                <a:ext cx="152446" cy="152445"/>
-              </a:xfrm>
-              <a:prstGeom prst="ellipse">
-                <a:avLst/>
-              </a:prstGeom>
-              <a:solidFill>
-                <a:schemeClr val="accent5">
-                  <a:lumOff val="-29866"/>
-                </a:schemeClr>
-              </a:solidFill>
-              <a:ln w="12700" cap="flat">
-                <a:noFill/>
-                <a:miter lim="400000"/>
-              </a:ln>
-              <a:effectLst/>
-            </p:spPr>
-            <p:txBody>
-              <a:bodyPr wrap="square" lIns="0" tIns="0" rIns="0" bIns="0" numCol="1" anchor="ctr">
-                <a:noAutofit/>
-              </a:bodyPr>
-              <a:lstStyle/>
-              <a:p>
-                <a:pPr>
-                  <a:defRPr sz="3200" b="0">
-                    <a:solidFill>
-                      <a:srgbClr val="FFFFFF"/>
-                    </a:solidFill>
-                    <a:latin typeface="+mn-lt"/>
-                    <a:ea typeface="+mn-ea"/>
-                    <a:cs typeface="+mn-cs"/>
-                    <a:sym typeface="Helvetica Neue Medium"/>
-                  </a:defRPr>
-                </a:pPr>
-                <a:endParaRPr/>
-              </a:p>
-            </p:txBody>
-          </p:sp>
-          <p:sp>
-            <p:nvSpPr>
-              <p:cNvPr id="724" name="Circle"/>
-              <p:cNvSpPr/>
-              <p:nvPr/>
-            </p:nvSpPr>
-            <p:spPr>
-              <a:xfrm>
-                <a:off x="1618205" y="692105"/>
-                <a:ext cx="152445" cy="152446"/>
-              </a:xfrm>
-              <a:prstGeom prst="ellipse">
-                <a:avLst/>
-              </a:prstGeom>
-              <a:solidFill>
-                <a:schemeClr val="accent5">
-                  <a:lumOff val="-29866"/>
-                </a:schemeClr>
-              </a:solidFill>
-              <a:ln w="12700" cap="flat">
-                <a:noFill/>
-                <a:miter lim="400000"/>
-              </a:ln>
-              <a:effectLst/>
-            </p:spPr>
-            <p:txBody>
-              <a:bodyPr wrap="square" lIns="0" tIns="0" rIns="0" bIns="0" numCol="1" anchor="ctr">
-                <a:noAutofit/>
-              </a:bodyPr>
-              <a:lstStyle/>
-              <a:p>
-                <a:pPr>
-                  <a:defRPr sz="3200" b="0">
-                    <a:solidFill>
-                      <a:srgbClr val="FFFFFF"/>
-                    </a:solidFill>
-                    <a:latin typeface="+mn-lt"/>
-                    <a:ea typeface="+mn-ea"/>
-                    <a:cs typeface="+mn-cs"/>
-                    <a:sym typeface="Helvetica Neue Medium"/>
-                  </a:defRPr>
-                </a:pPr>
-                <a:endParaRPr/>
-              </a:p>
-            </p:txBody>
-          </p:sp>
-          <p:sp>
-            <p:nvSpPr>
-              <p:cNvPr id="725" name="Circle"/>
-              <p:cNvSpPr/>
-              <p:nvPr/>
-            </p:nvSpPr>
-            <p:spPr>
-              <a:xfrm>
-                <a:off x="1884993" y="757948"/>
-                <a:ext cx="152445" cy="152445"/>
-              </a:xfrm>
-              <a:prstGeom prst="ellipse">
-                <a:avLst/>
-              </a:prstGeom>
-              <a:solidFill>
-                <a:schemeClr val="accent5">
-                  <a:lumOff val="-29866"/>
-                </a:schemeClr>
-              </a:solidFill>
-              <a:ln w="12700" cap="flat">
-                <a:noFill/>
-                <a:miter lim="400000"/>
-              </a:ln>
-              <a:effectLst/>
-            </p:spPr>
-            <p:txBody>
-              <a:bodyPr wrap="square" lIns="0" tIns="0" rIns="0" bIns="0" numCol="1" anchor="ctr">
-                <a:noAutofit/>
-              </a:bodyPr>
-              <a:lstStyle/>
-              <a:p>
-                <a:pPr>
-                  <a:defRPr sz="3200" b="0">
-                    <a:solidFill>
-                      <a:srgbClr val="FFFFFF"/>
-                    </a:solidFill>
-                    <a:latin typeface="+mn-lt"/>
-                    <a:ea typeface="+mn-ea"/>
-                    <a:cs typeface="+mn-cs"/>
-                    <a:sym typeface="Helvetica Neue Medium"/>
-                  </a:defRPr>
-                </a:pPr>
-                <a:endParaRPr/>
-              </a:p>
-            </p:txBody>
-          </p:sp>
-          <p:sp>
-            <p:nvSpPr>
-              <p:cNvPr id="726" name="Circle"/>
-              <p:cNvSpPr/>
-              <p:nvPr/>
-            </p:nvSpPr>
-            <p:spPr>
-              <a:xfrm>
-                <a:off x="2151781" y="806317"/>
-                <a:ext cx="152446" cy="152445"/>
-              </a:xfrm>
-              <a:prstGeom prst="ellipse">
-                <a:avLst/>
-              </a:prstGeom>
-              <a:solidFill>
-                <a:schemeClr val="accent5">
-                  <a:lumOff val="-29866"/>
-                </a:schemeClr>
-              </a:solidFill>
-              <a:ln w="12700" cap="flat">
-                <a:noFill/>
-                <a:miter lim="400000"/>
-              </a:ln>
-              <a:effectLst/>
-            </p:spPr>
-            <p:txBody>
-              <a:bodyPr wrap="square" lIns="0" tIns="0" rIns="0" bIns="0" numCol="1" anchor="ctr">
-                <a:noAutofit/>
-              </a:bodyPr>
-              <a:lstStyle/>
-              <a:p>
-                <a:pPr>
-                  <a:defRPr sz="3200" b="0">
-                    <a:solidFill>
-                      <a:srgbClr val="FFFFFF"/>
-                    </a:solidFill>
-                    <a:latin typeface="+mn-lt"/>
-                    <a:ea typeface="+mn-ea"/>
-                    <a:cs typeface="+mn-cs"/>
-                    <a:sym typeface="Helvetica Neue Medium"/>
-                  </a:defRPr>
-                </a:pPr>
-                <a:endParaRPr/>
-              </a:p>
-            </p:txBody>
-          </p:sp>
-          <p:sp>
-            <p:nvSpPr>
-              <p:cNvPr id="727" name="Circle"/>
-              <p:cNvSpPr/>
-              <p:nvPr/>
-            </p:nvSpPr>
-            <p:spPr>
-              <a:xfrm>
-                <a:off x="2427307" y="845949"/>
-                <a:ext cx="152446" cy="152446"/>
-              </a:xfrm>
-              <a:prstGeom prst="ellipse">
-                <a:avLst/>
-              </a:prstGeom>
-              <a:solidFill>
-                <a:schemeClr val="accent5">
-                  <a:lumOff val="-29866"/>
-                </a:schemeClr>
-              </a:solidFill>
-              <a:ln w="12700" cap="flat">
-                <a:noFill/>
-                <a:miter lim="400000"/>
-              </a:ln>
-              <a:effectLst/>
-            </p:spPr>
-            <p:txBody>
-              <a:bodyPr wrap="square" lIns="0" tIns="0" rIns="0" bIns="0" numCol="1" anchor="ctr">
-                <a:noAutofit/>
-              </a:bodyPr>
-              <a:lstStyle/>
-              <a:p>
-                <a:pPr>
-                  <a:defRPr sz="3200" b="0">
-                    <a:solidFill>
-                      <a:srgbClr val="FFFFFF"/>
-                    </a:solidFill>
-                    <a:latin typeface="+mn-lt"/>
-                    <a:ea typeface="+mn-ea"/>
-                    <a:cs typeface="+mn-cs"/>
-                    <a:sym typeface="Helvetica Neue Medium"/>
-                  </a:defRPr>
-                </a:pPr>
-                <a:endParaRPr/>
-              </a:p>
-            </p:txBody>
-          </p:sp>
-          <p:sp>
-            <p:nvSpPr>
-              <p:cNvPr id="728" name="Circle"/>
-              <p:cNvSpPr/>
-              <p:nvPr/>
-            </p:nvSpPr>
-            <p:spPr>
-              <a:xfrm>
-                <a:off x="2685360" y="894319"/>
-                <a:ext cx="152445" cy="152445"/>
-              </a:xfrm>
-              <a:prstGeom prst="ellipse">
-                <a:avLst/>
-              </a:prstGeom>
-              <a:solidFill>
-                <a:schemeClr val="accent5">
-                  <a:lumOff val="-29866"/>
-                </a:schemeClr>
-              </a:solidFill>
-              <a:ln w="12700" cap="flat">
-                <a:noFill/>
-                <a:miter lim="400000"/>
-              </a:ln>
-              <a:effectLst/>
-            </p:spPr>
-            <p:txBody>
-              <a:bodyPr wrap="square" lIns="0" tIns="0" rIns="0" bIns="0" numCol="1" anchor="ctr">
-                <a:noAutofit/>
-              </a:bodyPr>
-              <a:lstStyle/>
-              <a:p>
-                <a:pPr>
-                  <a:defRPr sz="3200" b="0">
-                    <a:solidFill>
-                      <a:srgbClr val="FFFFFF"/>
-                    </a:solidFill>
-                    <a:latin typeface="+mn-lt"/>
-                    <a:ea typeface="+mn-ea"/>
-                    <a:cs typeface="+mn-cs"/>
-                    <a:sym typeface="Helvetica Neue Medium"/>
-                  </a:defRPr>
-                </a:pPr>
-                <a:endParaRPr/>
-              </a:p>
-            </p:txBody>
-          </p:sp>
-          <p:sp>
-            <p:nvSpPr>
-              <p:cNvPr id="729" name="Circle"/>
-              <p:cNvSpPr/>
-              <p:nvPr/>
-            </p:nvSpPr>
-            <p:spPr>
-              <a:xfrm>
-                <a:off x="2952148" y="933950"/>
-                <a:ext cx="152445" cy="152446"/>
-              </a:xfrm>
-              <a:prstGeom prst="ellipse">
-                <a:avLst/>
-              </a:prstGeom>
-              <a:solidFill>
-                <a:schemeClr val="accent5">
-                  <a:lumOff val="-29866"/>
-                </a:schemeClr>
-              </a:solidFill>
-              <a:ln w="12700" cap="flat">
-                <a:noFill/>
-                <a:miter lim="400000"/>
-              </a:ln>
-              <a:effectLst/>
-            </p:spPr>
-            <p:txBody>
-              <a:bodyPr wrap="square" lIns="0" tIns="0" rIns="0" bIns="0" numCol="1" anchor="ctr">
-                <a:noAutofit/>
-              </a:bodyPr>
-              <a:lstStyle/>
-              <a:p>
-                <a:pPr>
-                  <a:defRPr sz="3200" b="0">
-                    <a:solidFill>
-                      <a:srgbClr val="FFFFFF"/>
-                    </a:solidFill>
-                    <a:latin typeface="+mn-lt"/>
-                    <a:ea typeface="+mn-ea"/>
-                    <a:cs typeface="+mn-cs"/>
-                    <a:sym typeface="Helvetica Neue Medium"/>
-                  </a:defRPr>
-                </a:pPr>
-                <a:endParaRPr/>
-              </a:p>
-            </p:txBody>
-          </p:sp>
-          <p:sp>
-            <p:nvSpPr>
-              <p:cNvPr id="730" name="Circle"/>
-              <p:cNvSpPr/>
-              <p:nvPr/>
-            </p:nvSpPr>
-            <p:spPr>
-              <a:xfrm>
-                <a:off x="3219025" y="964934"/>
-                <a:ext cx="152445" cy="152446"/>
-              </a:xfrm>
-              <a:prstGeom prst="ellipse">
-                <a:avLst/>
-              </a:prstGeom>
-              <a:solidFill>
-                <a:schemeClr val="accent5">
-                  <a:lumOff val="-29866"/>
-                </a:schemeClr>
-              </a:solidFill>
-              <a:ln w="12700" cap="flat">
-                <a:noFill/>
-                <a:miter lim="400000"/>
-              </a:ln>
-              <a:effectLst/>
-            </p:spPr>
-            <p:txBody>
-              <a:bodyPr wrap="square" lIns="0" tIns="0" rIns="0" bIns="0" numCol="1" anchor="ctr">
-                <a:noAutofit/>
-              </a:bodyPr>
-              <a:lstStyle/>
-              <a:p>
-                <a:pPr>
-                  <a:defRPr sz="3200" b="0">
-                    <a:solidFill>
-                      <a:srgbClr val="FFFFFF"/>
-                    </a:solidFill>
-                    <a:latin typeface="+mn-lt"/>
-                    <a:ea typeface="+mn-ea"/>
-                    <a:cs typeface="+mn-cs"/>
-                    <a:sym typeface="Helvetica Neue Medium"/>
-                  </a:defRPr>
-                </a:pPr>
-                <a:endParaRPr/>
-              </a:p>
-            </p:txBody>
-          </p:sp>
-          <p:sp>
-            <p:nvSpPr>
-              <p:cNvPr id="731" name="Circle"/>
-              <p:cNvSpPr/>
-              <p:nvPr/>
-            </p:nvSpPr>
-            <p:spPr>
-              <a:xfrm>
-                <a:off x="3494551" y="995829"/>
-                <a:ext cx="152445" cy="152446"/>
-              </a:xfrm>
-              <a:prstGeom prst="ellipse">
-                <a:avLst/>
-              </a:prstGeom>
-              <a:solidFill>
-                <a:schemeClr val="accent5">
-                  <a:lumOff val="-29866"/>
-                </a:schemeClr>
-              </a:solidFill>
-              <a:ln w="12700" cap="flat">
-                <a:noFill/>
-                <a:miter lim="400000"/>
-              </a:ln>
-              <a:effectLst/>
-            </p:spPr>
-            <p:txBody>
-              <a:bodyPr wrap="square" lIns="0" tIns="0" rIns="0" bIns="0" numCol="1" anchor="ctr">
-                <a:noAutofit/>
-              </a:bodyPr>
-              <a:lstStyle/>
-              <a:p>
-                <a:pPr>
-                  <a:defRPr sz="3200" b="0">
-                    <a:solidFill>
-                      <a:srgbClr val="FFFFFF"/>
-                    </a:solidFill>
-                    <a:latin typeface="+mn-lt"/>
-                    <a:ea typeface="+mn-ea"/>
-                    <a:cs typeface="+mn-cs"/>
-                    <a:sym typeface="Helvetica Neue Medium"/>
-                  </a:defRPr>
-                </a:pPr>
-                <a:endParaRPr/>
-              </a:p>
-            </p:txBody>
-          </p:sp>
-        </p:grpSp>
-        <p:sp>
-          <p:nvSpPr>
-            <p:cNvPr id="733" name="Circle"/>
-            <p:cNvSpPr/>
-            <p:nvPr/>
-          </p:nvSpPr>
-          <p:spPr>
-            <a:xfrm>
-              <a:off x="4509678" y="251456"/>
-              <a:ext cx="152446" cy="152446"/>
-            </a:xfrm>
-            <a:prstGeom prst="ellipse">
-              <a:avLst/>
-            </a:prstGeom>
-            <a:solidFill>
-              <a:schemeClr val="accent5">
-                <a:lumOff val="-29866"/>
-              </a:schemeClr>
-            </a:solidFill>
-            <a:ln w="12700" cap="flat">
-              <a:noFill/>
-              <a:miter lim="400000"/>
-            </a:ln>
-            <a:effectLst/>
-          </p:spPr>
-          <p:txBody>
-            <a:bodyPr wrap="square" lIns="0" tIns="0" rIns="0" bIns="0" numCol="1" anchor="ctr">
-              <a:noAutofit/>
-            </a:bodyPr>
-            <a:lstStyle/>
-            <a:p>
-              <a:pPr>
-                <a:defRPr sz="3200" b="0">
-                  <a:solidFill>
-                    <a:srgbClr val="FFFFFF"/>
-                  </a:solidFill>
-                  <a:latin typeface="+mn-lt"/>
-                  <a:ea typeface="+mn-ea"/>
-                  <a:cs typeface="+mn-cs"/>
-                  <a:sym typeface="Helvetica Neue Medium"/>
-                </a:defRPr>
-              </a:pPr>
-              <a:endParaRPr/>
-            </a:p>
-          </p:txBody>
-        </p:sp>
-        <p:sp>
-          <p:nvSpPr>
-            <p:cNvPr id="734" name="Circle"/>
-            <p:cNvSpPr/>
-            <p:nvPr/>
-          </p:nvSpPr>
-          <p:spPr>
-            <a:xfrm>
-              <a:off x="3772802" y="251456"/>
-              <a:ext cx="152446" cy="152446"/>
-            </a:xfrm>
-            <a:prstGeom prst="ellipse">
-              <a:avLst/>
-            </a:prstGeom>
-            <a:solidFill>
-              <a:schemeClr val="accent5">
-                <a:lumOff val="-29866"/>
-              </a:schemeClr>
-            </a:solidFill>
-            <a:ln w="12700" cap="flat">
-              <a:noFill/>
-              <a:miter lim="400000"/>
-            </a:ln>
-            <a:effectLst/>
-          </p:spPr>
-          <p:txBody>
-            <a:bodyPr wrap="square" lIns="0" tIns="0" rIns="0" bIns="0" numCol="1" anchor="ctr">
-              <a:noAutofit/>
-            </a:bodyPr>
-            <a:lstStyle/>
-            <a:p>
-              <a:pPr>
-                <a:defRPr sz="3200" b="0">
-                  <a:solidFill>
-                    <a:srgbClr val="FFFFFF"/>
-                  </a:solidFill>
-                  <a:latin typeface="+mn-lt"/>
-                  <a:ea typeface="+mn-ea"/>
-                  <a:cs typeface="+mn-cs"/>
-                  <a:sym typeface="Helvetica Neue Medium"/>
-                </a:defRPr>
-              </a:pPr>
-              <a:endParaRPr/>
-            </a:p>
-          </p:txBody>
-        </p:sp>
-      </p:grpSp>
-    </p:spTree>
-  </p:cSld>
-  <p:clrMapOvr>
-    <a:masterClrMapping/>
-  </p:clrMapOvr>
-  <p:transition spd="med"/>
-  <p:timing>
-    <p:tnLst>
-      <p:par>
-        <p:cTn id="1" dur="indefinite" restart="never" fill="hold" nodeType="tmRoot">
-          <p:childTnLst>
-            <p:seq concurrent="1" prevAc="none" nextAc="seek">
-              <p:cTn id="2" dur="indefinite" fill="hold" nodeType="mainSeq">
-                <p:childTnLst>
-                  <p:par>
-                    <p:cTn id="3" fill="hold">
-                      <p:stCondLst>
-                        <p:cond delay="indefinite"/>
-                        <p:cond evt="onBegin" delay="0">
-                          <p:tn val="2"/>
-                        </p:cond>
-                      </p:stCondLst>
-                      <p:childTnLst>
-                        <p:par>
-                          <p:cTn id="4" fill="hold">
-                            <p:stCondLst>
-                              <p:cond delay="0"/>
-                            </p:stCondLst>
-                            <p:childTnLst>
-                              <p:par>
-                                <p:cTn id="5" presetID="1" presetClass="entr" presetSubtype="0" fill="hold" grpId="1" nodeType="afterEffect">
-                                  <p:stCondLst>
-                                    <p:cond delay="0"/>
-                                  </p:stCondLst>
-                                  <p:iterate>
-                                    <p:tmAbs val="0"/>
-                                  </p:iterate>
-                                  <p:childTnLst>
-                                    <p:set>
-                                      <p:cBhvr>
-                                        <p:cTn id="6" fill="hold"/>
-                                        <p:tgtEl>
-                                          <p:spTgt spid="699">
-                                            <p:bg/>
-                                          </p:spTgt>
-                                        </p:tgtEl>
-                                        <p:attrNameLst>
-                                          <p:attrName>style.visibility</p:attrName>
-                                        </p:attrNameLst>
-                                      </p:cBhvr>
-                                      <p:to>
-                                        <p:strVal val="visible"/>
-                                      </p:to>
-                                    </p:set>
-                                  </p:childTnLst>
-                                </p:cTn>
-                              </p:par>
-                              <p:par>
-                                <p:cTn id="7" presetID="1" presetClass="entr" presetSubtype="0" fill="hold" grpId="1" nodeType="withEffect">
-                                  <p:stCondLst>
-                                    <p:cond delay="0"/>
-                                  </p:stCondLst>
-                                  <p:iterate>
-                                    <p:tmAbs val="0"/>
-                                  </p:iterate>
-                                  <p:childTnLst>
-                                    <p:set>
-                                      <p:cBhvr>
-                                        <p:cTn id="8" fill="hold"/>
-                                        <p:tgtEl>
-                                          <p:spTgt spid="699">
-                                            <p:txEl>
-                                              <p:pRg st="0" end="0"/>
-                                            </p:txEl>
-                                          </p:spTgt>
-                                        </p:tgtEl>
-                                        <p:attrNameLst>
-                                          <p:attrName>style.visibility</p:attrName>
-                                        </p:attrNameLst>
-                                      </p:cBhvr>
-                                      <p:to>
-                                        <p:strVal val="visible"/>
-                                      </p:to>
-                                    </p:set>
-                                  </p:childTnLst>
-                                </p:cTn>
-                              </p:par>
-                            </p:childTnLst>
-                          </p:cTn>
-                        </p:par>
-                        <p:par>
-                          <p:cTn id="9" fill="hold">
-                            <p:stCondLst>
-                              <p:cond delay="0"/>
-                            </p:stCondLst>
-                            <p:childTnLst>
-                              <p:par>
-                                <p:cTn id="10" presetID="1" presetClass="entr" presetSubtype="0" fill="hold" grpId="1" nodeType="afterEffect">
-                                  <p:stCondLst>
-                                    <p:cond delay="0"/>
-                                  </p:stCondLst>
-                                  <p:iterate>
-                                    <p:tmAbs val="0"/>
-                                  </p:iterate>
-                                  <p:childTnLst>
-                                    <p:set>
-                                      <p:cBhvr>
-                                        <p:cTn id="11" fill="hold"/>
-                                        <p:tgtEl>
-                                          <p:spTgt spid="699">
-                                            <p:txEl>
-                                              <p:pRg st="1" end="1"/>
-                                            </p:txEl>
-                                          </p:spTgt>
-                                        </p:tgtEl>
-                                        <p:attrNameLst>
-                                          <p:attrName>style.visibility</p:attrName>
-                                        </p:attrNameLst>
-                                      </p:cBhvr>
-                                      <p:to>
-                                        <p:strVal val="visible"/>
-                                      </p:to>
-                                    </p:set>
-                                  </p:childTnLst>
-                                </p:cTn>
-                              </p:par>
-                            </p:childTnLst>
-                          </p:cTn>
-                        </p:par>
-                        <p:par>
-                          <p:cTn id="12" fill="hold">
-                            <p:stCondLst>
-                              <p:cond delay="0"/>
-                            </p:stCondLst>
-                            <p:childTnLst>
-                              <p:par>
-                                <p:cTn id="13" presetID="1" presetClass="entr" presetSubtype="0" fill="hold" grpId="1" nodeType="afterEffect">
-                                  <p:stCondLst>
-                                    <p:cond delay="0"/>
-                                  </p:stCondLst>
-                                  <p:iterate>
-                                    <p:tmAbs val="0"/>
-                                  </p:iterate>
-                                  <p:childTnLst>
-                                    <p:set>
-                                      <p:cBhvr>
-                                        <p:cTn id="14" fill="hold"/>
-                                        <p:tgtEl>
-                                          <p:spTgt spid="699">
-                                            <p:txEl>
-                                              <p:pRg st="2" end="2"/>
-                                            </p:txEl>
-                                          </p:spTgt>
-                                        </p:tgtEl>
-                                        <p:attrNameLst>
-                                          <p:attrName>style.visibility</p:attrName>
-                                        </p:attrNameLst>
-                                      </p:cBhvr>
-                                      <p:to>
-                                        <p:strVal val="visible"/>
-                                      </p:to>
-                                    </p:set>
-                                  </p:childTnLst>
-                                </p:cTn>
-                              </p:par>
-                            </p:childTnLst>
-                          </p:cTn>
-                        </p:par>
-                        <p:par>
-                          <p:cTn id="15" fill="hold">
-                            <p:stCondLst>
-                              <p:cond delay="0"/>
-                            </p:stCondLst>
-                            <p:childTnLst>
-                              <p:par>
-                                <p:cTn id="16" presetID="1" presetClass="entr" presetSubtype="0" fill="hold" grpId="1" nodeType="afterEffect">
-                                  <p:stCondLst>
-                                    <p:cond delay="0"/>
-                                  </p:stCondLst>
-                                  <p:iterate>
-                                    <p:tmAbs val="0"/>
-                                  </p:iterate>
-                                  <p:childTnLst>
-                                    <p:set>
-                                      <p:cBhvr>
-                                        <p:cTn id="17" fill="hold"/>
-                                        <p:tgtEl>
-                                          <p:spTgt spid="699">
-                                            <p:txEl>
-                                              <p:pRg st="3" end="3"/>
-                                            </p:txEl>
-                                          </p:spTgt>
-                                        </p:tgtEl>
-                                        <p:attrNameLst>
-                                          <p:attrName>style.visibility</p:attrName>
-                                        </p:attrNameLst>
-                                      </p:cBhvr>
-                                      <p:to>
-                                        <p:strVal val="visible"/>
-                                      </p:to>
-                                    </p:set>
-                                  </p:childTnLst>
-                                </p:cTn>
-                              </p:par>
-                            </p:childTnLst>
-                          </p:cTn>
-                        </p:par>
-                        <p:par>
-                          <p:cTn id="18" fill="hold">
-                            <p:stCondLst>
-                              <p:cond delay="0"/>
-                            </p:stCondLst>
-                            <p:childTnLst>
-                              <p:par>
-                                <p:cTn id="19" presetID="1" presetClass="entr" presetSubtype="0" fill="hold" grpId="1" nodeType="afterEffect">
-                                  <p:stCondLst>
-                                    <p:cond delay="0"/>
-                                  </p:stCondLst>
-                                  <p:iterate>
-                                    <p:tmAbs val="0"/>
-                                  </p:iterate>
-                                  <p:childTnLst>
-                                    <p:set>
-                                      <p:cBhvr>
-                                        <p:cTn id="20" fill="hold"/>
-                                        <p:tgtEl>
-                                          <p:spTgt spid="699">
-                                            <p:txEl>
-                                              <p:pRg st="4" end="4"/>
-                                            </p:txEl>
-                                          </p:spTgt>
-                                        </p:tgtEl>
-                                        <p:attrNameLst>
-                                          <p:attrName>style.visibility</p:attrName>
-                                        </p:attrNameLst>
-                                      </p:cBhvr>
-                                      <p:to>
-                                        <p:strVal val="visible"/>
-                                      </p:to>
-                                    </p:set>
-                                  </p:childTnLst>
-                                </p:cTn>
-                              </p:par>
-                            </p:childTnLst>
-                          </p:cTn>
-                        </p:par>
-                        <p:par>
-                          <p:cTn id="21" fill="hold">
-                            <p:stCondLst>
-                              <p:cond delay="0"/>
-                            </p:stCondLst>
-                            <p:childTnLst>
-                              <p:par>
-                                <p:cTn id="22" presetID="1" presetClass="entr" presetSubtype="0" fill="hold" grpId="1" nodeType="afterEffect">
-                                  <p:stCondLst>
-                                    <p:cond delay="0"/>
-                                  </p:stCondLst>
-                                  <p:iterate>
-                                    <p:tmAbs val="0"/>
-                                  </p:iterate>
-                                  <p:childTnLst>
-                                    <p:set>
-                                      <p:cBhvr>
-                                        <p:cTn id="23" fill="hold"/>
-                                        <p:tgtEl>
-                                          <p:spTgt spid="699">
-                                            <p:txEl>
-                                              <p:pRg st="5" end="5"/>
-                                            </p:txEl>
-                                          </p:spTgt>
-                                        </p:tgtEl>
-                                        <p:attrNameLst>
-                                          <p:attrName>style.visibility</p:attrName>
-                                        </p:attrNameLst>
-                                      </p:cBhvr>
-                                      <p:to>
-                                        <p:strVal val="visible"/>
-                                      </p:to>
-                                    </p:set>
-                                  </p:childTnLst>
-                                </p:cTn>
-                              </p:par>
-                            </p:childTnLst>
-                          </p:cTn>
-                        </p:par>
-                      </p:childTnLst>
-                    </p:cTn>
-                  </p:par>
-                  <p:par>
-                    <p:cTn id="24" fill="hold">
-                      <p:stCondLst>
-                        <p:cond delay="indefinite"/>
-                      </p:stCondLst>
-                      <p:childTnLst>
-                        <p:par>
-                          <p:cTn id="25" fill="hold">
-                            <p:stCondLst>
-                              <p:cond delay="0"/>
-                            </p:stCondLst>
-                            <p:childTnLst>
-                              <p:par>
-                                <p:cTn id="26" presetID="1" presetClass="entr" presetSubtype="0" fill="hold" grpId="1" nodeType="clickEffect">
-                                  <p:stCondLst>
-                                    <p:cond delay="0"/>
-                                  </p:stCondLst>
-                                  <p:iterate>
-                                    <p:tmAbs val="0"/>
-                                  </p:iterate>
-                                  <p:childTnLst>
-                                    <p:set>
-                                      <p:cBhvr>
-                                        <p:cTn id="27" fill="hold"/>
-                                        <p:tgtEl>
-                                          <p:spTgt spid="699">
-                                            <p:txEl>
-                                              <p:pRg st="6" end="6"/>
-                                            </p:txEl>
-                                          </p:spTgt>
-                                        </p:tgtEl>
-                                        <p:attrNameLst>
-                                          <p:attrName>style.visibility</p:attrName>
-                                        </p:attrNameLst>
-                                      </p:cBhvr>
-                                      <p:to>
-                                        <p:strVal val="visible"/>
-                                      </p:to>
-                                    </p:set>
-                                  </p:childTnLst>
-                                </p:cTn>
-                              </p:par>
-                            </p:childTnLst>
-                          </p:cTn>
-                        </p:par>
-                        <p:par>
-                          <p:cTn id="28" fill="hold">
-                            <p:stCondLst>
-                              <p:cond delay="0"/>
-                            </p:stCondLst>
-                            <p:childTnLst>
-                              <p:par>
-                                <p:cTn id="29" presetID="1" presetClass="entr" presetSubtype="0" fill="hold" grpId="2" nodeType="afterEffect">
-                                  <p:stCondLst>
-                                    <p:cond delay="0"/>
-                                  </p:stCondLst>
-                                  <p:iterate>
-                                    <p:tmAbs val="0"/>
-                                  </p:iterate>
-                                  <p:childTnLst>
-                                    <p:set>
-                                      <p:cBhvr>
-                                        <p:cTn id="30" fill="hold"/>
-                                        <p:tgtEl>
-                                          <p:spTgt spid="701"/>
-                                        </p:tgtEl>
-                                        <p:attrNameLst>
-                                          <p:attrName>style.visibility</p:attrName>
-                                        </p:attrNameLst>
-                                      </p:cBhvr>
-                                      <p:to>
-                                        <p:strVal val="visible"/>
-                                      </p:to>
-                                    </p:set>
-                                  </p:childTnLst>
-                                </p:cTn>
-                              </p:par>
-                            </p:childTnLst>
-                          </p:cTn>
-                        </p:par>
-                      </p:childTnLst>
-                    </p:cTn>
-                  </p:par>
-                  <p:par>
-                    <p:cTn id="31" fill="hold">
-                      <p:stCondLst>
-                        <p:cond delay="indefinite"/>
-                      </p:stCondLst>
-                      <p:childTnLst>
-                        <p:par>
-                          <p:cTn id="32" fill="hold">
-                            <p:stCondLst>
-                              <p:cond delay="0"/>
-                            </p:stCondLst>
-                            <p:childTnLst>
-                              <p:par>
-                                <p:cTn id="33" presetID="1" presetClass="entr" presetSubtype="0" fill="hold" grpId="1" nodeType="clickEffect">
-                                  <p:stCondLst>
-                                    <p:cond delay="0"/>
-                                  </p:stCondLst>
-                                  <p:iterate>
-                                    <p:tmAbs val="0"/>
-                                  </p:iterate>
-                                  <p:childTnLst>
-                                    <p:set>
-                                      <p:cBhvr>
-                                        <p:cTn id="34" fill="hold"/>
-                                        <p:tgtEl>
-                                          <p:spTgt spid="699">
-                                            <p:txEl>
-                                              <p:pRg st="7" end="7"/>
-                                            </p:txEl>
-                                          </p:spTgt>
-                                        </p:tgtEl>
-                                        <p:attrNameLst>
-                                          <p:attrName>style.visibility</p:attrName>
-                                        </p:attrNameLst>
-                                      </p:cBhvr>
-                                      <p:to>
-                                        <p:strVal val="visible"/>
-                                      </p:to>
-                                    </p:set>
-                                  </p:childTnLst>
-                                </p:cTn>
-                              </p:par>
-                            </p:childTnLst>
-                          </p:cTn>
-                        </p:par>
-                      </p:childTnLst>
-                    </p:cTn>
-                  </p:par>
-                  <p:par>
-                    <p:cTn id="35" fill="hold">
-                      <p:stCondLst>
-                        <p:cond delay="indefinite"/>
-                      </p:stCondLst>
-                      <p:childTnLst>
-                        <p:par>
-                          <p:cTn id="36" fill="hold">
-                            <p:stCondLst>
-                              <p:cond delay="0"/>
-                            </p:stCondLst>
-                            <p:childTnLst>
-                              <p:par>
-                                <p:cTn id="37" presetID="1" presetClass="entr" presetSubtype="0" fill="hold" grpId="1" nodeType="clickEffect">
-                                  <p:stCondLst>
-                                    <p:cond delay="0"/>
-                                  </p:stCondLst>
-                                  <p:iterate>
-                                    <p:tmAbs val="0"/>
-                                  </p:iterate>
-                                  <p:childTnLst>
-                                    <p:set>
-                                      <p:cBhvr>
-                                        <p:cTn id="38" fill="hold"/>
-                                        <p:tgtEl>
-                                          <p:spTgt spid="699">
-                                            <p:txEl>
-                                              <p:pRg st="8" end="8"/>
-                                            </p:txEl>
-                                          </p:spTgt>
-                                        </p:tgtEl>
-                                        <p:attrNameLst>
-                                          <p:attrName>style.visibility</p:attrName>
-                                        </p:attrNameLst>
-                                      </p:cBhvr>
-                                      <p:to>
-                                        <p:strVal val="visible"/>
-                                      </p:to>
-                                    </p:set>
-                                  </p:childTnLst>
-                                </p:cTn>
-                              </p:par>
-                            </p:childTnLst>
-                          </p:cTn>
-                        </p:par>
-                      </p:childTnLst>
-                    </p:cTn>
-                  </p:par>
-                  <p:par>
-                    <p:cTn id="39" fill="hold">
-                      <p:stCondLst>
-                        <p:cond delay="indefinite"/>
-                      </p:stCondLst>
-                      <p:childTnLst>
-                        <p:par>
-                          <p:cTn id="40" fill="hold">
-                            <p:stCondLst>
-                              <p:cond delay="0"/>
-                            </p:stCondLst>
-                            <p:childTnLst>
-                              <p:par>
-                                <p:cTn id="41" presetID="22" presetClass="entr" presetSubtype="8" fill="hold" grpId="3" nodeType="clickEffect">
-                                  <p:stCondLst>
-                                    <p:cond delay="0"/>
-                                  </p:stCondLst>
-                                  <p:iterate>
-                                    <p:tmAbs val="0"/>
-                                  </p:iterate>
-                                  <p:childTnLst>
-                                    <p:set>
-                                      <p:cBhvr>
-                                        <p:cTn id="42" fill="hold"/>
-                                        <p:tgtEl>
-                                          <p:spTgt spid="735"/>
-                                        </p:tgtEl>
-                                        <p:attrNameLst>
-                                          <p:attrName>style.visibility</p:attrName>
-                                        </p:attrNameLst>
-                                      </p:cBhvr>
-                                      <p:to>
-                                        <p:strVal val="visible"/>
-                                      </p:to>
-                                    </p:set>
-                                    <p:animEffect transition="in" filter="wipe(left)">
-                                      <p:cBhvr>
-                                        <p:cTn id="43" dur="1000"/>
-                                        <p:tgtEl>
-                                          <p:spTgt spid="735"/>
-                                        </p:tgtEl>
-                                      </p:cBhvr>
-                                    </p:animEffect>
-                                  </p:childTnLst>
-                                </p:cTn>
-                              </p:par>
-                            </p:childTnLst>
-                          </p:cTn>
-                        </p:par>
-                      </p:childTnLst>
-                    </p:cTn>
-                  </p:par>
-                  <p:par>
-                    <p:cTn id="44" fill="hold">
-                      <p:stCondLst>
-                        <p:cond delay="indefinite"/>
-                      </p:stCondLst>
-                      <p:childTnLst>
-                        <p:par>
-                          <p:cTn id="45" fill="hold">
-                            <p:stCondLst>
-                              <p:cond delay="0"/>
-                            </p:stCondLst>
-                            <p:childTnLst>
-                              <p:par>
-                                <p:cTn id="46" presetID="1" presetClass="entr" presetSubtype="0" fill="hold" grpId="1" nodeType="clickEffect">
-                                  <p:stCondLst>
-                                    <p:cond delay="0"/>
-                                  </p:stCondLst>
-                                  <p:iterate>
-                                    <p:tmAbs val="0"/>
-                                  </p:iterate>
-                                  <p:childTnLst>
-                                    <p:set>
-                                      <p:cBhvr>
-                                        <p:cTn id="47" fill="hold"/>
-                                        <p:tgtEl>
-                                          <p:spTgt spid="699">
-                                            <p:txEl>
-                                              <p:pRg st="9" end="9"/>
-                                            </p:txEl>
-                                          </p:spTgt>
-                                        </p:tgtEl>
-                                        <p:attrNameLst>
-                                          <p:attrName>style.visibility</p:attrName>
-                                        </p:attrNameLst>
-                                      </p:cBhvr>
-                                      <p:to>
-                                        <p:strVal val="visible"/>
-                                      </p:to>
-                                    </p:set>
-                                  </p:childTnLst>
-                                </p:cTn>
-                              </p:par>
-                            </p:childTnLst>
-                          </p:cTn>
-                        </p:par>
-                        <p:par>
-                          <p:cTn id="48" fill="hold">
-                            <p:stCondLst>
-                              <p:cond delay="0"/>
-                            </p:stCondLst>
-                            <p:childTnLst>
-                              <p:par>
-                                <p:cTn id="49" presetID="1" presetClass="entr" presetSubtype="0" fill="hold" grpId="1" nodeType="afterEffect">
-                                  <p:stCondLst>
-                                    <p:cond delay="0"/>
-                                  </p:stCondLst>
-                                  <p:iterate>
-                                    <p:tmAbs val="0"/>
-                                  </p:iterate>
-                                  <p:childTnLst>
-                                    <p:set>
-                                      <p:cBhvr>
-                                        <p:cTn id="50" fill="hold"/>
-                                        <p:tgtEl>
-                                          <p:spTgt spid="699">
-                                            <p:txEl>
-                                              <p:pRg st="10" end="10"/>
-                                            </p:txEl>
-                                          </p:spTgt>
-                                        </p:tgtEl>
-                                        <p:attrNameLst>
-                                          <p:attrName>style.visibility</p:attrName>
-                                        </p:attrNameLst>
-                                      </p:cBhvr>
-                                      <p:to>
-                                        <p:strVal val="visible"/>
-                                      </p:to>
-                                    </p:set>
-                                  </p:childTnLst>
-                                </p:cTn>
-                              </p:par>
-                            </p:childTnLst>
-                          </p:cTn>
-                        </p:par>
-                        <p:par>
-                          <p:cTn id="51" fill="hold">
-                            <p:stCondLst>
-                              <p:cond delay="0"/>
-                            </p:stCondLst>
-                            <p:childTnLst>
-                              <p:par>
-                                <p:cTn id="52" presetID="1" presetClass="entr" presetSubtype="0" fill="hold" grpId="1" nodeType="afterEffect">
-                                  <p:stCondLst>
-                                    <p:cond delay="0"/>
-                                  </p:stCondLst>
-                                  <p:iterate>
-                                    <p:tmAbs val="0"/>
-                                  </p:iterate>
-                                  <p:childTnLst>
-                                    <p:set>
-                                      <p:cBhvr>
-                                        <p:cTn id="53" fill="hold"/>
-                                        <p:tgtEl>
-                                          <p:spTgt spid="699">
-                                            <p:txEl>
-                                              <p:pRg st="11" end="11"/>
-                                            </p:txEl>
-                                          </p:spTgt>
-                                        </p:tgtEl>
-                                        <p:attrNameLst>
-                                          <p:attrName>style.visibility</p:attrName>
-                                        </p:attrNameLst>
-                                      </p:cBhvr>
-                                      <p:to>
-                                        <p:strVal val="visible"/>
-                                      </p:to>
-                                    </p:set>
-                                  </p:childTnLst>
-                                </p:cTn>
-                              </p:par>
-                            </p:childTnLst>
-                          </p:cTn>
-                        </p:par>
-                      </p:childTnLst>
-                    </p:cTn>
-                  </p:par>
-                </p:childTnLst>
-              </p:cTn>
-              <p:prevCondLst>
-                <p:cond evt="onPrev" delay="0">
-                  <p:tgtEl>
-                    <p:sldTgt/>
-                  </p:tgtEl>
-                </p:cond>
-              </p:prevCondLst>
-              <p:nextCondLst>
-                <p:cond evt="onNext" delay="0">
-                  <p:tgtEl>
-                    <p:sldTgt/>
-                  </p:tgtEl>
-                </p:cond>
-              </p:nextCondLst>
-            </p:seq>
-          </p:childTnLst>
-        </p:cTn>
-      </p:par>
-    </p:tnLst>
-    <p:bldLst>
-      <p:bldP spid="699" grpId="1" build="p" bldLvl="5" animBg="1" advAuto="0"/>
-      <p:bldP spid="701" grpId="2" animBg="1" advAuto="0"/>
-      <p:bldP spid="735" grpId="3" animBg="1" advAuto="0"/>
     </p:bldLst>
   </p:timing>
 </p:sld>
@@ -14060,7 +11246,7 @@
             </a:r>
             <a:r>
               <a:rPr dirty="0"/>
-              <a:t> in the window</a:t>
+              <a:t> in window</a:t>
             </a:r>
           </a:p>
         </p:txBody>
@@ -15309,10 +12495,10 @@
         </p:nvGrpSpPr>
         <p:grpSpPr>
           <a:xfrm>
-            <a:off x="6632418" y="8384112"/>
-            <a:ext cx="15778819" cy="1692682"/>
-            <a:chOff x="0" y="0"/>
-            <a:chExt cx="15778818" cy="1692680"/>
+            <a:off x="6632417" y="8370553"/>
+            <a:ext cx="15834014" cy="1706242"/>
+            <a:chOff x="-1" y="-13559"/>
+            <a:chExt cx="15834013" cy="1706240"/>
           </a:xfrm>
         </p:grpSpPr>
         <p:sp>
@@ -15373,8 +12559,8 @@
           </p:nvSpPr>
           <p:spPr>
             <a:xfrm>
-              <a:off x="3922098" y="0"/>
-              <a:ext cx="11856721" cy="1306577"/>
+              <a:off x="3922098" y="-13559"/>
+              <a:ext cx="11911914" cy="1333696"/>
             </a:xfrm>
             <a:prstGeom prst="rect">
               <a:avLst/>
@@ -15401,10 +12587,11 @@
                 <a:defRPr sz="4000" b="0"/>
               </a:pPr>
               <a:r>
-                <a:t>All energy is in </a:t>
+                <a:rPr dirty="0"/>
+                <a:t>All energy in </a:t>
               </a:r>
               <a:r>
-                <a:rPr>
+                <a:rPr dirty="0">
                   <a:solidFill>
                     <a:srgbClr val="FF2600"/>
                   </a:solidFill>
@@ -15417,6 +12604,7 @@
                 <a:defRPr sz="4000" b="0"/>
               </a:pPr>
               <a:r>
+                <a:rPr dirty="0"/>
                 <a:t>All other bins 0 (except mirror image above Nyquist)</a:t>
               </a:r>
             </a:p>
@@ -15431,8 +12619,8 @@
         </p:nvSpPr>
         <p:spPr>
           <a:xfrm>
-            <a:off x="10539197" y="9977143"/>
-            <a:ext cx="13164313" cy="1306577"/>
+            <a:off x="10539197" y="9963583"/>
+            <a:ext cx="12197250" cy="1333698"/>
           </a:xfrm>
           <a:prstGeom prst="rect">
             <a:avLst/>
@@ -15447,7 +12635,7 @@
           </a:extLst>
         </p:spPr>
         <p:txBody>
-          <a:bodyPr wrap="none" lIns="50800" tIns="50800" rIns="50800" bIns="50800" anchor="ctr">
+          <a:bodyPr wrap="square" lIns="50800" tIns="50800" rIns="50800" bIns="50800" anchor="ctr">
             <a:spAutoFit/>
           </a:bodyPr>
           <a:lstStyle/>
@@ -15456,7 +12644,7 @@
               <a:defRPr sz="4000" b="0"/>
             </a:pPr>
             <a:r>
-              <a:rPr>
+              <a:rPr lang="en-GB" dirty="0">
                 <a:solidFill>
                   <a:schemeClr val="accent5">
                     <a:hueOff val="-82419"/>
@@ -15465,10 +12653,35 @@
                   </a:schemeClr>
                 </a:solidFill>
               </a:rPr>
-              <a:t>Magnitude is constant</a:t>
-            </a:r>
-            <a:r>
-              <a:t> no matter where the window starts</a:t>
+              <a:t>Constant m</a:t>
+            </a:r>
+            <a:r>
+              <a:rPr dirty="0" err="1">
+                <a:solidFill>
+                  <a:schemeClr val="accent5">
+                    <a:hueOff val="-82419"/>
+                    <a:satOff val="-9513"/>
+                    <a:lumOff val="-16343"/>
+                  </a:schemeClr>
+                </a:solidFill>
+              </a:rPr>
+              <a:t>agnitude</a:t>
+            </a:r>
+            <a:r>
+              <a:rPr dirty="0">
+                <a:solidFill>
+                  <a:schemeClr val="accent5">
+                    <a:hueOff val="-82419"/>
+                    <a:satOff val="-9513"/>
+                    <a:lumOff val="-16343"/>
+                  </a:schemeClr>
+                </a:solidFill>
+              </a:rPr>
+              <a:t> </a:t>
+            </a:r>
+            <a:r>
+              <a:rPr dirty="0"/>
+              <a:t>no matter where window starts</a:t>
             </a:r>
           </a:p>
           <a:p>
@@ -15476,7 +12689,7 @@
               <a:defRPr sz="4000" b="0"/>
             </a:pPr>
             <a:r>
-              <a:rPr>
+              <a:rPr dirty="0">
                 <a:solidFill>
                   <a:schemeClr val="accent5">
                     <a:hueOff val="-82419"/>
@@ -15488,6 +12701,7 @@
               <a:t>Phase</a:t>
             </a:r>
             <a:r>
+              <a:rPr dirty="0"/>
               <a:t> may change depending on window location</a:t>
             </a:r>
           </a:p>
@@ -15870,8 +13084,12 @@
           <a:lstStyle/>
           <a:p>
             <a:r>
+              <a:rPr lang="en-GB" dirty="0"/>
+              <a:t>I</a:t>
+            </a:r>
+            <a:r>
               <a:rPr dirty="0"/>
-              <a:t>What if frequency </a:t>
+              <a:t>f frequency </a:t>
             </a:r>
             <a:r>
               <a:rPr dirty="0">
@@ -15883,7 +13101,7 @@
             </a:r>
             <a:r>
               <a:rPr dirty="0"/>
-              <a:t> exactly match any bin?</a:t>
+              <a:t> exactly match any bin</a:t>
             </a:r>
           </a:p>
           <a:p>
@@ -15923,14 +13141,18 @@
             </a:r>
             <a:r>
               <a:rPr dirty="0"/>
-              <a:t> is likely to be different on each successive hop</a:t>
+              <a:t> likely to be different on each successive hop</a:t>
             </a:r>
           </a:p>
           <a:p>
             <a:pPr lvl="2"/>
             <a:r>
+              <a:rPr lang="en-GB" dirty="0"/>
+              <a:t>Usually</a:t>
+            </a:r>
+            <a:r>
               <a:rPr dirty="0"/>
-              <a:t>If we’re clever, can </a:t>
+              <a:t>, can </a:t>
             </a:r>
             <a:r>
               <a:rPr dirty="0">
@@ -18153,6 +15375,7 @@
                 <a:defRPr sz="4000" b="0"/>
               </a:pPr>
               <a:r>
+                <a:rPr dirty="0"/>
                 <a:t>Energy spills over into</a:t>
               </a:r>
             </a:p>
@@ -18161,8 +15384,14 @@
                 <a:defRPr sz="4000" b="0"/>
               </a:pPr>
               <a:r>
-                <a:t>other bins, especially close neighbours</a:t>
+                <a:rPr dirty="0"/>
+                <a:t>other bins, especially close </a:t>
               </a:r>
+              <a:r>
+                <a:rPr dirty="0" err="1"/>
+                <a:t>neighbours</a:t>
+              </a:r>
+              <a:endParaRPr dirty="0"/>
             </a:p>
           </p:txBody>
         </p:sp>
@@ -18735,194 +15964,287 @@
           <a:chExt cx="0" cy="0"/>
         </a:xfrm>
       </p:grpSpPr>
-      <p:sp>
-        <p:nvSpPr>
-          <p:cNvPr id="471" name="We can estimate the exact frequency of a sine wave from the FFT…"/>
-          <p:cNvSpPr txBox="1">
-            <a:spLocks noGrp="1"/>
-          </p:cNvSpPr>
-          <p:nvPr>
-            <p:ph type="body" idx="1"/>
-          </p:nvPr>
-        </p:nvSpPr>
-        <p:spPr>
-          <a:prstGeom prst="rect">
-            <a:avLst/>
-          </a:prstGeom>
-        </p:spPr>
-        <p:txBody>
-          <a:bodyPr anchor="t"/>
-          <a:lstStyle/>
-          <a:p>
-            <a:r>
-              <a:rPr lang="en-GB" dirty="0"/>
-              <a:t>C</a:t>
-            </a:r>
-            <a:r>
-              <a:rPr dirty="0"/>
-              <a:t>an estimate </a:t>
-            </a:r>
-            <a:r>
-              <a:rPr dirty="0">
-                <a:solidFill>
-                  <a:srgbClr val="3D46A6"/>
-                </a:solidFill>
-              </a:rPr>
-              <a:t>exact frequency</a:t>
-            </a:r>
-            <a:r>
-              <a:rPr dirty="0"/>
-              <a:t> of sine wave from FFT</a:t>
-            </a:r>
-          </a:p>
-          <a:p>
-            <a:pPr lvl="1"/>
-            <a:r>
-              <a:rPr dirty="0"/>
-              <a:t>Even though FFT only has bins at </a:t>
-            </a:r>
-            <a:r>
-              <a:rPr dirty="0">
-                <a:solidFill>
-                  <a:srgbClr val="3D46A6"/>
-                </a:solidFill>
-              </a:rPr>
-              <a:t>fixed</a:t>
-            </a:r>
-            <a:r>
-              <a:rPr dirty="0"/>
-              <a:t>, </a:t>
-            </a:r>
-            <a:r>
-              <a:rPr dirty="0">
-                <a:solidFill>
-                  <a:srgbClr val="3D46A6"/>
-                </a:solidFill>
-              </a:rPr>
-              <a:t>regularly spaced</a:t>
-            </a:r>
-            <a:r>
-              <a:rPr dirty="0"/>
-              <a:t> frequencies!</a:t>
-            </a:r>
-          </a:p>
-          <a:p>
-            <a:r>
-              <a:rPr lang="en-GB" dirty="0"/>
-              <a:t>N</a:t>
-            </a:r>
-            <a:r>
-              <a:rPr dirty="0" err="1"/>
-              <a:t>eed</a:t>
-            </a:r>
-            <a:r>
-              <a:rPr dirty="0"/>
-              <a:t> </a:t>
-            </a:r>
-            <a:r>
-              <a:rPr dirty="0">
-                <a:solidFill>
-                  <a:srgbClr val="3D46A6"/>
-                </a:solidFill>
-              </a:rPr>
-              <a:t>two hops</a:t>
-            </a:r>
-          </a:p>
-          <a:p>
-            <a:pPr lvl="1"/>
-            <a:r>
-              <a:rPr dirty="0"/>
-              <a:t>Two snapshots of signal taken known length of time apart</a:t>
-            </a:r>
-          </a:p>
-          <a:p>
-            <a:r>
-              <a:rPr lang="en-GB" dirty="0">
-                <a:solidFill>
-                  <a:srgbClr val="9B1200"/>
-                </a:solidFill>
-              </a:rPr>
-              <a:t>F</a:t>
-            </a:r>
-            <a:r>
-              <a:rPr dirty="0" err="1">
-                <a:solidFill>
-                  <a:srgbClr val="9B1200"/>
-                </a:solidFill>
-              </a:rPr>
-              <a:t>requency</a:t>
-            </a:r>
-            <a:r>
-              <a:rPr dirty="0">
-                <a:solidFill>
-                  <a:srgbClr val="9B1200"/>
-                </a:solidFill>
-              </a:rPr>
-              <a:t> is derivative of phase</a:t>
-            </a:r>
-          </a:p>
-          <a:p>
-            <a:pPr lvl="1">
-              <a:spcBef>
-                <a:spcPts val="2600"/>
-              </a:spcBef>
-            </a:pPr>
-            <a:r>
-              <a:rPr dirty="0"/>
-              <a:t>			</a:t>
-            </a:r>
-            <a:endParaRPr lang="en-GB" dirty="0"/>
-          </a:p>
-          <a:p>
-            <a:pPr lvl="1">
-              <a:spcBef>
-                <a:spcPts val="2600"/>
-              </a:spcBef>
-            </a:pPr>
-            <a:r>
-              <a:rPr lang="en-GB" dirty="0"/>
-              <a:t>I</a:t>
-            </a:r>
-            <a:r>
-              <a:rPr dirty="0"/>
-              <a:t>n discrete time:</a:t>
-            </a:r>
-          </a:p>
-          <a:p>
-            <a:pPr marL="635000" lvl="1" indent="0">
-              <a:buNone/>
-            </a:pPr>
-            <a:endParaRPr dirty="0"/>
-          </a:p>
-          <a:p>
-            <a:pPr lvl="2"/>
-            <a:endParaRPr dirty="0"/>
-          </a:p>
-          <a:p>
-            <a:pPr lvl="1"/>
-            <a:r>
-              <a:rPr lang="en-GB" dirty="0"/>
-              <a:t>G</a:t>
-            </a:r>
-            <a:r>
-              <a:rPr dirty="0" err="1"/>
-              <a:t>eneralising</a:t>
-            </a:r>
-            <a:r>
-              <a:rPr dirty="0"/>
-              <a:t> over hop of </a:t>
-            </a:r>
-            <a:r>
-              <a:rPr i="1" dirty="0"/>
-              <a:t>H </a:t>
-            </a:r>
-            <a:r>
-              <a:rPr dirty="0"/>
-              <a:t>samples:</a:t>
-            </a:r>
-          </a:p>
-        </p:txBody>
-      </p:sp>
+      <mc:AlternateContent xmlns:mc="http://schemas.openxmlformats.org/markup-compatibility/2006" xmlns:a14="http://schemas.microsoft.com/office/drawing/2010/main">
+        <mc:Choice Requires="a14">
+          <p:sp>
+            <p:nvSpPr>
+              <p:cNvPr id="471" name="We can estimate the exact frequency of a sine wave from the FFT…"/>
+              <p:cNvSpPr txBox="1">
+                <a:spLocks noGrp="1"/>
+              </p:cNvSpPr>
+              <p:nvPr>
+                <p:ph type="body" idx="1"/>
+              </p:nvPr>
+            </p:nvSpPr>
+            <p:spPr>
+              <a:prstGeom prst="rect">
+                <a:avLst/>
+              </a:prstGeom>
+            </p:spPr>
+            <p:txBody>
+              <a:bodyPr anchor="t"/>
+              <a:lstStyle/>
+              <a:p>
+                <a:r>
+                  <a:rPr lang="en-GB" dirty="0"/>
+                  <a:t>Can estimate </a:t>
+                </a:r>
+                <a:r>
+                  <a:rPr lang="en-GB" dirty="0">
+                    <a:solidFill>
+                      <a:srgbClr val="3D46A6"/>
+                    </a:solidFill>
+                  </a:rPr>
+                  <a:t>exact frequency</a:t>
+                </a:r>
+                <a:r>
+                  <a:rPr lang="en-GB" dirty="0"/>
+                  <a:t> of sine wave from FFT</a:t>
+                </a:r>
+              </a:p>
+              <a:p>
+                <a:pPr lvl="1"/>
+                <a:r>
+                  <a:rPr lang="en-GB" dirty="0"/>
+                  <a:t>Even though FFT only has bins at </a:t>
+                </a:r>
+                <a:r>
+                  <a:rPr lang="en-GB" dirty="0">
+                    <a:solidFill>
+                      <a:srgbClr val="3D46A6"/>
+                    </a:solidFill>
+                  </a:rPr>
+                  <a:t>fixed</a:t>
+                </a:r>
+                <a:r>
+                  <a:rPr lang="en-GB" dirty="0"/>
+                  <a:t>, </a:t>
+                </a:r>
+                <a:r>
+                  <a:rPr lang="en-GB" dirty="0">
+                    <a:solidFill>
+                      <a:srgbClr val="3D46A6"/>
+                    </a:solidFill>
+                  </a:rPr>
+                  <a:t>regularly spaced</a:t>
+                </a:r>
+                <a:r>
+                  <a:rPr lang="en-GB" dirty="0"/>
+                  <a:t> frequencies!</a:t>
+                </a:r>
+              </a:p>
+              <a:p>
+                <a:r>
+                  <a:rPr lang="en-GB" dirty="0"/>
+                  <a:t>N</a:t>
+                </a:r>
+                <a:r>
+                  <a:rPr lang="en-GB" dirty="0" err="1"/>
+                  <a:t>eed</a:t>
+                </a:r>
+                <a:r>
+                  <a:rPr lang="en-GB" dirty="0"/>
+                  <a:t> </a:t>
+                </a:r>
+                <a:r>
+                  <a:rPr lang="en-GB" dirty="0">
+                    <a:solidFill>
+                      <a:srgbClr val="3D46A6"/>
+                    </a:solidFill>
+                  </a:rPr>
+                  <a:t>two hops</a:t>
+                </a:r>
+              </a:p>
+              <a:p>
+                <a:pPr lvl="1"/>
+                <a:r>
+                  <a:rPr lang="en-GB" dirty="0"/>
+                  <a:t>Two snapshots of signal taken known length of time apart</a:t>
+                </a:r>
+              </a:p>
+              <a:p>
+                <a:r>
+                  <a:rPr lang="en-GB" dirty="0">
+                    <a:solidFill>
+                      <a:srgbClr val="9B1200"/>
+                    </a:solidFill>
+                  </a:rPr>
+                  <a:t>F</a:t>
+                </a:r>
+                <a:r>
+                  <a:rPr lang="en-GB" dirty="0" err="1">
+                    <a:solidFill>
+                      <a:srgbClr val="9B1200"/>
+                    </a:solidFill>
+                  </a:rPr>
+                  <a:t>requency</a:t>
+                </a:r>
+                <a:r>
+                  <a:rPr lang="en-GB" dirty="0">
+                    <a:solidFill>
+                      <a:srgbClr val="9B1200"/>
+                    </a:solidFill>
+                  </a:rPr>
+                  <a:t> is derivative of phase</a:t>
+                </a:r>
+              </a:p>
+              <a:p>
+                <a:pPr lvl="1">
+                  <a:spcBef>
+                    <a:spcPts val="2600"/>
+                  </a:spcBef>
+                </a:pPr>
+                <a14:m>
+                  <m:oMath xmlns:m="http://schemas.openxmlformats.org/officeDocument/2006/math">
+                    <m:r>
+                      <a:rPr lang="en-GB" b="0" i="1" smtClean="0">
+                        <a:latin typeface="Cambria Math" panose="02040503050406030204" pitchFamily="18" charset="0"/>
+                        <a:ea typeface="Cambria Math" panose="02040503050406030204" pitchFamily="18" charset="0"/>
+                      </a:rPr>
+                      <m:t>𝜔</m:t>
+                    </m:r>
+                    <m:r>
+                      <a:rPr lang="en-GB" b="0" i="1" smtClean="0">
+                        <a:latin typeface="Cambria Math" panose="02040503050406030204" pitchFamily="18" charset="0"/>
+                      </a:rPr>
+                      <m:t>(</m:t>
+                    </m:r>
+                    <m:r>
+                      <a:rPr lang="en-GB" b="0" i="1" smtClean="0">
+                        <a:latin typeface="Cambria Math" panose="02040503050406030204" pitchFamily="18" charset="0"/>
+                      </a:rPr>
+                      <m:t>𝑡</m:t>
+                    </m:r>
+                    <m:r>
+                      <a:rPr lang="en-GB" b="0" i="1" smtClean="0">
+                        <a:latin typeface="Cambria Math" panose="02040503050406030204" pitchFamily="18" charset="0"/>
+                      </a:rPr>
+                      <m:t>)=</m:t>
+                    </m:r>
+                    <m:f>
+                      <m:fPr>
+                        <m:ctrlPr>
+                          <a:rPr lang="en-GB" i="1" smtClean="0">
+                            <a:latin typeface="Cambria Math" panose="02040503050406030204" pitchFamily="18" charset="0"/>
+                          </a:rPr>
+                        </m:ctrlPr>
+                      </m:fPr>
+                      <m:num>
+                        <m:r>
+                          <a:rPr lang="en-GB" b="0" i="1" smtClean="0">
+                            <a:latin typeface="Cambria Math" panose="02040503050406030204" pitchFamily="18" charset="0"/>
+                          </a:rPr>
+                          <m:t>𝑑</m:t>
+                        </m:r>
+                        <m:r>
+                          <a:rPr lang="en-GB" b="0" i="1" smtClean="0">
+                            <a:latin typeface="Cambria Math" panose="02040503050406030204" pitchFamily="18" charset="0"/>
+                            <a:ea typeface="Cambria Math" panose="02040503050406030204" pitchFamily="18" charset="0"/>
+                          </a:rPr>
+                          <m:t>∅</m:t>
+                        </m:r>
+                      </m:num>
+                      <m:den>
+                        <m:r>
+                          <a:rPr lang="en-GB" b="0" i="1" smtClean="0">
+                            <a:latin typeface="Cambria Math" panose="02040503050406030204" pitchFamily="18" charset="0"/>
+                          </a:rPr>
+                          <m:t>𝑑𝑡</m:t>
+                        </m:r>
+                      </m:den>
+                    </m:f>
+                  </m:oMath>
+                </a14:m>
+                <a:r>
+                  <a:rPr lang="ar-AE" dirty="0"/>
+                  <a:t>		</a:t>
+                </a:r>
+              </a:p>
+              <a:p>
+                <a:pPr lvl="1">
+                  <a:spcBef>
+                    <a:spcPts val="2600"/>
+                  </a:spcBef>
+                </a:pPr>
+                <a:r>
+                  <a:rPr lang="en-GB" dirty="0"/>
+                  <a:t>In discrete time:</a:t>
+                </a:r>
+              </a:p>
+              <a:p>
+                <a:pPr marL="635000" lvl="1" indent="0">
+                  <a:buNone/>
+                </a:pPr>
+                <a:endParaRPr lang="en-GB" dirty="0"/>
+              </a:p>
+              <a:p>
+                <a:pPr lvl="2"/>
+                <a:endParaRPr lang="en-GB" dirty="0"/>
+              </a:p>
+              <a:p>
+                <a:pPr lvl="1"/>
+                <a:r>
+                  <a:rPr lang="en-GB" dirty="0"/>
+                  <a:t>G</a:t>
+                </a:r>
+                <a:r>
+                  <a:rPr lang="en-GB" dirty="0" err="1"/>
+                  <a:t>eneralising</a:t>
+                </a:r>
+                <a:r>
+                  <a:rPr lang="en-GB" dirty="0"/>
+                  <a:t> over hop of </a:t>
+                </a:r>
+                <a:r>
+                  <a:rPr lang="en-GB" i="1" dirty="0"/>
+                  <a:t>H </a:t>
+                </a:r>
+                <a:r>
+                  <a:rPr lang="en-GB" dirty="0"/>
+                  <a:t>samples:</a:t>
+                </a:r>
+                <a:endParaRPr dirty="0"/>
+              </a:p>
+            </p:txBody>
+          </p:sp>
+        </mc:Choice>
+        <mc:Fallback xmlns="">
+          <p:sp>
+            <p:nvSpPr>
+              <p:cNvPr id="471" name="We can estimate the exact frequency of a sine wave from the FFT…"/>
+              <p:cNvSpPr txBox="1">
+                <a:spLocks noGrp="1" noRot="1" noChangeAspect="1" noMove="1" noResize="1" noEditPoints="1" noAdjustHandles="1" noChangeArrowheads="1" noChangeShapeType="1" noTextEdit="1"/>
+              </p:cNvSpPr>
+              <p:nvPr>
+                <p:ph type="body" idx="1"/>
+              </p:nvPr>
+            </p:nvSpPr>
+            <p:spPr>
+              <a:prstGeom prst="rect">
+                <a:avLst/>
+              </a:prstGeom>
+              <a:blipFill>
+                <a:blip r:embed="rId2"/>
+                <a:stretch>
+                  <a:fillRect l="-1758" t="-2721"/>
+                </a:stretch>
+              </a:blipFill>
+            </p:spPr>
+            <p:txBody>
+              <a:bodyPr/>
+              <a:lstStyle/>
+              <a:p>
+                <a:r>
+                  <a:rPr lang="en-GB">
+                    <a:noFill/>
+                  </a:rPr>
+                  <a:t> </a:t>
+                </a:r>
+              </a:p>
+            </p:txBody>
+          </p:sp>
+        </mc:Fallback>
+      </mc:AlternateContent>
       <p:sp>
         <p:nvSpPr>
           <p:cNvPr id="472" name="Reconstructing exact frequency"/>
@@ -19317,7 +16639,7 @@
             <p:nvPr/>
           </p:nvPicPr>
           <p:blipFill>
-            <a:blip r:embed="rId2"/>
+            <a:blip r:embed="rId3"/>
             <a:stretch>
               <a:fillRect/>
             </a:stretch>
@@ -19347,13 +16669,13 @@
           <p:nvPr/>
         </p:nvPicPr>
         <p:blipFill rotWithShape="1">
-          <a:blip r:embed="rId3"/>
+          <a:blip r:embed="rId4"/>
           <a:srcRect l="10778"/>
           <a:stretch/>
         </p:blipFill>
         <p:spPr>
           <a:xfrm>
-            <a:off x="3389745" y="8214328"/>
+            <a:off x="3389745" y="8399386"/>
             <a:ext cx="8294447" cy="1257301"/>
           </a:xfrm>
           <a:prstGeom prst="rect">
@@ -19373,14 +16695,14 @@
           <p:nvPr/>
         </p:nvPicPr>
         <p:blipFill>
-          <a:blip r:embed="rId4"/>
+          <a:blip r:embed="rId5"/>
           <a:stretch>
             <a:fillRect/>
           </a:stretch>
         </p:blipFill>
         <p:spPr>
           <a:xfrm>
-            <a:off x="2411418" y="10473413"/>
+            <a:off x="2411418" y="10658471"/>
             <a:ext cx="9867901" cy="1257301"/>
           </a:xfrm>
           <a:prstGeom prst="rect">
@@ -19400,33 +16722,6 @@
           <p:nvPr/>
         </p:nvPicPr>
         <p:blipFill>
-          <a:blip r:embed="rId5"/>
-          <a:stretch>
-            <a:fillRect/>
-          </a:stretch>
-        </p:blipFill>
-        <p:spPr>
-          <a:xfrm>
-            <a:off x="997527" y="8284178"/>
-            <a:ext cx="2501901" cy="1117601"/>
-          </a:xfrm>
-          <a:prstGeom prst="rect">
-            <a:avLst/>
-          </a:prstGeom>
-          <a:ln w="12700">
-            <a:miter lim="400000"/>
-          </a:ln>
-        </p:spPr>
-      </p:pic>
-      <p:pic>
-        <p:nvPicPr>
-          <p:cNvPr id="486" name="Image" descr="Image"/>
-          <p:cNvPicPr>
-            <a:picLocks noChangeAspect="1"/>
-          </p:cNvPicPr>
-          <p:nvPr/>
-        </p:nvPicPr>
-        <p:blipFill>
           <a:blip r:embed="rId6"/>
           <a:stretch>
             <a:fillRect/>
@@ -19434,8 +16729,8 @@
         </p:blipFill>
         <p:spPr>
           <a:xfrm>
-            <a:off x="1771520" y="6114401"/>
-            <a:ext cx="2324101" cy="1104901"/>
+            <a:off x="997527" y="8469236"/>
+            <a:ext cx="2501901" cy="1117601"/>
           </a:xfrm>
           <a:prstGeom prst="rect">
             <a:avLst/>
@@ -19652,23 +16947,14 @@
                             </p:childTnLst>
                           </p:cTn>
                         </p:par>
-                      </p:childTnLst>
-                    </p:cTn>
-                  </p:par>
-                  <p:par>
-                    <p:cTn id="18" fill="hold">
-                      <p:stCondLst>
-                        <p:cond delay="indefinite"/>
-                      </p:stCondLst>
-                      <p:childTnLst>
                         <p:par>
-                          <p:cTn id="19" fill="hold">
+                          <p:cTn id="18" fill="hold">
                             <p:stCondLst>
                               <p:cond delay="0"/>
                             </p:stCondLst>
                             <p:childTnLst>
                               <p:par>
-                                <p:cTn id="20" presetID="1" presetClass="entr" presetSubtype="0" fill="hold" grpId="2" nodeType="clickEffect">
+                                <p:cTn id="19" presetID="1" presetClass="entr" presetSubtype="0" fill="hold" grpId="1" nodeType="afterEffect">
                                   <p:stCondLst>
                                     <p:cond delay="0"/>
                                   </p:stCondLst>
@@ -19678,77 +16964,7 @@
                                   <p:childTnLst>
                                     <p:set>
                                       <p:cBhvr>
-                                        <p:cTn id="21" fill="hold"/>
-                                        <p:tgtEl>
-                                          <p:spTgt spid="485"/>
-                                        </p:tgtEl>
-                                        <p:attrNameLst>
-                                          <p:attrName>style.visibility</p:attrName>
-                                        </p:attrNameLst>
-                                      </p:cBhvr>
-                                      <p:to>
-                                        <p:strVal val="visible"/>
-                                      </p:to>
-                                    </p:set>
-                                  </p:childTnLst>
-                                </p:cTn>
-                              </p:par>
-                            </p:childTnLst>
-                          </p:cTn>
-                        </p:par>
-                        <p:par>
-                          <p:cTn id="22" fill="hold">
-                            <p:stCondLst>
-                              <p:cond delay="0"/>
-                            </p:stCondLst>
-                            <p:childTnLst>
-                              <p:par>
-                                <p:cTn id="23" presetID="1" presetClass="entr" presetSubtype="0" fill="hold" grpId="3" nodeType="afterEffect">
-                                  <p:stCondLst>
-                                    <p:cond delay="0"/>
-                                  </p:stCondLst>
-                                  <p:iterate>
-                                    <p:tmAbs val="0"/>
-                                  </p:iterate>
-                                  <p:childTnLst>
-                                    <p:set>
-                                      <p:cBhvr>
-                                        <p:cTn id="24" fill="hold"/>
-                                        <p:tgtEl>
-                                          <p:spTgt spid="486"/>
-                                        </p:tgtEl>
-                                        <p:attrNameLst>
-                                          <p:attrName>style.visibility</p:attrName>
-                                        </p:attrNameLst>
-                                      </p:cBhvr>
-                                      <p:to>
-                                        <p:strVal val="visible"/>
-                                      </p:to>
-                                    </p:set>
-                                  </p:childTnLst>
-                                </p:cTn>
-                              </p:par>
-                            </p:childTnLst>
-                          </p:cTn>
-                        </p:par>
-                        <p:par>
-                          <p:cTn id="25" fill="hold">
-                            <p:stCondLst>
-                              <p:cond delay="0"/>
-                            </p:stCondLst>
-                            <p:childTnLst>
-                              <p:par>
-                                <p:cTn id="26" presetID="1" presetClass="entr" presetSubtype="0" fill="hold" grpId="1" nodeType="afterEffect">
-                                  <p:stCondLst>
-                                    <p:cond delay="0"/>
-                                  </p:stCondLst>
-                                  <p:iterate>
-                                    <p:tmAbs val="0"/>
-                                  </p:iterate>
-                                  <p:childTnLst>
-                                    <p:set>
-                                      <p:cBhvr>
-                                        <p:cTn id="27" fill="hold"/>
+                                        <p:cTn id="20" fill="hold"/>
                                         <p:tgtEl>
                                           <p:spTgt spid="471">
                                             <p:txEl>
@@ -19771,13 +16987,13 @@
                           </p:cTn>
                         </p:par>
                         <p:par>
-                          <p:cTn id="28" fill="hold">
+                          <p:cTn id="21" fill="hold">
                             <p:stCondLst>
                               <p:cond delay="0"/>
                             </p:stCondLst>
                             <p:childTnLst>
                               <p:par>
-                                <p:cTn id="29" presetID="1" presetClass="entr" presetSubtype="0" fill="hold" grpId="1" nodeType="afterEffect">
+                                <p:cTn id="22" presetID="1" presetClass="entr" presetSubtype="0" fill="hold" grpId="1" nodeType="afterEffect">
                                   <p:stCondLst>
                                     <p:cond delay="0"/>
                                   </p:stCondLst>
@@ -19787,7 +17003,7 @@
                                   <p:childTnLst>
                                     <p:set>
                                       <p:cBhvr>
-                                        <p:cTn id="30" fill="hold"/>
+                                        <p:cTn id="23" fill="hold"/>
                                         <p:tgtEl>
                                           <p:spTgt spid="471">
                                             <p:txEl>
@@ -19810,13 +17026,100 @@
                           </p:cTn>
                         </p:par>
                         <p:par>
+                          <p:cTn id="24" fill="hold">
+                            <p:stCondLst>
+                              <p:cond delay="0"/>
+                            </p:stCondLst>
+                            <p:childTnLst>
+                              <p:par>
+                                <p:cTn id="25" presetID="1" presetClass="entr" presetSubtype="0" fill="hold" grpId="1" nodeType="afterEffect">
+                                  <p:stCondLst>
+                                    <p:cond delay="0"/>
+                                  </p:stCondLst>
+                                  <p:iterate>
+                                    <p:tmAbs val="0"/>
+                                  </p:iterate>
+                                  <p:childTnLst>
+                                    <p:set>
+                                      <p:cBhvr>
+                                        <p:cTn id="26" fill="hold"/>
+                                        <p:tgtEl>
+                                          <p:spTgt spid="471">
+                                            <p:txEl>
+                                              <p:pRg st="6" end="6"/>
+                                            </p:txEl>
+                                          </p:spTgt>
+                                        </p:tgtEl>
+                                        <p:attrNameLst>
+                                          <p:attrName>style.visibility</p:attrName>
+                                        </p:attrNameLst>
+                                      </p:cBhvr>
+                                      <p:to>
+                                        <p:strVal val="visible"/>
+                                      </p:to>
+                                    </p:set>
+                                  </p:childTnLst>
+                                </p:cTn>
+                              </p:par>
+                            </p:childTnLst>
+                          </p:cTn>
+                        </p:par>
+                        <p:par>
+                          <p:cTn id="27" fill="hold">
+                            <p:stCondLst>
+                              <p:cond delay="0"/>
+                            </p:stCondLst>
+                            <p:childTnLst>
+                              <p:par>
+                                <p:cTn id="28" presetID="1" presetClass="entr" presetSubtype="0" fill="hold" grpId="1" nodeType="afterEffect">
+                                  <p:stCondLst>
+                                    <p:cond delay="0"/>
+                                  </p:stCondLst>
+                                  <p:iterate>
+                                    <p:tmAbs val="0"/>
+                                  </p:iterate>
+                                  <p:childTnLst>
+                                    <p:set>
+                                      <p:cBhvr>
+                                        <p:cTn id="29" fill="hold"/>
+                                        <p:tgtEl>
+                                          <p:spTgt spid="471">
+                                            <p:txEl>
+                                              <p:pRg st="9" end="9"/>
+                                            </p:txEl>
+                                          </p:spTgt>
+                                        </p:tgtEl>
+                                        <p:attrNameLst>
+                                          <p:attrName>style.visibility</p:attrName>
+                                        </p:attrNameLst>
+                                      </p:cBhvr>
+                                      <p:to>
+                                        <p:strVal val="visible"/>
+                                      </p:to>
+                                    </p:set>
+                                  </p:childTnLst>
+                                </p:cTn>
+                              </p:par>
+                            </p:childTnLst>
+                          </p:cTn>
+                        </p:par>
+                      </p:childTnLst>
+                    </p:cTn>
+                  </p:par>
+                  <p:par>
+                    <p:cTn id="30" fill="hold">
+                      <p:stCondLst>
+                        <p:cond delay="indefinite"/>
+                      </p:stCondLst>
+                      <p:childTnLst>
+                        <p:par>
                           <p:cTn id="31" fill="hold">
                             <p:stCondLst>
                               <p:cond delay="0"/>
                             </p:stCondLst>
                             <p:childTnLst>
                               <p:par>
-                                <p:cTn id="32" presetID="1" presetClass="entr" presetSubtype="0" fill="hold" grpId="1" nodeType="afterEffect">
+                                <p:cTn id="32" presetID="1" presetClass="entr" presetSubtype="0" fill="hold" grpId="2" nodeType="clickEffect">
                                   <p:stCondLst>
                                     <p:cond delay="0"/>
                                   </p:stCondLst>
@@ -19828,11 +17131,7 @@
                                       <p:cBhvr>
                                         <p:cTn id="33" fill="hold"/>
                                         <p:tgtEl>
-                                          <p:spTgt spid="471">
-                                            <p:txEl>
-                                              <p:pRg st="6" end="6"/>
-                                            </p:txEl>
-                                          </p:spTgt>
+                                          <p:spTgt spid="485"/>
                                         </p:tgtEl>
                                         <p:attrNameLst>
                                           <p:attrName>style.visibility</p:attrName>
@@ -20016,23 +17315,14 @@
                             </p:childTnLst>
                           </p:cTn>
                         </p:par>
-                      </p:childTnLst>
-                    </p:cTn>
-                  </p:par>
-                  <p:par>
-                    <p:cTn id="50" fill="hold">
-                      <p:stCondLst>
-                        <p:cond delay="indefinite"/>
-                      </p:stCondLst>
-                      <p:childTnLst>
                         <p:par>
-                          <p:cTn id="51" fill="hold">
+                          <p:cTn id="50" fill="hold">
                             <p:stCondLst>
-                              <p:cond delay="0"/>
+                              <p:cond delay="3000"/>
                             </p:stCondLst>
                             <p:childTnLst>
                               <p:par>
-                                <p:cTn id="52" presetID="1" presetClass="entr" presetSubtype="0" fill="hold" grpId="1" nodeType="clickEffect">
+                                <p:cTn id="51" presetID="1" presetClass="entr" presetSubtype="0" fill="hold" grpId="8" nodeType="afterEffect">
                                   <p:stCondLst>
                                     <p:cond delay="0"/>
                                   </p:stCondLst>
@@ -20042,46 +17332,7 @@
                                   <p:childTnLst>
                                     <p:set>
                                       <p:cBhvr>
-                                        <p:cTn id="53" fill="hold"/>
-                                        <p:tgtEl>
-                                          <p:spTgt spid="471">
-                                            <p:txEl>
-                                              <p:pRg st="9" end="9"/>
-                                            </p:txEl>
-                                          </p:spTgt>
-                                        </p:tgtEl>
-                                        <p:attrNameLst>
-                                          <p:attrName>style.visibility</p:attrName>
-                                        </p:attrNameLst>
-                                      </p:cBhvr>
-                                      <p:to>
-                                        <p:strVal val="visible"/>
-                                      </p:to>
-                                    </p:set>
-                                  </p:childTnLst>
-                                </p:cTn>
-                              </p:par>
-                            </p:childTnLst>
-                          </p:cTn>
-                        </p:par>
-                        <p:par>
-                          <p:cTn id="54" fill="hold">
-                            <p:stCondLst>
-                              <p:cond delay="0"/>
-                            </p:stCondLst>
-                            <p:childTnLst>
-                              <p:par>
-                                <p:cTn id="55" presetID="1" presetClass="entr" presetSubtype="0" fill="hold" grpId="8" nodeType="afterEffect">
-                                  <p:stCondLst>
-                                    <p:cond delay="0"/>
-                                  </p:stCondLst>
-                                  <p:iterate>
-                                    <p:tmAbs val="0"/>
-                                  </p:iterate>
-                                  <p:childTnLst>
-                                    <p:set>
-                                      <p:cBhvr>
-                                        <p:cTn id="56" fill="hold"/>
+                                        <p:cTn id="52" fill="hold"/>
                                         <p:tgtEl>
                                           <p:spTgt spid="484"/>
                                         </p:tgtEl>
@@ -20131,7 +17382,6 @@
       <p:bldP spid="483" grpId="7" animBg="1" advAuto="0"/>
       <p:bldP spid="484" grpId="8" animBg="1" advAuto="0"/>
       <p:bldP spid="485" grpId="2" animBg="1" advAuto="0"/>
-      <p:bldP spid="486" grpId="3" animBg="1" advAuto="0"/>
     </p:bldLst>
   </p:timing>
 </p:sld>
@@ -20154,294 +17404,665 @@
           <a:chExt cx="0" cy="0"/>
         </a:xfrm>
       </p:grpSpPr>
-      <p:sp>
-        <p:nvSpPr>
-          <p:cNvPr id="489" name="Calculating frequency from phase in discrete time:…"/>
-          <p:cNvSpPr txBox="1">
-            <a:spLocks noGrp="1"/>
-          </p:cNvSpPr>
-          <p:nvPr>
-            <p:ph type="body" idx="1"/>
-          </p:nvPr>
-        </p:nvSpPr>
-        <p:spPr>
-          <a:xfrm>
-            <a:off x="292101" y="1778000"/>
-            <a:ext cx="23825200" cy="10616445"/>
-          </a:xfrm>
-          <a:prstGeom prst="rect">
-            <a:avLst/>
-          </a:prstGeom>
-        </p:spPr>
-        <p:txBody>
-          <a:bodyPr anchor="t"/>
-          <a:lstStyle/>
-          <a:p>
-            <a:pPr marL="497839" indent="-497839" defTabSz="808990">
-              <a:spcBef>
-                <a:spcPts val="1200"/>
-              </a:spcBef>
-              <a:defRPr sz="5096"/>
-            </a:pPr>
-            <a:r>
-              <a:rPr dirty="0">
-                <a:solidFill>
-                  <a:srgbClr val="3D46A6"/>
-                </a:solidFill>
-              </a:rPr>
-              <a:t>Calculating frequency from phase</a:t>
-            </a:r>
-            <a:r>
-              <a:rPr dirty="0"/>
-              <a:t> in discrete time:</a:t>
-            </a:r>
-          </a:p>
-          <a:p>
-            <a:pPr marL="497839" indent="-497839" defTabSz="808990">
-              <a:spcBef>
-                <a:spcPts val="1200"/>
-              </a:spcBef>
-              <a:defRPr sz="5096"/>
-            </a:pPr>
-            <a:endParaRPr dirty="0"/>
-          </a:p>
-          <a:p>
-            <a:pPr marL="497839" indent="-497839" defTabSz="808990">
-              <a:spcBef>
-                <a:spcPts val="1200"/>
-              </a:spcBef>
-              <a:defRPr sz="5096"/>
-            </a:pPr>
-            <a:endParaRPr dirty="0"/>
-          </a:p>
-          <a:p>
-            <a:pPr marL="1166812" lvl="1" indent="-544512" defTabSz="808990">
-              <a:spcBef>
-                <a:spcPts val="1200"/>
-              </a:spcBef>
-              <a:defRPr sz="4312"/>
-            </a:pPr>
-            <a:r>
-              <a:rPr dirty="0"/>
-              <a:t>In discrete time, frequency 𝜔 </a:t>
-            </a:r>
-            <a:r>
-              <a:rPr dirty="0" err="1"/>
-              <a:t>normalised</a:t>
-            </a:r>
-            <a:r>
-              <a:rPr dirty="0"/>
-              <a:t> between 0 </a:t>
-            </a:r>
-            <a:r>
-              <a:rPr lang="en-GB" dirty="0"/>
-              <a:t>&amp;</a:t>
-            </a:r>
-            <a:r>
-              <a:rPr dirty="0"/>
-              <a:t> 2π; </a:t>
-            </a:r>
-          </a:p>
-          <a:p>
-            <a:pPr marL="1166812" lvl="1" indent="-544512" defTabSz="808990">
-              <a:spcBef>
-                <a:spcPts val="1200"/>
-              </a:spcBef>
-              <a:defRPr sz="4312"/>
-            </a:pPr>
-            <a:r>
-              <a:rPr dirty="0"/>
-              <a:t>Assumes </a:t>
-            </a:r>
-            <a:r>
-              <a:rPr dirty="0">
-                <a:solidFill>
-                  <a:srgbClr val="3D46A6"/>
-                </a:solidFill>
-              </a:rPr>
-              <a:t>unwrapped phase </a:t>
-            </a:r>
-            <a:r>
-              <a:rPr dirty="0"/>
-              <a:t>(i.e. always increasing, not constrained 0-2π)</a:t>
-            </a:r>
-          </a:p>
-          <a:p>
-            <a:pPr marL="497839" indent="-497839" defTabSz="808990">
-              <a:spcBef>
-                <a:spcPts val="1200"/>
-              </a:spcBef>
-              <a:defRPr sz="5096"/>
-            </a:pPr>
-            <a:r>
-              <a:rPr lang="en-GB" dirty="0"/>
-              <a:t>I</a:t>
-            </a:r>
-            <a:r>
-              <a:rPr dirty="0" err="1"/>
-              <a:t>nvert</a:t>
-            </a:r>
-            <a:r>
-              <a:rPr dirty="0"/>
-              <a:t> this to</a:t>
-            </a:r>
-            <a:r>
-              <a:rPr dirty="0">
-                <a:solidFill>
-                  <a:srgbClr val="3D46A6"/>
-                </a:solidFill>
-              </a:rPr>
-              <a:t> </a:t>
-            </a:r>
-            <a:r>
-              <a:rPr lang="en-GB" dirty="0">
-                <a:solidFill>
-                  <a:srgbClr val="3D46A6"/>
-                </a:solidFill>
-              </a:rPr>
-              <a:t>find</a:t>
-            </a:r>
-            <a:r>
-              <a:rPr dirty="0">
-                <a:solidFill>
-                  <a:srgbClr val="3D46A6"/>
-                </a:solidFill>
-              </a:rPr>
-              <a:t> phase shift based on frequency</a:t>
-            </a:r>
-            <a:r>
-              <a:rPr dirty="0"/>
-              <a:t>:</a:t>
-            </a:r>
-          </a:p>
-          <a:p>
-            <a:pPr marL="1166812" lvl="1" indent="-544512" defTabSz="808990">
-              <a:spcBef>
-                <a:spcPts val="1200"/>
-              </a:spcBef>
-              <a:defRPr sz="4312"/>
-            </a:pPr>
-            <a:r>
-              <a:rPr dirty="0"/>
-              <a:t>For DFT of size </a:t>
-            </a:r>
-            <a:r>
-              <a:rPr i="1" dirty="0"/>
-              <a:t>N</a:t>
-            </a:r>
-            <a:r>
-              <a:rPr dirty="0"/>
-              <a:t>, bin </a:t>
-            </a:r>
-            <a:r>
-              <a:rPr i="1" dirty="0"/>
-              <a:t>k </a:t>
-            </a:r>
-            <a:r>
-              <a:rPr dirty="0"/>
-              <a:t>has frequency of 2</a:t>
-            </a:r>
-            <a:r>
-              <a:rPr i="1" dirty="0"/>
-              <a:t>πk</a:t>
-            </a:r>
-            <a:r>
-              <a:rPr dirty="0"/>
-              <a:t>/</a:t>
-            </a:r>
-            <a:r>
-              <a:rPr i="1" dirty="0"/>
-              <a:t>N</a:t>
-            </a:r>
-          </a:p>
-          <a:p>
-            <a:pPr marL="1166812" lvl="1" indent="-544512" defTabSz="808990">
-              <a:spcBef>
-                <a:spcPts val="1200"/>
-              </a:spcBef>
-              <a:defRPr sz="4312"/>
-            </a:pPr>
-            <a:r>
-              <a:rPr dirty="0"/>
-              <a:t>For sine wave of </a:t>
-            </a:r>
-            <a:r>
-              <a:rPr dirty="0">
-                <a:solidFill>
-                  <a:srgbClr val="3D46A6"/>
-                </a:solidFill>
-              </a:rPr>
-              <a:t>exactly</a:t>
-            </a:r>
-            <a:r>
-              <a:rPr dirty="0"/>
-              <a:t> bin frequency, </a:t>
-            </a:r>
-            <a:r>
-              <a:rPr dirty="0">
-                <a:solidFill>
-                  <a:srgbClr val="3D46A6"/>
-                </a:solidFill>
-              </a:rPr>
-              <a:t>expected phase shift over 1 hop</a:t>
-            </a:r>
-            <a:r>
-              <a:rPr lang="en-GB" dirty="0">
-                <a:solidFill>
-                  <a:srgbClr val="3D46A6"/>
-                </a:solidFill>
-              </a:rPr>
-              <a:t> is</a:t>
-            </a:r>
-            <a:r>
-              <a:rPr dirty="0"/>
-              <a:t>:</a:t>
-            </a:r>
-          </a:p>
-          <a:p>
-            <a:pPr marL="1166812" lvl="1" indent="-544512" defTabSz="808990">
-              <a:spcBef>
-                <a:spcPts val="1200"/>
-              </a:spcBef>
-              <a:defRPr sz="4312"/>
-            </a:pPr>
-            <a:endParaRPr dirty="0"/>
-          </a:p>
-          <a:p>
-            <a:pPr marL="1166812" lvl="1" indent="-544512" defTabSz="808990">
-              <a:spcBef>
-                <a:spcPts val="1200"/>
-              </a:spcBef>
-              <a:defRPr sz="4312"/>
-            </a:pPr>
-            <a:endParaRPr dirty="0"/>
-          </a:p>
-          <a:p>
-            <a:pPr marL="1166812" lvl="1" indent="-544512" defTabSz="808990">
-              <a:spcBef>
-                <a:spcPts val="1200"/>
-              </a:spcBef>
-              <a:defRPr sz="4312"/>
-            </a:pPr>
-            <a:r>
-              <a:rPr lang="en-GB" dirty="0"/>
-              <a:t>        -          </a:t>
-            </a:r>
-            <a:r>
-              <a:rPr dirty="0"/>
-              <a:t>tell</a:t>
-            </a:r>
-            <a:r>
-              <a:rPr lang="en-GB" dirty="0"/>
-              <a:t>s</a:t>
-            </a:r>
-            <a:r>
-              <a:rPr dirty="0"/>
-              <a:t> whether actual frequency higher or lower than bin frequency</a:t>
-            </a:r>
-          </a:p>
-        </p:txBody>
-      </p:sp>
+      <mc:AlternateContent xmlns:mc="http://schemas.openxmlformats.org/markup-compatibility/2006">
+        <mc:Choice xmlns:a14="http://schemas.microsoft.com/office/drawing/2010/main" Requires="a14">
+          <p:sp>
+            <p:nvSpPr>
+              <p:cNvPr id="489" name="Calculating frequency from phase in discrete time:…"/>
+              <p:cNvSpPr txBox="1">
+                <a:spLocks noGrp="1"/>
+              </p:cNvSpPr>
+              <p:nvPr>
+                <p:ph type="body" idx="1"/>
+              </p:nvPr>
+            </p:nvSpPr>
+            <p:spPr>
+              <a:xfrm>
+                <a:off x="292100" y="1778001"/>
+                <a:ext cx="24091899" cy="7507668"/>
+              </a:xfrm>
+              <a:prstGeom prst="rect">
+                <a:avLst/>
+              </a:prstGeom>
+            </p:spPr>
+            <p:txBody>
+              <a:bodyPr anchor="t"/>
+              <a:lstStyle/>
+              <a:p>
+                <a:pPr marL="497839" indent="-497839" defTabSz="808990">
+                  <a:spcBef>
+                    <a:spcPts val="1200"/>
+                  </a:spcBef>
+                  <a:defRPr sz="5096"/>
+                </a:pPr>
+                <a:r>
+                  <a:rPr lang="en-GB" dirty="0">
+                    <a:solidFill>
+                      <a:srgbClr val="3D46A6"/>
+                    </a:solidFill>
+                  </a:rPr>
+                  <a:t>Frequency from phase</a:t>
+                </a:r>
+                <a:r>
+                  <a:rPr lang="en-GB" dirty="0"/>
+                  <a:t> in discrete time:</a:t>
+                </a:r>
+              </a:p>
+              <a:p>
+                <a:pPr marL="0" indent="0" defTabSz="808990">
+                  <a:spcBef>
+                    <a:spcPts val="1200"/>
+                  </a:spcBef>
+                  <a:buNone/>
+                  <a:defRPr sz="5096"/>
+                </a:pPr>
+                <a:endParaRPr lang="en-GB" sz="2400" dirty="0"/>
+              </a:p>
+              <a:p>
+                <a:pPr marL="1166812" lvl="1" indent="-544512" defTabSz="808990">
+                  <a:spcBef>
+                    <a:spcPts val="1200"/>
+                  </a:spcBef>
+                  <a:defRPr sz="4312"/>
+                </a:pPr>
+                <a:r>
+                  <a:rPr lang="en-GB" sz="4200" dirty="0"/>
+                  <a:t>Frequency 𝜔 normalised between 0 &amp; 2</a:t>
+                </a:r>
+                <a:r>
+                  <a:rPr lang="el-GR" sz="4200" dirty="0"/>
+                  <a:t>π; </a:t>
+                </a:r>
+              </a:p>
+              <a:p>
+                <a:pPr marL="1166812" lvl="1" indent="-544512" defTabSz="808990">
+                  <a:spcBef>
+                    <a:spcPts val="1200"/>
+                  </a:spcBef>
+                  <a:defRPr sz="4312"/>
+                </a:pPr>
+                <a:r>
+                  <a:rPr lang="en-GB" sz="4200" dirty="0">
+                    <a:solidFill>
+                      <a:srgbClr val="3D46A6"/>
+                    </a:solidFill>
+                  </a:rPr>
+                  <a:t>Unwrapped phase </a:t>
+                </a:r>
+                <a:r>
+                  <a:rPr lang="en-GB" sz="4200" dirty="0"/>
+                  <a:t>(always increasing, not constrained 0-2</a:t>
+                </a:r>
+                <a:r>
+                  <a:rPr lang="el-GR" sz="4200" dirty="0"/>
+                  <a:t>π)</a:t>
+                </a:r>
+              </a:p>
+              <a:p>
+                <a:pPr marL="497839" indent="-497839" defTabSz="808990">
+                  <a:spcBef>
+                    <a:spcPts val="1200"/>
+                  </a:spcBef>
+                  <a:defRPr sz="5096"/>
+                </a:pPr>
+                <a:r>
+                  <a:rPr lang="en-GB" dirty="0"/>
+                  <a:t>Invert to</a:t>
+                </a:r>
+                <a:r>
+                  <a:rPr lang="en-GB" dirty="0">
+                    <a:solidFill>
+                      <a:srgbClr val="3D46A6"/>
+                    </a:solidFill>
+                  </a:rPr>
+                  <a:t> find phase shift based on frequency</a:t>
+                </a:r>
+                <a:r>
+                  <a:rPr lang="en-GB" dirty="0"/>
+                  <a:t>: </a:t>
+                </a:r>
+                <a14:m>
+                  <m:oMath xmlns:m="http://schemas.openxmlformats.org/officeDocument/2006/math">
+                    <m:r>
+                      <a:rPr lang="en-GB" i="1">
+                        <a:latin typeface="Cambria Math" panose="02040503050406030204" pitchFamily="18" charset="0"/>
+                        <a:ea typeface="Cambria Math" panose="02040503050406030204" pitchFamily="18" charset="0"/>
+                      </a:rPr>
+                      <m:t>𝜙</m:t>
+                    </m:r>
+                    <m:d>
+                      <m:dPr>
+                        <m:begChr m:val="["/>
+                        <m:endChr m:val="]"/>
+                        <m:ctrlPr>
+                          <a:rPr lang="en-GB" i="1">
+                            <a:latin typeface="Cambria Math" panose="02040503050406030204" pitchFamily="18" charset="0"/>
+                            <a:ea typeface="Cambria Math" panose="02040503050406030204" pitchFamily="18" charset="0"/>
+                          </a:rPr>
+                        </m:ctrlPr>
+                      </m:dPr>
+                      <m:e>
+                        <m:r>
+                          <a:rPr lang="en-GB" i="1">
+                            <a:latin typeface="Cambria Math" panose="02040503050406030204" pitchFamily="18" charset="0"/>
+                            <a:ea typeface="Cambria Math" panose="02040503050406030204" pitchFamily="18" charset="0"/>
+                          </a:rPr>
+                          <m:t>𝑛</m:t>
+                        </m:r>
+                      </m:e>
+                    </m:d>
+                    <m:r>
+                      <a:rPr lang="en-GB" i="1">
+                        <a:latin typeface="Cambria Math" panose="02040503050406030204" pitchFamily="18" charset="0"/>
+                        <a:ea typeface="Cambria Math" panose="02040503050406030204" pitchFamily="18" charset="0"/>
+                      </a:rPr>
+                      <m:t>−</m:t>
+                    </m:r>
+                    <m:r>
+                      <a:rPr lang="en-GB" i="1">
+                        <a:latin typeface="Cambria Math" panose="02040503050406030204" pitchFamily="18" charset="0"/>
+                        <a:ea typeface="Cambria Math" panose="02040503050406030204" pitchFamily="18" charset="0"/>
+                      </a:rPr>
+                      <m:t>𝜙</m:t>
+                    </m:r>
+                    <m:d>
+                      <m:dPr>
+                        <m:begChr m:val="["/>
+                        <m:endChr m:val="]"/>
+                        <m:ctrlPr>
+                          <a:rPr lang="en-GB" i="1">
+                            <a:latin typeface="Cambria Math" panose="02040503050406030204" pitchFamily="18" charset="0"/>
+                            <a:ea typeface="Cambria Math" panose="02040503050406030204" pitchFamily="18" charset="0"/>
+                          </a:rPr>
+                        </m:ctrlPr>
+                      </m:dPr>
+                      <m:e>
+                        <m:r>
+                          <a:rPr lang="en-GB" i="1">
+                            <a:latin typeface="Cambria Math" panose="02040503050406030204" pitchFamily="18" charset="0"/>
+                            <a:ea typeface="Cambria Math" panose="02040503050406030204" pitchFamily="18" charset="0"/>
+                          </a:rPr>
+                          <m:t>𝑛</m:t>
+                        </m:r>
+                        <m:r>
+                          <a:rPr lang="en-GB" i="1">
+                            <a:latin typeface="Cambria Math" panose="02040503050406030204" pitchFamily="18" charset="0"/>
+                            <a:ea typeface="Cambria Math" panose="02040503050406030204" pitchFamily="18" charset="0"/>
+                          </a:rPr>
+                          <m:t>−</m:t>
+                        </m:r>
+                        <m:r>
+                          <a:rPr lang="en-GB" i="1">
+                            <a:latin typeface="Cambria Math" panose="02040503050406030204" pitchFamily="18" charset="0"/>
+                            <a:ea typeface="Cambria Math" panose="02040503050406030204" pitchFamily="18" charset="0"/>
+                          </a:rPr>
+                          <m:t>𝐻</m:t>
+                        </m:r>
+                      </m:e>
+                    </m:d>
+                    <m:r>
+                      <a:rPr lang="en-GB" i="1">
+                        <a:latin typeface="Cambria Math" panose="02040503050406030204" pitchFamily="18" charset="0"/>
+                        <a:ea typeface="Cambria Math" panose="02040503050406030204" pitchFamily="18" charset="0"/>
+                      </a:rPr>
+                      <m:t>=</m:t>
+                    </m:r>
+                    <m:r>
+                      <a:rPr lang="en-GB" b="0" i="1" smtClean="0">
+                        <a:latin typeface="Cambria Math" panose="02040503050406030204" pitchFamily="18" charset="0"/>
+                        <a:ea typeface="Cambria Math" panose="02040503050406030204" pitchFamily="18" charset="0"/>
+                      </a:rPr>
+                      <m:t>𝐻</m:t>
+                    </m:r>
+                    <m:r>
+                      <a:rPr lang="en-GB" b="0" i="1" smtClean="0">
+                        <a:latin typeface="Cambria Math" panose="02040503050406030204" pitchFamily="18" charset="0"/>
+                        <a:ea typeface="Cambria Math" panose="02040503050406030204" pitchFamily="18" charset="0"/>
+                      </a:rPr>
+                      <m:t>𝜔</m:t>
+                    </m:r>
+                    <m:r>
+                      <a:rPr lang="en-GB" b="0" i="1" smtClean="0">
+                        <a:latin typeface="Cambria Math" panose="02040503050406030204" pitchFamily="18" charset="0"/>
+                        <a:ea typeface="Cambria Math" panose="02040503050406030204" pitchFamily="18" charset="0"/>
+                      </a:rPr>
+                      <m:t>[</m:t>
+                    </m:r>
+                    <m:r>
+                      <a:rPr lang="en-GB" b="0" i="1" smtClean="0">
+                        <a:latin typeface="Cambria Math" panose="02040503050406030204" pitchFamily="18" charset="0"/>
+                        <a:ea typeface="Cambria Math" panose="02040503050406030204" pitchFamily="18" charset="0"/>
+                      </a:rPr>
+                      <m:t>𝑛</m:t>
+                    </m:r>
+                    <m:r>
+                      <a:rPr lang="en-GB" b="0" i="1" smtClean="0">
+                        <a:latin typeface="Cambria Math" panose="02040503050406030204" pitchFamily="18" charset="0"/>
+                        <a:ea typeface="Cambria Math" panose="02040503050406030204" pitchFamily="18" charset="0"/>
+                      </a:rPr>
+                      <m:t>]</m:t>
+                    </m:r>
+                  </m:oMath>
+                </a14:m>
+                <a:endParaRPr lang="en-GB" dirty="0"/>
+              </a:p>
+              <a:p>
+                <a:pPr marL="1166812" lvl="1" indent="-544512" defTabSz="808990">
+                  <a:spcBef>
+                    <a:spcPts val="1200"/>
+                  </a:spcBef>
+                  <a:defRPr sz="4312"/>
+                </a:pPr>
+                <a:r>
+                  <a:rPr lang="en-GB" sz="4200" dirty="0"/>
+                  <a:t>Bin </a:t>
+                </a:r>
+                <a:r>
+                  <a:rPr lang="en-GB" sz="4200" i="1" dirty="0"/>
+                  <a:t>k </a:t>
+                </a:r>
+                <a:r>
+                  <a:rPr lang="en-GB" sz="4200" dirty="0"/>
+                  <a:t>has frequency </a:t>
+                </a:r>
+                <a14:m>
+                  <m:oMath xmlns:m="http://schemas.openxmlformats.org/officeDocument/2006/math">
+                    <m:sSub>
+                      <m:sSubPr>
+                        <m:ctrlPr>
+                          <a:rPr lang="en-GB" sz="4200" i="1">
+                            <a:latin typeface="Cambria Math" panose="02040503050406030204" pitchFamily="18" charset="0"/>
+                            <a:ea typeface="Cambria Math" panose="02040503050406030204" pitchFamily="18" charset="0"/>
+                          </a:rPr>
+                        </m:ctrlPr>
+                      </m:sSubPr>
+                      <m:e>
+                        <m:r>
+                          <a:rPr lang="en-GB" sz="4200" i="1">
+                            <a:latin typeface="Cambria Math" panose="02040503050406030204" pitchFamily="18" charset="0"/>
+                            <a:ea typeface="Cambria Math" panose="02040503050406030204" pitchFamily="18" charset="0"/>
+                          </a:rPr>
+                          <m:t>𝜔</m:t>
+                        </m:r>
+                      </m:e>
+                      <m:sub>
+                        <m:r>
+                          <a:rPr lang="en-GB" sz="4200" i="1">
+                            <a:latin typeface="Cambria Math" panose="02040503050406030204" pitchFamily="18" charset="0"/>
+                            <a:ea typeface="Cambria Math" panose="02040503050406030204" pitchFamily="18" charset="0"/>
+                          </a:rPr>
+                          <m:t>𝑘</m:t>
+                        </m:r>
+                      </m:sub>
+                    </m:sSub>
+                    <m:r>
+                      <a:rPr lang="en-GB" sz="4200" i="1">
+                        <a:latin typeface="Cambria Math" panose="02040503050406030204" pitchFamily="18" charset="0"/>
+                        <a:ea typeface="Cambria Math" panose="02040503050406030204" pitchFamily="18" charset="0"/>
+                      </a:rPr>
+                      <m:t>=</m:t>
+                    </m:r>
+                    <m:f>
+                      <m:fPr>
+                        <m:ctrlPr>
+                          <a:rPr lang="en-GB" sz="4200" i="1">
+                            <a:latin typeface="Cambria Math" panose="02040503050406030204" pitchFamily="18" charset="0"/>
+                            <a:ea typeface="Cambria Math" panose="02040503050406030204" pitchFamily="18" charset="0"/>
+                          </a:rPr>
+                        </m:ctrlPr>
+                      </m:fPr>
+                      <m:num>
+                        <m:r>
+                          <a:rPr lang="en-GB" sz="4200" i="1">
+                            <a:latin typeface="Cambria Math" panose="02040503050406030204" pitchFamily="18" charset="0"/>
+                            <a:ea typeface="Cambria Math" panose="02040503050406030204" pitchFamily="18" charset="0"/>
+                          </a:rPr>
+                          <m:t>2</m:t>
+                        </m:r>
+                        <m:r>
+                          <a:rPr lang="en-GB" sz="4200" i="1">
+                            <a:latin typeface="Cambria Math" panose="02040503050406030204" pitchFamily="18" charset="0"/>
+                            <a:ea typeface="Cambria Math" panose="02040503050406030204" pitchFamily="18" charset="0"/>
+                          </a:rPr>
+                          <m:t>𝜋</m:t>
+                        </m:r>
+                        <m:r>
+                          <a:rPr lang="en-GB" sz="4200" i="1">
+                            <a:latin typeface="Cambria Math" panose="02040503050406030204" pitchFamily="18" charset="0"/>
+                            <a:ea typeface="Cambria Math" panose="02040503050406030204" pitchFamily="18" charset="0"/>
+                          </a:rPr>
+                          <m:t>𝑘</m:t>
+                        </m:r>
+                      </m:num>
+                      <m:den>
+                        <m:r>
+                          <a:rPr lang="en-GB" sz="4200" i="1">
+                            <a:latin typeface="Cambria Math" panose="02040503050406030204" pitchFamily="18" charset="0"/>
+                            <a:ea typeface="Cambria Math" panose="02040503050406030204" pitchFamily="18" charset="0"/>
+                          </a:rPr>
+                          <m:t>𝑁</m:t>
+                        </m:r>
+                      </m:den>
+                    </m:f>
+                  </m:oMath>
+                </a14:m>
+                <a:r>
+                  <a:rPr lang="en-GB" sz="4200" i="1" dirty="0"/>
+                  <a:t> </a:t>
+                </a:r>
+                <a:r>
+                  <a:rPr lang="en-GB" sz="4200" dirty="0"/>
+                  <a:t>for size </a:t>
+                </a:r>
+                <a:r>
+                  <a:rPr lang="en-GB" sz="4200" i="1" dirty="0"/>
+                  <a:t>N </a:t>
+                </a:r>
+                <a:r>
+                  <a:rPr lang="en-GB" sz="4200" dirty="0"/>
+                  <a:t>DFT</a:t>
+                </a:r>
+                <a:endParaRPr lang="en-GB" sz="4200" i="1" dirty="0"/>
+              </a:p>
+              <a:p>
+                <a:pPr marL="1166812" lvl="1" indent="-544512" defTabSz="808990">
+                  <a:spcBef>
+                    <a:spcPts val="1200"/>
+                  </a:spcBef>
+                  <a:defRPr sz="4312"/>
+                </a:pPr>
+                <a:r>
+                  <a:rPr lang="en-GB" sz="4200" dirty="0"/>
+                  <a:t>If sinusoid has bin frequency, </a:t>
+                </a:r>
+                <a:r>
+                  <a:rPr lang="en-GB" sz="4200" dirty="0">
+                    <a:solidFill>
+                      <a:srgbClr val="3D46A6"/>
+                    </a:solidFill>
+                  </a:rPr>
+                  <a:t>expected phase shift for 1 hop is</a:t>
+                </a:r>
+                <a:r>
+                  <a:rPr lang="en-GB" sz="4200" dirty="0"/>
+                  <a:t>: </a:t>
+                </a:r>
+                <a14:m>
+                  <m:oMath xmlns:m="http://schemas.openxmlformats.org/officeDocument/2006/math">
+                    <m:r>
+                      <a:rPr lang="en-GB" sz="4200" i="1">
+                        <a:latin typeface="Cambria Math" panose="02040503050406030204" pitchFamily="18" charset="0"/>
+                        <a:ea typeface="Cambria Math" panose="02040503050406030204" pitchFamily="18" charset="0"/>
+                      </a:rPr>
+                      <m:t>𝜙</m:t>
+                    </m:r>
+                    <m:d>
+                      <m:dPr>
+                        <m:begChr m:val="["/>
+                        <m:endChr m:val="]"/>
+                        <m:ctrlPr>
+                          <a:rPr lang="en-GB" sz="4200" b="0" i="1" smtClean="0">
+                            <a:latin typeface="Cambria Math" panose="02040503050406030204" pitchFamily="18" charset="0"/>
+                            <a:ea typeface="Cambria Math" panose="02040503050406030204" pitchFamily="18" charset="0"/>
+                          </a:rPr>
+                        </m:ctrlPr>
+                      </m:dPr>
+                      <m:e>
+                        <m:r>
+                          <a:rPr lang="en-GB" sz="4200" b="0" i="1" smtClean="0">
+                            <a:latin typeface="Cambria Math" panose="02040503050406030204" pitchFamily="18" charset="0"/>
+                            <a:ea typeface="Cambria Math" panose="02040503050406030204" pitchFamily="18" charset="0"/>
+                          </a:rPr>
+                          <m:t>𝑛</m:t>
+                        </m:r>
+                      </m:e>
+                    </m:d>
+                    <m:r>
+                      <a:rPr lang="en-GB" sz="4200" b="0" i="1" smtClean="0">
+                        <a:latin typeface="Cambria Math" panose="02040503050406030204" pitchFamily="18" charset="0"/>
+                        <a:ea typeface="Cambria Math" panose="02040503050406030204" pitchFamily="18" charset="0"/>
+                      </a:rPr>
+                      <m:t>−</m:t>
+                    </m:r>
+                    <m:r>
+                      <a:rPr lang="en-GB" sz="4200" i="1">
+                        <a:latin typeface="Cambria Math" panose="02040503050406030204" pitchFamily="18" charset="0"/>
+                        <a:ea typeface="Cambria Math" panose="02040503050406030204" pitchFamily="18" charset="0"/>
+                      </a:rPr>
+                      <m:t>𝜙</m:t>
+                    </m:r>
+                    <m:d>
+                      <m:dPr>
+                        <m:begChr m:val="["/>
+                        <m:endChr m:val="]"/>
+                        <m:ctrlPr>
+                          <a:rPr lang="en-GB" sz="4200" b="0" i="1" smtClean="0">
+                            <a:latin typeface="Cambria Math" panose="02040503050406030204" pitchFamily="18" charset="0"/>
+                            <a:ea typeface="Cambria Math" panose="02040503050406030204" pitchFamily="18" charset="0"/>
+                          </a:rPr>
+                        </m:ctrlPr>
+                      </m:dPr>
+                      <m:e>
+                        <m:r>
+                          <a:rPr lang="en-GB" sz="4200" b="0" i="1" smtClean="0">
+                            <a:latin typeface="Cambria Math" panose="02040503050406030204" pitchFamily="18" charset="0"/>
+                            <a:ea typeface="Cambria Math" panose="02040503050406030204" pitchFamily="18" charset="0"/>
+                          </a:rPr>
+                          <m:t>𝑛</m:t>
+                        </m:r>
+                        <m:r>
+                          <a:rPr lang="en-GB" sz="4200" b="0" i="1" smtClean="0">
+                            <a:latin typeface="Cambria Math" panose="02040503050406030204" pitchFamily="18" charset="0"/>
+                            <a:ea typeface="Cambria Math" panose="02040503050406030204" pitchFamily="18" charset="0"/>
+                          </a:rPr>
+                          <m:t>−</m:t>
+                        </m:r>
+                        <m:r>
+                          <a:rPr lang="en-GB" sz="4200" b="0" i="1" smtClean="0">
+                            <a:latin typeface="Cambria Math" panose="02040503050406030204" pitchFamily="18" charset="0"/>
+                            <a:ea typeface="Cambria Math" panose="02040503050406030204" pitchFamily="18" charset="0"/>
+                          </a:rPr>
+                          <m:t>𝐻</m:t>
+                        </m:r>
+                      </m:e>
+                    </m:d>
+                    <m:r>
+                      <a:rPr lang="en-GB" sz="4200" b="0" i="1" smtClean="0">
+                        <a:latin typeface="Cambria Math" panose="02040503050406030204" pitchFamily="18" charset="0"/>
+                        <a:ea typeface="Cambria Math" panose="02040503050406030204" pitchFamily="18" charset="0"/>
+                      </a:rPr>
+                      <m:t>=</m:t>
+                    </m:r>
+                    <m:sSub>
+                      <m:sSubPr>
+                        <m:ctrlPr>
+                          <a:rPr lang="en-GB" sz="4200" b="0" i="1" smtClean="0">
+                            <a:latin typeface="Cambria Math" panose="02040503050406030204" pitchFamily="18" charset="0"/>
+                            <a:ea typeface="Cambria Math" panose="02040503050406030204" pitchFamily="18" charset="0"/>
+                          </a:rPr>
+                        </m:ctrlPr>
+                      </m:sSubPr>
+                      <m:e>
+                        <m:r>
+                          <a:rPr lang="en-GB" sz="4200" b="0" i="1" smtClean="0">
+                            <a:latin typeface="Cambria Math" panose="02040503050406030204" pitchFamily="18" charset="0"/>
+                            <a:ea typeface="Cambria Math" panose="02040503050406030204" pitchFamily="18" charset="0"/>
+                          </a:rPr>
+                          <m:t>𝜔</m:t>
+                        </m:r>
+                      </m:e>
+                      <m:sub>
+                        <m:r>
+                          <a:rPr lang="en-GB" sz="4200" b="0" i="1" smtClean="0">
+                            <a:latin typeface="Cambria Math" panose="02040503050406030204" pitchFamily="18" charset="0"/>
+                            <a:ea typeface="Cambria Math" panose="02040503050406030204" pitchFamily="18" charset="0"/>
+                          </a:rPr>
+                          <m:t>𝑘</m:t>
+                        </m:r>
+                      </m:sub>
+                    </m:sSub>
+                    <m:r>
+                      <a:rPr lang="en-GB" sz="4200" b="0" i="1" smtClean="0">
+                        <a:latin typeface="Cambria Math" panose="02040503050406030204" pitchFamily="18" charset="0"/>
+                        <a:ea typeface="Cambria Math" panose="02040503050406030204" pitchFamily="18" charset="0"/>
+                      </a:rPr>
+                      <m:t>𝐻</m:t>
+                    </m:r>
+                  </m:oMath>
+                </a14:m>
+                <a:endParaRPr lang="ar-AE" sz="4200" dirty="0"/>
+              </a:p>
+              <a:p>
+                <a:pPr marL="1166812" lvl="1" indent="-544512" defTabSz="808990">
+                  <a:spcBef>
+                    <a:spcPts val="1200"/>
+                  </a:spcBef>
+                  <a:defRPr sz="4312"/>
+                </a:pPr>
+                <a14:m>
+                  <m:oMath xmlns:m="http://schemas.openxmlformats.org/officeDocument/2006/math">
+                    <m:sSub>
+                      <m:sSubPr>
+                        <m:ctrlPr>
+                          <a:rPr lang="en-GB" sz="4800" i="1">
+                            <a:latin typeface="Cambria Math" panose="02040503050406030204" pitchFamily="18" charset="0"/>
+                            <a:ea typeface="Cambria Math" panose="02040503050406030204" pitchFamily="18" charset="0"/>
+                          </a:rPr>
+                        </m:ctrlPr>
+                      </m:sSubPr>
+                      <m:e>
+                        <m:r>
+                          <a:rPr lang="en-GB" i="1">
+                            <a:latin typeface="Cambria Math" panose="02040503050406030204" pitchFamily="18" charset="0"/>
+                            <a:ea typeface="Cambria Math" panose="02040503050406030204" pitchFamily="18" charset="0"/>
+                          </a:rPr>
+                          <m:t>𝐻</m:t>
+                        </m:r>
+                        <m:r>
+                          <a:rPr lang="en-GB" i="1">
+                            <a:latin typeface="Cambria Math" panose="02040503050406030204" pitchFamily="18" charset="0"/>
+                            <a:ea typeface="Cambria Math" panose="02040503050406030204" pitchFamily="18" charset="0"/>
+                          </a:rPr>
+                          <m:t>𝜔</m:t>
+                        </m:r>
+                        <m:d>
+                          <m:dPr>
+                            <m:begChr m:val="["/>
+                            <m:endChr m:val="]"/>
+                            <m:ctrlPr>
+                              <a:rPr lang="en-GB" i="1">
+                                <a:latin typeface="Cambria Math" panose="02040503050406030204" pitchFamily="18" charset="0"/>
+                                <a:ea typeface="Cambria Math" panose="02040503050406030204" pitchFamily="18" charset="0"/>
+                              </a:rPr>
+                            </m:ctrlPr>
+                          </m:dPr>
+                          <m:e>
+                            <m:r>
+                              <a:rPr lang="en-GB" i="1">
+                                <a:latin typeface="Cambria Math" panose="02040503050406030204" pitchFamily="18" charset="0"/>
+                                <a:ea typeface="Cambria Math" panose="02040503050406030204" pitchFamily="18" charset="0"/>
+                              </a:rPr>
+                              <m:t>𝑛</m:t>
+                            </m:r>
+                          </m:e>
+                        </m:d>
+                        <m:r>
+                          <m:rPr>
+                            <m:nor/>
+                          </m:rPr>
+                          <a:rPr lang="en-GB" dirty="0"/>
+                          <m:t> </m:t>
+                        </m:r>
+                        <m:r>
+                          <a:rPr lang="en-GB" i="1" dirty="0">
+                            <a:latin typeface="Cambria Math" panose="02040503050406030204" pitchFamily="18" charset="0"/>
+                          </a:rPr>
+                          <m:t>−</m:t>
+                        </m:r>
+                        <m:r>
+                          <a:rPr lang="en-GB" sz="4800" i="1">
+                            <a:latin typeface="Cambria Math" panose="02040503050406030204" pitchFamily="18" charset="0"/>
+                            <a:ea typeface="Cambria Math" panose="02040503050406030204" pitchFamily="18" charset="0"/>
+                          </a:rPr>
+                          <m:t>𝜔</m:t>
+                        </m:r>
+                      </m:e>
+                      <m:sub>
+                        <m:r>
+                          <a:rPr lang="en-GB" sz="4800" i="1">
+                            <a:latin typeface="Cambria Math" panose="02040503050406030204" pitchFamily="18" charset="0"/>
+                            <a:ea typeface="Cambria Math" panose="02040503050406030204" pitchFamily="18" charset="0"/>
+                          </a:rPr>
+                          <m:t>𝑘</m:t>
+                        </m:r>
+                      </m:sub>
+                    </m:sSub>
+                    <m:r>
+                      <a:rPr lang="en-GB" sz="4800" i="1">
+                        <a:latin typeface="Cambria Math" panose="02040503050406030204" pitchFamily="18" charset="0"/>
+                        <a:ea typeface="Cambria Math" panose="02040503050406030204" pitchFamily="18" charset="0"/>
+                      </a:rPr>
+                      <m:t>𝐻</m:t>
+                    </m:r>
+                    <m:r>
+                      <a:rPr lang="en-GB" sz="4800" i="1">
+                        <a:latin typeface="Cambria Math" panose="02040503050406030204" pitchFamily="18" charset="0"/>
+                        <a:ea typeface="Cambria Math" panose="02040503050406030204" pitchFamily="18" charset="0"/>
+                      </a:rPr>
+                      <m:t> </m:t>
+                    </m:r>
+                  </m:oMath>
+                </a14:m>
+                <a:r>
+                  <a:rPr lang="en-GB" sz="4200" dirty="0"/>
+                  <a:t>tells whether actual frequency higher or lower than bin frequency</a:t>
+                </a:r>
+                <a:endParaRPr sz="4200" dirty="0"/>
+              </a:p>
+            </p:txBody>
+          </p:sp>
+        </mc:Choice>
+        <mc:Fallback>
+          <p:sp>
+            <p:nvSpPr>
+              <p:cNvPr id="489" name="Calculating frequency from phase in discrete time:…"/>
+              <p:cNvSpPr txBox="1">
+                <a:spLocks noGrp="1" noRot="1" noChangeAspect="1" noMove="1" noResize="1" noEditPoints="1" noAdjustHandles="1" noChangeArrowheads="1" noChangeShapeType="1" noTextEdit="1"/>
+              </p:cNvSpPr>
+              <p:nvPr>
+                <p:ph type="body" idx="1"/>
+              </p:nvPr>
+            </p:nvSpPr>
+            <p:spPr>
+              <a:xfrm>
+                <a:off x="292100" y="1778001"/>
+                <a:ext cx="24091899" cy="7507668"/>
+              </a:xfrm>
+              <a:prstGeom prst="rect">
+                <a:avLst/>
+              </a:prstGeom>
+              <a:blipFill>
+                <a:blip r:embed="rId3"/>
+                <a:stretch>
+                  <a:fillRect l="-1670" t="-3737"/>
+                </a:stretch>
+              </a:blipFill>
+            </p:spPr>
+            <p:txBody>
+              <a:bodyPr/>
+              <a:lstStyle/>
+              <a:p>
+                <a:r>
+                  <a:rPr lang="en-GB">
+                    <a:noFill/>
+                  </a:rPr>
+                  <a:t> </a:t>
+                </a:r>
+              </a:p>
+            </p:txBody>
+          </p:sp>
+        </mc:Fallback>
+      </mc:AlternateContent>
       <p:sp>
         <p:nvSpPr>
           <p:cNvPr id="490" name="Reconstructing exact frequency"/>
@@ -20476,14 +18097,14 @@
           <p:nvPr/>
         </p:nvPicPr>
         <p:blipFill>
-          <a:blip r:embed="rId2"/>
+          <a:blip r:embed="rId4"/>
           <a:stretch>
             <a:fillRect/>
           </a:stretch>
         </p:blipFill>
         <p:spPr>
           <a:xfrm>
-            <a:off x="1794702" y="3049102"/>
+            <a:off x="12867774" y="1778000"/>
             <a:ext cx="9867901" cy="1257301"/>
           </a:xfrm>
           <a:prstGeom prst="rect">
@@ -20494,124 +18115,1488 @@
           </a:ln>
         </p:spPr>
       </p:pic>
-      <p:pic>
-        <p:nvPicPr>
-          <p:cNvPr id="492" name="Image" descr="Image"/>
-          <p:cNvPicPr>
-            <a:picLocks noChangeAspect="1"/>
-          </p:cNvPicPr>
+      <p:cxnSp>
+        <p:nvCxnSpPr>
+          <p:cNvPr id="56" name="Straight Arrow Connector 55">
+            <a:extLst>
+              <a:ext uri="{FF2B5EF4-FFF2-40B4-BE49-F238E27FC236}">
+                <a16:creationId xmlns:a16="http://schemas.microsoft.com/office/drawing/2014/main" id="{45B4C50F-6316-A9A2-FC75-B5B3CF24705A}"/>
+              </a:ext>
+            </a:extLst>
+          </p:cNvPr>
+          <p:cNvCxnSpPr>
+            <a:cxnSpLocks/>
+          </p:cNvCxnSpPr>
           <p:nvPr/>
-        </p:nvPicPr>
-        <p:blipFill>
-          <a:blip r:embed="rId3"/>
-          <a:stretch>
-            <a:fillRect/>
-          </a:stretch>
-        </p:blipFill>
+        </p:nvCxnSpPr>
         <p:spPr>
           <a:xfrm>
-            <a:off x="15827559" y="6391936"/>
-            <a:ext cx="5727701" cy="546101"/>
+            <a:off x="7826212" y="9022850"/>
+            <a:ext cx="0" cy="4024015"/>
+          </a:xfrm>
+          <a:prstGeom prst="straightConnector1">
+            <a:avLst/>
+          </a:prstGeom>
+          <a:noFill/>
+          <a:ln w="9525" cap="flat" cmpd="sng" algn="ctr">
+            <a:solidFill>
+              <a:srgbClr val="000000"/>
+            </a:solidFill>
+            <a:prstDash val="solid"/>
+            <a:headEnd type="stealth" w="lg" len="lg"/>
+            <a:tailEnd type="none" w="lg" len="lg"/>
+          </a:ln>
+          <a:effectLst/>
+        </p:spPr>
+      </p:cxnSp>
+      <p:cxnSp>
+        <p:nvCxnSpPr>
+          <p:cNvPr id="57" name="Straight Arrow Connector 56">
+            <a:extLst>
+              <a:ext uri="{FF2B5EF4-FFF2-40B4-BE49-F238E27FC236}">
+                <a16:creationId xmlns:a16="http://schemas.microsoft.com/office/drawing/2014/main" id="{2287C864-87B5-F2CF-391D-76D81C1A5065}"/>
+              </a:ext>
+            </a:extLst>
+          </p:cNvPr>
+          <p:cNvCxnSpPr/>
+          <p:nvPr/>
+        </p:nvCxnSpPr>
+        <p:spPr>
+          <a:xfrm flipH="1">
+            <a:off x="7826212" y="13047167"/>
+            <a:ext cx="6903855" cy="0"/>
+          </a:xfrm>
+          <a:prstGeom prst="straightConnector1">
+            <a:avLst/>
+          </a:prstGeom>
+          <a:noFill/>
+          <a:ln w="9525" cap="flat" cmpd="sng" algn="ctr">
+            <a:solidFill>
+              <a:srgbClr val="000000"/>
+            </a:solidFill>
+            <a:prstDash val="solid"/>
+            <a:headEnd type="stealth" w="lg" len="lg"/>
+            <a:tailEnd type="none" w="lg" len="lg"/>
+          </a:ln>
+          <a:effectLst/>
+        </p:spPr>
+      </p:cxnSp>
+      <p:cxnSp>
+        <p:nvCxnSpPr>
+          <p:cNvPr id="58" name="Straight Arrow Connector 57">
+            <a:extLst>
+              <a:ext uri="{FF2B5EF4-FFF2-40B4-BE49-F238E27FC236}">
+                <a16:creationId xmlns:a16="http://schemas.microsoft.com/office/drawing/2014/main" id="{A317C3A0-6894-ED71-A8CB-6D23C2439228}"/>
+              </a:ext>
+            </a:extLst>
+          </p:cNvPr>
+          <p:cNvCxnSpPr/>
+          <p:nvPr/>
+        </p:nvCxnSpPr>
+        <p:spPr>
+          <a:xfrm flipH="1">
+            <a:off x="7826214" y="9398928"/>
+            <a:ext cx="5610914" cy="3628999"/>
+          </a:xfrm>
+          <a:prstGeom prst="straightConnector1">
+            <a:avLst/>
+          </a:prstGeom>
+          <a:noFill/>
+          <a:ln w="15875" cap="flat" cmpd="sng" algn="ctr">
+            <a:solidFill>
+              <a:srgbClr val="000000"/>
+            </a:solidFill>
+            <a:prstDash val="dash"/>
+            <a:headEnd type="stealth" w="lg" len="lg"/>
+            <a:tailEnd type="none" w="lg" len="lg"/>
+          </a:ln>
+          <a:effectLst/>
+        </p:spPr>
+      </p:cxnSp>
+      <p:cxnSp>
+        <p:nvCxnSpPr>
+          <p:cNvPr id="59" name="Straight Arrow Connector 58">
+            <a:extLst>
+              <a:ext uri="{FF2B5EF4-FFF2-40B4-BE49-F238E27FC236}">
+                <a16:creationId xmlns:a16="http://schemas.microsoft.com/office/drawing/2014/main" id="{F9D0AE53-EF39-7458-CDDE-991A3D9E9394}"/>
+              </a:ext>
+            </a:extLst>
+          </p:cNvPr>
+          <p:cNvCxnSpPr/>
+          <p:nvPr/>
+        </p:nvCxnSpPr>
+        <p:spPr>
+          <a:xfrm flipH="1">
+            <a:off x="7826214" y="10531047"/>
+            <a:ext cx="5610914" cy="2516121"/>
+          </a:xfrm>
+          <a:prstGeom prst="straightConnector1">
+            <a:avLst/>
+          </a:prstGeom>
+          <a:noFill/>
+          <a:ln w="15875" cap="flat" cmpd="sng" algn="ctr">
+            <a:solidFill>
+              <a:srgbClr val="000000"/>
+            </a:solidFill>
+            <a:prstDash val="solid"/>
+            <a:headEnd type="stealth" w="lg" len="lg"/>
+            <a:tailEnd type="none" w="lg" len="lg"/>
+          </a:ln>
+          <a:effectLst/>
+        </p:spPr>
+      </p:cxnSp>
+      <p:sp>
+        <p:nvSpPr>
+          <p:cNvPr id="60" name="TextBox 59">
+            <a:extLst>
+              <a:ext uri="{FF2B5EF4-FFF2-40B4-BE49-F238E27FC236}">
+                <a16:creationId xmlns:a16="http://schemas.microsoft.com/office/drawing/2014/main" id="{9A000D91-61A8-A64C-F342-0E4CA74EF334}"/>
+              </a:ext>
+            </a:extLst>
+          </p:cNvPr>
+          <p:cNvSpPr txBox="1"/>
+          <p:nvPr/>
+        </p:nvSpPr>
+        <p:spPr>
+          <a:xfrm>
+            <a:off x="7617470" y="13104563"/>
+            <a:ext cx="774571" cy="646331"/>
           </a:xfrm>
           <a:prstGeom prst="rect">
             <a:avLst/>
           </a:prstGeom>
-          <a:ln w="12700">
-            <a:miter lim="400000"/>
+          <a:noFill/>
+          <a:ln>
+            <a:noFill/>
           </a:ln>
         </p:spPr>
-      </p:pic>
-      <p:pic>
-        <p:nvPicPr>
-          <p:cNvPr id="493" name="Image" descr="Image"/>
-          <p:cNvPicPr>
-            <a:picLocks noChangeAspect="1"/>
-          </p:cNvPicPr>
+        <p:txBody>
+          <a:bodyPr wrap="none" rtlCol="0">
+            <a:spAutoFit/>
+          </a:bodyPr>
+          <a:lstStyle/>
+          <a:p>
+            <a:pPr marL="0" marR="0" lvl="0" indent="0" defTabSz="642915" eaLnBrk="1" fontAlgn="base" latinLnBrk="0" hangingPunct="1">
+              <a:lnSpc>
+                <a:spcPct val="100000"/>
+              </a:lnSpc>
+              <a:spcBef>
+                <a:spcPct val="0"/>
+              </a:spcBef>
+              <a:spcAft>
+                <a:spcPct val="0"/>
+              </a:spcAft>
+              <a:buClrTx/>
+              <a:buSzTx/>
+              <a:buFontTx/>
+              <a:buNone/>
+              <a:tabLst/>
+              <a:defRPr/>
+            </a:pPr>
+            <a:r>
+              <a:rPr kumimoji="0" lang="en-GB" sz="3600" b="0" i="1" u="none" strike="noStrike" kern="1200" cap="none" spc="0" normalizeH="0" baseline="0" noProof="0" dirty="0">
+                <a:ln>
+                  <a:noFill/>
+                </a:ln>
+                <a:solidFill>
+                  <a:sysClr val="windowText" lastClr="000000"/>
+                </a:solidFill>
+                <a:effectLst/>
+                <a:uLnTx/>
+                <a:uFillTx/>
+                <a:latin typeface="Times New Roman" pitchFamily="18" charset="0"/>
+                <a:cs typeface="Times New Roman" pitchFamily="18" charset="0"/>
+                <a:sym typeface="Gill Sans" charset="0"/>
+              </a:rPr>
+              <a:t>k</a:t>
+            </a:r>
+            <a:r>
+              <a:rPr kumimoji="0" lang="en-GB" sz="3600" b="0" i="0" u="none" strike="noStrike" kern="1200" cap="none" spc="0" normalizeH="0" baseline="0" noProof="0" dirty="0">
+                <a:ln>
+                  <a:noFill/>
+                </a:ln>
+                <a:solidFill>
+                  <a:sysClr val="windowText" lastClr="000000"/>
+                </a:solidFill>
+                <a:effectLst/>
+                <a:uLnTx/>
+                <a:uFillTx/>
+                <a:latin typeface="Times New Roman" pitchFamily="18" charset="0"/>
+                <a:cs typeface="Times New Roman" pitchFamily="18" charset="0"/>
+                <a:sym typeface="Gill Sans" charset="0"/>
+              </a:rPr>
+              <a:t>-1</a:t>
+            </a:r>
+          </a:p>
+        </p:txBody>
+      </p:sp>
+      <p:sp>
+        <p:nvSpPr>
+          <p:cNvPr id="61" name="TextBox 60">
+            <a:extLst>
+              <a:ext uri="{FF2B5EF4-FFF2-40B4-BE49-F238E27FC236}">
+                <a16:creationId xmlns:a16="http://schemas.microsoft.com/office/drawing/2014/main" id="{D17E7369-7B7A-3438-3F1E-08ABE9FE5E70}"/>
+              </a:ext>
+            </a:extLst>
+          </p:cNvPr>
+          <p:cNvSpPr txBox="1"/>
           <p:nvPr/>
-        </p:nvPicPr>
-        <p:blipFill>
-          <a:blip r:embed="rId4"/>
-          <a:stretch>
-            <a:fillRect/>
-          </a:stretch>
-        </p:blipFill>
+        </p:nvSpPr>
         <p:spPr>
           <a:xfrm>
-            <a:off x="5896802" y="8948579"/>
-            <a:ext cx="5765801" cy="1104901"/>
+            <a:off x="13062980" y="13156616"/>
+            <a:ext cx="389849" cy="646331"/>
           </a:xfrm>
           <a:prstGeom prst="rect">
             <a:avLst/>
           </a:prstGeom>
-          <a:ln w="12700">
-            <a:miter lim="400000"/>
+          <a:noFill/>
+          <a:ln>
+            <a:noFill/>
           </a:ln>
         </p:spPr>
-      </p:pic>
-      <p:pic>
-        <p:nvPicPr>
-          <p:cNvPr id="4" name="Image" descr="Image">
+        <p:txBody>
+          <a:bodyPr wrap="none" rtlCol="0">
+            <a:spAutoFit/>
+          </a:bodyPr>
+          <a:lstStyle/>
+          <a:p>
+            <a:pPr marL="0" marR="0" lvl="0" indent="0" defTabSz="642915" eaLnBrk="1" fontAlgn="base" latinLnBrk="0" hangingPunct="1">
+              <a:lnSpc>
+                <a:spcPct val="100000"/>
+              </a:lnSpc>
+              <a:spcBef>
+                <a:spcPct val="0"/>
+              </a:spcBef>
+              <a:spcAft>
+                <a:spcPct val="0"/>
+              </a:spcAft>
+              <a:buClrTx/>
+              <a:buSzTx/>
+              <a:buFontTx/>
+              <a:buNone/>
+              <a:tabLst/>
+              <a:defRPr/>
+            </a:pPr>
+            <a:r>
+              <a:rPr kumimoji="0" lang="en-GB" sz="3600" b="0" i="1" u="none" strike="noStrike" kern="1200" cap="none" spc="0" normalizeH="0" baseline="0" noProof="0" dirty="0">
+                <a:ln>
+                  <a:noFill/>
+                </a:ln>
+                <a:solidFill>
+                  <a:sysClr val="windowText" lastClr="000000"/>
+                </a:solidFill>
+                <a:effectLst/>
+                <a:uLnTx/>
+                <a:uFillTx/>
+                <a:latin typeface="Times New Roman" pitchFamily="18" charset="0"/>
+                <a:cs typeface="Times New Roman" pitchFamily="18" charset="0"/>
+                <a:sym typeface="Gill Sans" charset="0"/>
+              </a:rPr>
+              <a:t>k</a:t>
+            </a:r>
+            <a:endParaRPr kumimoji="0" lang="en-GB" sz="3600" b="0" i="0" u="none" strike="noStrike" kern="1200" cap="none" spc="0" normalizeH="0" baseline="0" noProof="0" dirty="0">
+              <a:ln>
+                <a:noFill/>
+              </a:ln>
+              <a:solidFill>
+                <a:sysClr val="windowText" lastClr="000000"/>
+              </a:solidFill>
+              <a:effectLst/>
+              <a:uLnTx/>
+              <a:uFillTx/>
+              <a:latin typeface="Times New Roman" pitchFamily="18" charset="0"/>
+              <a:cs typeface="Times New Roman" pitchFamily="18" charset="0"/>
+              <a:sym typeface="Gill Sans" charset="0"/>
+            </a:endParaRPr>
+          </a:p>
+        </p:txBody>
+      </p:sp>
+      <p:cxnSp>
+        <p:nvCxnSpPr>
+          <p:cNvPr id="62" name="Straight Arrow Connector 61">
             <a:extLst>
               <a:ext uri="{FF2B5EF4-FFF2-40B4-BE49-F238E27FC236}">
-                <a16:creationId xmlns:a16="http://schemas.microsoft.com/office/drawing/2014/main" id="{AD266188-4538-5933-94DC-7DB1D4F2204B}"/>
+                <a16:creationId xmlns:a16="http://schemas.microsoft.com/office/drawing/2014/main" id="{28255F88-496E-7E31-A51F-81EDA0838B9A}"/>
               </a:ext>
             </a:extLst>
           </p:cNvPr>
-          <p:cNvPicPr>
-            <a:picLocks noChangeAspect="1"/>
-          </p:cNvPicPr>
+          <p:cNvCxnSpPr/>
           <p:nvPr/>
-        </p:nvPicPr>
-        <p:blipFill rotWithShape="1">
-          <a:blip r:embed="rId3"/>
-          <a:srcRect l="73219"/>
-          <a:stretch/>
-        </p:blipFill>
+        </p:nvCxnSpPr>
         <p:spPr>
           <a:xfrm>
-            <a:off x="1168923" y="10527562"/>
-            <a:ext cx="1533931" cy="546101"/>
+            <a:off x="13493569" y="9467444"/>
+            <a:ext cx="6093" cy="943327"/>
+          </a:xfrm>
+          <a:prstGeom prst="straightConnector1">
+            <a:avLst/>
+          </a:prstGeom>
+          <a:noFill/>
+          <a:ln w="9525" cap="flat" cmpd="sng" algn="ctr">
+            <a:solidFill>
+              <a:srgbClr val="000000"/>
+            </a:solidFill>
+            <a:prstDash val="solid"/>
+            <a:headEnd type="diamond" w="lg" len="lg"/>
+            <a:tailEnd type="diamond" w="lg" len="lg"/>
+          </a:ln>
+          <a:effectLst/>
+        </p:spPr>
+      </p:cxnSp>
+      <p:cxnSp>
+        <p:nvCxnSpPr>
+          <p:cNvPr id="63" name="Straight Arrow Connector 62">
+            <a:extLst>
+              <a:ext uri="{FF2B5EF4-FFF2-40B4-BE49-F238E27FC236}">
+                <a16:creationId xmlns:a16="http://schemas.microsoft.com/office/drawing/2014/main" id="{06250989-9936-58B1-660F-D4894D51BAE0}"/>
+              </a:ext>
+            </a:extLst>
+          </p:cNvPr>
+          <p:cNvCxnSpPr/>
+          <p:nvPr/>
+        </p:nvCxnSpPr>
+        <p:spPr>
+          <a:xfrm flipH="1">
+            <a:off x="13493569" y="10627724"/>
+            <a:ext cx="8588" cy="2400201"/>
+          </a:xfrm>
+          <a:prstGeom prst="straightConnector1">
+            <a:avLst/>
+          </a:prstGeom>
+          <a:noFill/>
+          <a:ln w="9525" cap="flat" cmpd="sng" algn="ctr">
+            <a:solidFill>
+              <a:srgbClr val="000000"/>
+            </a:solidFill>
+            <a:prstDash val="solid"/>
+            <a:headEnd type="diamond" w="lg" len="lg"/>
+            <a:tailEnd type="diamond" w="lg" len="lg"/>
+          </a:ln>
+          <a:effectLst/>
+        </p:spPr>
+      </p:cxnSp>
+      <p:sp>
+        <p:nvSpPr>
+          <p:cNvPr id="448" name="TextBox 447">
+            <a:extLst>
+              <a:ext uri="{FF2B5EF4-FFF2-40B4-BE49-F238E27FC236}">
+                <a16:creationId xmlns:a16="http://schemas.microsoft.com/office/drawing/2014/main" id="{EAAC25C5-C860-BA68-2DCA-CC58910015E8}"/>
+              </a:ext>
+            </a:extLst>
+          </p:cNvPr>
+          <p:cNvSpPr txBox="1"/>
+          <p:nvPr/>
+        </p:nvSpPr>
+        <p:spPr>
+          <a:xfrm>
+            <a:off x="13863402" y="9524719"/>
+            <a:ext cx="545343" cy="646331"/>
           </a:xfrm>
           <a:prstGeom prst="rect">
             <a:avLst/>
           </a:prstGeom>
-          <a:ln w="12700">
-            <a:miter lim="400000"/>
+          <a:noFill/>
+          <a:ln>
+            <a:noFill/>
           </a:ln>
         </p:spPr>
-      </p:pic>
-      <p:pic>
-        <p:nvPicPr>
-          <p:cNvPr id="5" name="Image" descr="Image">
+        <p:txBody>
+          <a:bodyPr wrap="none" rtlCol="0">
+            <a:spAutoFit/>
+          </a:bodyPr>
+          <a:lstStyle/>
+          <a:p>
+            <a:pPr marL="0" marR="0" lvl="0" indent="0" defTabSz="642915" eaLnBrk="1" fontAlgn="base" latinLnBrk="0" hangingPunct="1">
+              <a:lnSpc>
+                <a:spcPct val="100000"/>
+              </a:lnSpc>
+              <a:spcBef>
+                <a:spcPct val="0"/>
+              </a:spcBef>
+              <a:spcAft>
+                <a:spcPct val="0"/>
+              </a:spcAft>
+              <a:buClrTx/>
+              <a:buSzTx/>
+              <a:buFontTx/>
+              <a:buNone/>
+              <a:tabLst/>
+              <a:defRPr/>
+            </a:pPr>
+            <a:r>
+              <a:rPr kumimoji="0" lang="en-GB" sz="3600" b="0" i="1" u="none" strike="noStrike" kern="1200" cap="none" spc="0" normalizeH="0" baseline="0" noProof="0" dirty="0" err="1">
+                <a:ln>
+                  <a:noFill/>
+                </a:ln>
+                <a:solidFill>
+                  <a:sysClr val="windowText" lastClr="000000"/>
+                </a:solidFill>
+                <a:effectLst/>
+                <a:uLnTx/>
+                <a:uFillTx/>
+                <a:latin typeface="Symbol" pitchFamily="18" charset="2"/>
+                <a:cs typeface="Times New Roman" pitchFamily="18" charset="0"/>
+                <a:sym typeface="Gill Sans" charset="0"/>
+              </a:rPr>
+              <a:t>f</a:t>
+            </a:r>
+            <a:r>
+              <a:rPr kumimoji="0" lang="en-GB" sz="3600" b="0" i="1" u="none" strike="noStrike" kern="1200" cap="none" spc="0" normalizeH="0" baseline="-25000" noProof="0" dirty="0" err="1">
+                <a:ln>
+                  <a:noFill/>
+                </a:ln>
+                <a:solidFill>
+                  <a:sysClr val="windowText" lastClr="000000"/>
+                </a:solidFill>
+                <a:effectLst/>
+                <a:uLnTx/>
+                <a:uFillTx/>
+                <a:latin typeface="Times New Roman" pitchFamily="18" charset="0"/>
+                <a:cs typeface="Times New Roman" pitchFamily="18" charset="0"/>
+                <a:sym typeface="Gill Sans" charset="0"/>
+              </a:rPr>
+              <a:t>r</a:t>
+            </a:r>
+            <a:endParaRPr kumimoji="0" lang="en-GB" sz="3600" b="0" i="0" u="none" strike="noStrike" kern="1200" cap="none" spc="0" normalizeH="0" baseline="0" noProof="0" dirty="0">
+              <a:ln>
+                <a:noFill/>
+              </a:ln>
+              <a:solidFill>
+                <a:sysClr val="windowText" lastClr="000000"/>
+              </a:solidFill>
+              <a:effectLst/>
+              <a:uLnTx/>
+              <a:uFillTx/>
+              <a:latin typeface="Times New Roman" pitchFamily="18" charset="0"/>
+              <a:cs typeface="Times New Roman" pitchFamily="18" charset="0"/>
+              <a:sym typeface="Gill Sans" charset="0"/>
+            </a:endParaRPr>
+          </a:p>
+        </p:txBody>
+      </p:sp>
+      <p:sp>
+        <p:nvSpPr>
+          <p:cNvPr id="449" name="TextBox 448">
             <a:extLst>
               <a:ext uri="{FF2B5EF4-FFF2-40B4-BE49-F238E27FC236}">
-                <a16:creationId xmlns:a16="http://schemas.microsoft.com/office/drawing/2014/main" id="{4441452E-B6A4-868E-99CA-8A0E97C69520}"/>
+                <a16:creationId xmlns:a16="http://schemas.microsoft.com/office/drawing/2014/main" id="{0A6A15C4-9438-413C-CF18-8E3A3831DBD8}"/>
               </a:ext>
             </a:extLst>
           </p:cNvPr>
-          <p:cNvPicPr>
-            <a:picLocks noChangeAspect="1"/>
-          </p:cNvPicPr>
+          <p:cNvSpPr txBox="1"/>
           <p:nvPr/>
-        </p:nvPicPr>
-        <p:blipFill rotWithShape="1">
-          <a:blip r:embed="rId4"/>
-          <a:srcRect l="72240"/>
-          <a:stretch/>
-        </p:blipFill>
+        </p:nvSpPr>
         <p:spPr>
           <a:xfrm>
-            <a:off x="2779390" y="10248161"/>
-            <a:ext cx="1600571" cy="1104901"/>
+            <a:off x="13834267" y="11232749"/>
+            <a:ext cx="971741" cy="646331"/>
           </a:xfrm>
           <a:prstGeom prst="rect">
             <a:avLst/>
           </a:prstGeom>
-          <a:ln w="12700">
-            <a:miter lim="400000"/>
+          <a:noFill/>
+          <a:ln>
+            <a:noFill/>
           </a:ln>
         </p:spPr>
-      </p:pic>
+        <p:txBody>
+          <a:bodyPr wrap="none" rtlCol="0">
+            <a:spAutoFit/>
+          </a:bodyPr>
+          <a:lstStyle/>
+          <a:p>
+            <a:pPr marL="0" marR="0" lvl="0" indent="0" defTabSz="642915" eaLnBrk="1" fontAlgn="base" latinLnBrk="0" hangingPunct="1">
+              <a:lnSpc>
+                <a:spcPct val="100000"/>
+              </a:lnSpc>
+              <a:spcBef>
+                <a:spcPct val="0"/>
+              </a:spcBef>
+              <a:spcAft>
+                <a:spcPct val="0"/>
+              </a:spcAft>
+              <a:buClrTx/>
+              <a:buSzTx/>
+              <a:buFontTx/>
+              <a:buNone/>
+              <a:tabLst/>
+              <a:defRPr/>
+            </a:pPr>
+            <a:r>
+              <a:rPr kumimoji="0" lang="en-GB" sz="3600" b="0" i="1" u="none" strike="noStrike" kern="1200" cap="none" spc="0" normalizeH="0" baseline="0" noProof="0" dirty="0" err="1">
+                <a:ln>
+                  <a:noFill/>
+                </a:ln>
+                <a:solidFill>
+                  <a:sysClr val="windowText" lastClr="000000"/>
+                </a:solidFill>
+                <a:effectLst/>
+                <a:uLnTx/>
+                <a:uFillTx/>
+                <a:latin typeface="Symbol" pitchFamily="18" charset="2"/>
+                <a:cs typeface="Times New Roman" pitchFamily="18" charset="0"/>
+                <a:sym typeface="Gill Sans" charset="0"/>
+              </a:rPr>
+              <a:t>w</a:t>
+            </a:r>
+            <a:r>
+              <a:rPr kumimoji="0" lang="en-GB" sz="3600" b="0" i="1" u="none" strike="noStrike" kern="1200" cap="none" spc="0" normalizeH="0" baseline="-25000" noProof="0" dirty="0" err="1">
+                <a:ln>
+                  <a:noFill/>
+                </a:ln>
+                <a:solidFill>
+                  <a:sysClr val="windowText" lastClr="000000"/>
+                </a:solidFill>
+                <a:effectLst/>
+                <a:uLnTx/>
+                <a:uFillTx/>
+                <a:latin typeface="Times New Roman" pitchFamily="18" charset="0"/>
+                <a:cs typeface="Times New Roman" pitchFamily="18" charset="0"/>
+                <a:sym typeface="Gill Sans" charset="0"/>
+              </a:rPr>
+              <a:t>k</a:t>
+            </a:r>
+            <a:r>
+              <a:rPr kumimoji="0" lang="en-GB" sz="3600" b="0" i="1" u="none" strike="noStrike" kern="1200" cap="none" spc="0" normalizeH="0" baseline="0" noProof="0" dirty="0" err="1">
+                <a:ln>
+                  <a:noFill/>
+                </a:ln>
+                <a:solidFill>
+                  <a:sysClr val="windowText" lastClr="000000"/>
+                </a:solidFill>
+                <a:effectLst/>
+                <a:uLnTx/>
+                <a:uFillTx/>
+                <a:latin typeface="Times New Roman" pitchFamily="18" charset="0"/>
+                <a:cs typeface="Times New Roman" pitchFamily="18" charset="0"/>
+                <a:sym typeface="Gill Sans" charset="0"/>
+              </a:rPr>
+              <a:t>H</a:t>
+            </a:r>
+            <a:endParaRPr kumimoji="0" lang="en-GB" sz="3600" b="0" i="0" u="none" strike="noStrike" kern="1200" cap="none" spc="0" normalizeH="0" baseline="0" noProof="0" dirty="0">
+              <a:ln>
+                <a:noFill/>
+              </a:ln>
+              <a:solidFill>
+                <a:sysClr val="windowText" lastClr="000000"/>
+              </a:solidFill>
+              <a:effectLst/>
+              <a:uLnTx/>
+              <a:uFillTx/>
+              <a:latin typeface="Times New Roman" pitchFamily="18" charset="0"/>
+              <a:cs typeface="Times New Roman" pitchFamily="18" charset="0"/>
+              <a:sym typeface="Gill Sans" charset="0"/>
+            </a:endParaRPr>
+          </a:p>
+        </p:txBody>
+      </p:sp>
+      <p:sp>
+        <p:nvSpPr>
+          <p:cNvPr id="450" name="TextBox 449">
+            <a:extLst>
+              <a:ext uri="{FF2B5EF4-FFF2-40B4-BE49-F238E27FC236}">
+                <a16:creationId xmlns:a16="http://schemas.microsoft.com/office/drawing/2014/main" id="{E7C9249A-7CC4-8D65-41DF-125AC29852CD}"/>
+              </a:ext>
+            </a:extLst>
+          </p:cNvPr>
+          <p:cNvSpPr txBox="1"/>
+          <p:nvPr/>
+        </p:nvSpPr>
+        <p:spPr>
+          <a:xfrm>
+            <a:off x="9368509" y="13175575"/>
+            <a:ext cx="2833149" cy="646331"/>
+          </a:xfrm>
+          <a:prstGeom prst="rect">
+            <a:avLst/>
+          </a:prstGeom>
+          <a:noFill/>
+          <a:ln>
+            <a:noFill/>
+          </a:ln>
+        </p:spPr>
+        <p:txBody>
+          <a:bodyPr wrap="none" rtlCol="0">
+            <a:spAutoFit/>
+          </a:bodyPr>
+          <a:lstStyle/>
+          <a:p>
+            <a:pPr marL="0" marR="0" lvl="0" indent="0" defTabSz="642915" eaLnBrk="1" fontAlgn="base" latinLnBrk="0" hangingPunct="1">
+              <a:lnSpc>
+                <a:spcPct val="100000"/>
+              </a:lnSpc>
+              <a:spcBef>
+                <a:spcPct val="0"/>
+              </a:spcBef>
+              <a:spcAft>
+                <a:spcPct val="0"/>
+              </a:spcAft>
+              <a:buClrTx/>
+              <a:buSzTx/>
+              <a:buFontTx/>
+              <a:buNone/>
+              <a:tabLst/>
+              <a:defRPr/>
+            </a:pPr>
+            <a:r>
+              <a:rPr kumimoji="0" lang="en-GB" sz="3600" b="0" i="0" u="none" strike="noStrike" kern="1200" cap="none" spc="0" normalizeH="0" baseline="0" noProof="0" dirty="0">
+                <a:ln>
+                  <a:noFill/>
+                </a:ln>
+                <a:solidFill>
+                  <a:sysClr val="windowText" lastClr="000000"/>
+                </a:solidFill>
+                <a:effectLst/>
+                <a:uLnTx/>
+                <a:uFillTx/>
+                <a:latin typeface="Gill Sans" charset="0"/>
+                <a:sym typeface="Gill Sans" charset="0"/>
+              </a:rPr>
+              <a:t>Frequency bin</a:t>
+            </a:r>
+            <a:endParaRPr kumimoji="0" lang="en-US" sz="3600" b="0" i="0" u="none" strike="noStrike" kern="1200" cap="none" spc="0" normalizeH="0" baseline="0" noProof="0" dirty="0">
+              <a:ln>
+                <a:noFill/>
+              </a:ln>
+              <a:solidFill>
+                <a:sysClr val="windowText" lastClr="000000"/>
+              </a:solidFill>
+              <a:effectLst/>
+              <a:uLnTx/>
+              <a:uFillTx/>
+              <a:latin typeface="Gill Sans" charset="0"/>
+              <a:sym typeface="Gill Sans" charset="0"/>
+            </a:endParaRPr>
+          </a:p>
+        </p:txBody>
+      </p:sp>
+      <p:sp>
+        <p:nvSpPr>
+          <p:cNvPr id="451" name="TextBox 450">
+            <a:extLst>
+              <a:ext uri="{FF2B5EF4-FFF2-40B4-BE49-F238E27FC236}">
+                <a16:creationId xmlns:a16="http://schemas.microsoft.com/office/drawing/2014/main" id="{AF8A757C-7E36-0314-93DB-4F4D8FB2FE3D}"/>
+              </a:ext>
+            </a:extLst>
+          </p:cNvPr>
+          <p:cNvSpPr txBox="1"/>
+          <p:nvPr/>
+        </p:nvSpPr>
+        <p:spPr>
+          <a:xfrm>
+            <a:off x="5490047" y="9527362"/>
+            <a:ext cx="1297152" cy="646331"/>
+          </a:xfrm>
+          <a:prstGeom prst="rect">
+            <a:avLst/>
+          </a:prstGeom>
+          <a:noFill/>
+          <a:ln>
+            <a:noFill/>
+          </a:ln>
+        </p:spPr>
+        <p:txBody>
+          <a:bodyPr wrap="none" rtlCol="0">
+            <a:spAutoFit/>
+          </a:bodyPr>
+          <a:lstStyle/>
+          <a:p>
+            <a:pPr marL="0" marR="0" lvl="0" indent="0" defTabSz="642915" eaLnBrk="1" fontAlgn="base" latinLnBrk="0" hangingPunct="1">
+              <a:lnSpc>
+                <a:spcPct val="100000"/>
+              </a:lnSpc>
+              <a:spcBef>
+                <a:spcPct val="0"/>
+              </a:spcBef>
+              <a:spcAft>
+                <a:spcPct val="0"/>
+              </a:spcAft>
+              <a:buClrTx/>
+              <a:buSzTx/>
+              <a:buFontTx/>
+              <a:buNone/>
+              <a:tabLst/>
+              <a:defRPr/>
+            </a:pPr>
+            <a:r>
+              <a:rPr kumimoji="0" lang="en-GB" sz="3600" b="0" i="0" u="none" strike="noStrike" kern="1200" cap="none" spc="0" normalizeH="0" baseline="0" noProof="0" dirty="0">
+                <a:ln>
+                  <a:noFill/>
+                </a:ln>
+                <a:solidFill>
+                  <a:sysClr val="windowText" lastClr="000000"/>
+                </a:solidFill>
+                <a:effectLst/>
+                <a:uLnTx/>
+                <a:uFillTx/>
+                <a:latin typeface="Gill Sans" charset="0"/>
+                <a:sym typeface="Gill Sans" charset="0"/>
+              </a:rPr>
+              <a:t>Phase</a:t>
+            </a:r>
+            <a:endParaRPr kumimoji="0" lang="en-US" sz="3600" b="0" i="0" u="none" strike="noStrike" kern="1200" cap="none" spc="0" normalizeH="0" baseline="0" noProof="0" dirty="0">
+              <a:ln>
+                <a:noFill/>
+              </a:ln>
+              <a:solidFill>
+                <a:sysClr val="windowText" lastClr="000000"/>
+              </a:solidFill>
+              <a:effectLst/>
+              <a:uLnTx/>
+              <a:uFillTx/>
+              <a:latin typeface="Gill Sans" charset="0"/>
+              <a:sym typeface="Gill Sans" charset="0"/>
+            </a:endParaRPr>
+          </a:p>
+        </p:txBody>
+      </p:sp>
+      <p:sp>
+        <p:nvSpPr>
+          <p:cNvPr id="452" name="Rectangle 451">
+            <a:extLst>
+              <a:ext uri="{FF2B5EF4-FFF2-40B4-BE49-F238E27FC236}">
+                <a16:creationId xmlns:a16="http://schemas.microsoft.com/office/drawing/2014/main" id="{3785E839-9336-A54B-711B-63E43828B280}"/>
+              </a:ext>
+            </a:extLst>
+          </p:cNvPr>
+          <p:cNvSpPr/>
+          <p:nvPr/>
+        </p:nvSpPr>
+        <p:spPr>
+          <a:xfrm>
+            <a:off x="15384796" y="9395515"/>
+            <a:ext cx="8999204" cy="3539431"/>
+          </a:xfrm>
+          <a:prstGeom prst="rect">
+            <a:avLst/>
+          </a:prstGeom>
+        </p:spPr>
+        <p:txBody>
+          <a:bodyPr wrap="square">
+            <a:spAutoFit/>
+          </a:bodyPr>
+          <a:lstStyle/>
+          <a:p>
+            <a:pPr marL="0" marR="0" lvl="0" indent="0" algn="l" defTabSz="642915" eaLnBrk="1" fontAlgn="base" latinLnBrk="0" hangingPunct="1">
+              <a:lnSpc>
+                <a:spcPct val="100000"/>
+              </a:lnSpc>
+              <a:spcBef>
+                <a:spcPct val="0"/>
+              </a:spcBef>
+              <a:spcAft>
+                <a:spcPct val="0"/>
+              </a:spcAft>
+              <a:buClrTx/>
+              <a:buSzTx/>
+              <a:buFontTx/>
+              <a:buNone/>
+              <a:tabLst/>
+              <a:defRPr/>
+            </a:pPr>
+            <a:r>
+              <a:rPr kumimoji="0" lang="en-US" sz="3200" b="0" i="0" u="none" strike="noStrike" kern="1200" cap="none" spc="0" normalizeH="0" baseline="0" noProof="0" dirty="0">
+                <a:ln>
+                  <a:noFill/>
+                </a:ln>
+                <a:solidFill>
+                  <a:sysClr val="windowText" lastClr="000000"/>
+                </a:solidFill>
+                <a:effectLst/>
+                <a:uLnTx/>
+                <a:uFillTx/>
+                <a:latin typeface="Arial"/>
+                <a:ea typeface="Times New Roman"/>
+                <a:sym typeface="Gill Sans" charset="0"/>
+              </a:rPr>
+              <a:t>Instantaneous frequency represented by gradient of dashed line</a:t>
+            </a:r>
+          </a:p>
+          <a:p>
+            <a:pPr marL="0" marR="0" lvl="0" indent="0" algn="l" defTabSz="642915" eaLnBrk="1" fontAlgn="base" latinLnBrk="0" hangingPunct="1">
+              <a:lnSpc>
+                <a:spcPct val="100000"/>
+              </a:lnSpc>
+              <a:spcBef>
+                <a:spcPct val="0"/>
+              </a:spcBef>
+              <a:spcAft>
+                <a:spcPct val="0"/>
+              </a:spcAft>
+              <a:buClrTx/>
+              <a:buSzTx/>
+              <a:buFontTx/>
+              <a:buNone/>
+              <a:tabLst/>
+              <a:defRPr/>
+            </a:pPr>
+            <a:endParaRPr kumimoji="0" lang="en-US" sz="3200" b="0" i="0" u="none" strike="noStrike" kern="1200" cap="none" spc="0" normalizeH="0" baseline="0" noProof="0" dirty="0">
+              <a:ln>
+                <a:noFill/>
+              </a:ln>
+              <a:solidFill>
+                <a:sysClr val="windowText" lastClr="000000"/>
+              </a:solidFill>
+              <a:effectLst/>
+              <a:uLnTx/>
+              <a:uFillTx/>
+              <a:latin typeface="Arial"/>
+              <a:ea typeface="Times New Roman"/>
+              <a:sym typeface="Gill Sans" charset="0"/>
+            </a:endParaRPr>
+          </a:p>
+          <a:p>
+            <a:pPr marL="0" marR="0" lvl="0" indent="0" algn="l" defTabSz="642915" eaLnBrk="1" fontAlgn="base" latinLnBrk="0" hangingPunct="1">
+              <a:lnSpc>
+                <a:spcPct val="100000"/>
+              </a:lnSpc>
+              <a:spcBef>
+                <a:spcPct val="0"/>
+              </a:spcBef>
+              <a:spcAft>
+                <a:spcPct val="0"/>
+              </a:spcAft>
+              <a:buClrTx/>
+              <a:buSzTx/>
+              <a:buFontTx/>
+              <a:buNone/>
+              <a:tabLst/>
+              <a:defRPr/>
+            </a:pPr>
+            <a:r>
+              <a:rPr kumimoji="0" lang="en-US" sz="3200" b="0" i="0" u="none" strike="noStrike" kern="1200" cap="none" spc="0" normalizeH="0" baseline="0" noProof="0" dirty="0">
+                <a:ln>
+                  <a:noFill/>
+                </a:ln>
+                <a:solidFill>
+                  <a:sysClr val="windowText" lastClr="000000"/>
+                </a:solidFill>
+                <a:effectLst/>
+                <a:uLnTx/>
+                <a:uFillTx/>
+                <a:latin typeface="Arial"/>
+                <a:ea typeface="Times New Roman"/>
+                <a:sym typeface="Gill Sans" charset="0"/>
+              </a:rPr>
+              <a:t>Bin frequency is gradient of solid line. </a:t>
+            </a:r>
+          </a:p>
+          <a:p>
+            <a:pPr marL="0" marR="0" lvl="0" indent="0" algn="l" defTabSz="642915" eaLnBrk="1" fontAlgn="base" latinLnBrk="0" hangingPunct="1">
+              <a:lnSpc>
+                <a:spcPct val="100000"/>
+              </a:lnSpc>
+              <a:spcBef>
+                <a:spcPct val="0"/>
+              </a:spcBef>
+              <a:spcAft>
+                <a:spcPct val="0"/>
+              </a:spcAft>
+              <a:buClrTx/>
+              <a:buSzTx/>
+              <a:buFontTx/>
+              <a:buNone/>
+              <a:tabLst/>
+              <a:defRPr/>
+            </a:pPr>
+            <a:endParaRPr kumimoji="0" lang="en-US" sz="3200" b="0" i="0" u="none" strike="noStrike" kern="1200" cap="none" spc="0" normalizeH="0" baseline="0" noProof="0" dirty="0">
+              <a:ln>
+                <a:noFill/>
+              </a:ln>
+              <a:solidFill>
+                <a:sysClr val="windowText" lastClr="000000"/>
+              </a:solidFill>
+              <a:effectLst/>
+              <a:uLnTx/>
+              <a:uFillTx/>
+              <a:latin typeface="Arial"/>
+              <a:sym typeface="Gill Sans" charset="0"/>
+            </a:endParaRPr>
+          </a:p>
+          <a:p>
+            <a:pPr marL="0" marR="0" lvl="0" indent="0" algn="l" defTabSz="642915" eaLnBrk="1" fontAlgn="base" latinLnBrk="0" hangingPunct="1">
+              <a:lnSpc>
+                <a:spcPct val="100000"/>
+              </a:lnSpc>
+              <a:spcBef>
+                <a:spcPct val="0"/>
+              </a:spcBef>
+              <a:spcAft>
+                <a:spcPct val="0"/>
+              </a:spcAft>
+              <a:buClrTx/>
+              <a:buSzTx/>
+              <a:buFontTx/>
+              <a:buNone/>
+              <a:tabLst/>
+              <a:defRPr/>
+            </a:pPr>
+            <a:r>
+              <a:rPr kumimoji="0" lang="en-GB" sz="3200" b="0" i="1" u="none" strike="noStrike" kern="1200" cap="none" spc="0" normalizeH="0" baseline="0" noProof="0" dirty="0">
+                <a:ln>
+                  <a:noFill/>
+                </a:ln>
+                <a:solidFill>
+                  <a:sysClr val="windowText" lastClr="000000"/>
+                </a:solidFill>
+                <a:effectLst/>
+                <a:uLnTx/>
+                <a:uFillTx/>
+                <a:latin typeface="Symbol" pitchFamily="18" charset="2"/>
+                <a:cs typeface="Times New Roman" pitchFamily="18" charset="0"/>
+                <a:sym typeface="Gill Sans" charset="0"/>
+              </a:rPr>
+              <a:t>F</a:t>
+            </a:r>
+            <a:r>
+              <a:rPr kumimoji="0" lang="en-GB" sz="3200" b="0" i="1" u="none" strike="noStrike" kern="1200" cap="none" spc="0" normalizeH="0" baseline="-25000" noProof="0" dirty="0">
+                <a:ln>
+                  <a:noFill/>
+                </a:ln>
+                <a:solidFill>
+                  <a:sysClr val="windowText" lastClr="000000"/>
+                </a:solidFill>
+                <a:effectLst/>
+                <a:uLnTx/>
+                <a:uFillTx/>
+                <a:latin typeface="Times New Roman" pitchFamily="18" charset="0"/>
+                <a:cs typeface="Times New Roman" pitchFamily="18" charset="0"/>
+                <a:sym typeface="Gill Sans" charset="0"/>
+              </a:rPr>
+              <a:t>e </a:t>
+            </a:r>
+            <a:r>
+              <a:rPr kumimoji="0" lang="en-GB" sz="3200" b="0" i="0" u="none" strike="noStrike" kern="1200" cap="none" spc="0" normalizeH="0" baseline="0" noProof="0" dirty="0">
+                <a:ln>
+                  <a:noFill/>
+                </a:ln>
+                <a:solidFill>
+                  <a:sysClr val="windowText" lastClr="000000"/>
+                </a:solidFill>
+                <a:effectLst/>
+                <a:uLnTx/>
+                <a:uFillTx/>
+                <a:latin typeface="Times New Roman" pitchFamily="18" charset="0"/>
+                <a:cs typeface="Times New Roman" pitchFamily="18" charset="0"/>
+                <a:sym typeface="Gill Sans" charset="0"/>
+              </a:rPr>
+              <a:t>– expected phase</a:t>
+            </a:r>
+          </a:p>
+          <a:p>
+            <a:pPr marL="0" marR="0" lvl="0" indent="0" algn="l" defTabSz="642915" eaLnBrk="1" fontAlgn="base" latinLnBrk="0" hangingPunct="1">
+              <a:lnSpc>
+                <a:spcPct val="100000"/>
+              </a:lnSpc>
+              <a:spcBef>
+                <a:spcPct val="0"/>
+              </a:spcBef>
+              <a:spcAft>
+                <a:spcPct val="0"/>
+              </a:spcAft>
+              <a:buClrTx/>
+              <a:buSzTx/>
+              <a:buFontTx/>
+              <a:buNone/>
+              <a:tabLst/>
+              <a:defRPr/>
+            </a:pPr>
+            <a:r>
+              <a:rPr kumimoji="0" lang="en-GB" sz="3200" b="0" i="1" u="none" strike="noStrike" kern="1200" cap="none" spc="0" normalizeH="0" baseline="0" noProof="0" dirty="0">
+                <a:ln>
+                  <a:noFill/>
+                </a:ln>
+                <a:solidFill>
+                  <a:sysClr val="windowText" lastClr="000000"/>
+                </a:solidFill>
+                <a:effectLst/>
+                <a:uLnTx/>
+                <a:uFillTx/>
+                <a:latin typeface="Symbol" pitchFamily="18" charset="2"/>
+                <a:cs typeface="Times New Roman" pitchFamily="18" charset="0"/>
+                <a:sym typeface="Gill Sans" charset="0"/>
+              </a:rPr>
+              <a:t>F</a:t>
+            </a:r>
+            <a:r>
+              <a:rPr kumimoji="0" lang="en-GB" sz="3200" b="0" i="1" u="none" strike="noStrike" kern="1200" cap="none" spc="0" normalizeH="0" baseline="-25000" noProof="0" dirty="0">
+                <a:ln>
+                  <a:noFill/>
+                </a:ln>
+                <a:solidFill>
+                  <a:sysClr val="windowText" lastClr="000000"/>
+                </a:solidFill>
+                <a:effectLst/>
+                <a:uLnTx/>
+                <a:uFillTx/>
+                <a:latin typeface="Times New Roman" pitchFamily="18" charset="0"/>
+                <a:cs typeface="Times New Roman" pitchFamily="18" charset="0"/>
+                <a:sym typeface="Gill Sans" charset="0"/>
+              </a:rPr>
+              <a:t>r </a:t>
+            </a:r>
+            <a:r>
+              <a:rPr kumimoji="0" lang="en-GB" sz="3200" b="0" i="0" u="none" strike="noStrike" kern="1200" cap="none" spc="0" normalizeH="0" baseline="0" noProof="0" dirty="0">
+                <a:ln>
+                  <a:noFill/>
+                </a:ln>
+                <a:solidFill>
+                  <a:sysClr val="windowText" lastClr="000000"/>
+                </a:solidFill>
+                <a:effectLst/>
+                <a:uLnTx/>
+                <a:uFillTx/>
+                <a:latin typeface="Times New Roman" pitchFamily="18" charset="0"/>
+                <a:cs typeface="Times New Roman" pitchFamily="18" charset="0"/>
+                <a:sym typeface="Gill Sans" charset="0"/>
+              </a:rPr>
+              <a:t>–phase deviation</a:t>
+            </a:r>
+          </a:p>
+        </p:txBody>
+      </p:sp>
+      <p:sp>
+        <p:nvSpPr>
+          <p:cNvPr id="453" name="TextBox 452">
+            <a:extLst>
+              <a:ext uri="{FF2B5EF4-FFF2-40B4-BE49-F238E27FC236}">
+                <a16:creationId xmlns:a16="http://schemas.microsoft.com/office/drawing/2014/main" id="{981D0560-6D9B-8291-DB6A-EFF8AD2B900C}"/>
+              </a:ext>
+            </a:extLst>
+          </p:cNvPr>
+          <p:cNvSpPr txBox="1"/>
+          <p:nvPr/>
+        </p:nvSpPr>
+        <p:spPr>
+          <a:xfrm>
+            <a:off x="6568558" y="9192455"/>
+            <a:ext cx="1608890" cy="646331"/>
+          </a:xfrm>
+          <a:prstGeom prst="rect">
+            <a:avLst/>
+          </a:prstGeom>
+          <a:noFill/>
+        </p:spPr>
+        <p:txBody>
+          <a:bodyPr wrap="square">
+            <a:spAutoFit/>
+          </a:bodyPr>
+          <a:lstStyle/>
+          <a:p>
+            <a:pPr marL="0" marR="0" lvl="0" indent="0" defTabSz="642915" eaLnBrk="1" fontAlgn="base" latinLnBrk="0" hangingPunct="1">
+              <a:lnSpc>
+                <a:spcPct val="100000"/>
+              </a:lnSpc>
+              <a:spcBef>
+                <a:spcPct val="0"/>
+              </a:spcBef>
+              <a:spcAft>
+                <a:spcPct val="0"/>
+              </a:spcAft>
+              <a:buClrTx/>
+              <a:buSzTx/>
+              <a:buFontTx/>
+              <a:buNone/>
+              <a:tabLst/>
+              <a:defRPr/>
+            </a:pPr>
+            <a:r>
+              <a:rPr kumimoji="0" lang="en-GB" sz="3600" b="0" i="1" u="none" strike="noStrike" kern="1200" cap="none" spc="0" normalizeH="0" baseline="0" noProof="0" dirty="0">
+                <a:ln>
+                  <a:noFill/>
+                </a:ln>
+                <a:solidFill>
+                  <a:sysClr val="windowText" lastClr="000000"/>
+                </a:solidFill>
+                <a:effectLst/>
+                <a:uLnTx/>
+                <a:uFillTx/>
+                <a:latin typeface="Symbol" pitchFamily="18" charset="2"/>
+                <a:cs typeface="Times New Roman" pitchFamily="18" charset="0"/>
+                <a:sym typeface="Gill Sans" charset="0"/>
+              </a:rPr>
+              <a:t>f</a:t>
+            </a:r>
+            <a:r>
+              <a:rPr kumimoji="0" lang="en-GB" sz="3600" b="0" i="0" u="none" strike="noStrike" kern="1200" cap="none" spc="0" normalizeH="0" baseline="0" noProof="0" dirty="0">
+                <a:ln>
+                  <a:noFill/>
+                </a:ln>
+                <a:solidFill>
+                  <a:sysClr val="windowText" lastClr="000000"/>
+                </a:solidFill>
+                <a:effectLst/>
+                <a:uLnTx/>
+                <a:uFillTx/>
+                <a:latin typeface="Symbol" pitchFamily="18" charset="2"/>
+                <a:cs typeface="Times New Roman" pitchFamily="18" charset="0"/>
+                <a:sym typeface="Gill Sans" charset="0"/>
+              </a:rPr>
+              <a:t>[</a:t>
+            </a:r>
+            <a:r>
+              <a:rPr kumimoji="0" lang="en-GB" sz="3600" b="0" i="1" u="none" strike="noStrike" kern="1200" cap="none" spc="0" normalizeH="0" baseline="0" noProof="0" dirty="0">
+                <a:ln>
+                  <a:noFill/>
+                </a:ln>
+                <a:solidFill>
+                  <a:sysClr val="windowText" lastClr="000000"/>
+                </a:solidFill>
+                <a:effectLst/>
+                <a:uLnTx/>
+                <a:uFillTx/>
+                <a:latin typeface="Times" panose="02020603050405020304" pitchFamily="18" charset="0"/>
+                <a:cs typeface="Times" panose="02020603050405020304" pitchFamily="18" charset="0"/>
+                <a:sym typeface="Gill Sans" charset="0"/>
+              </a:rPr>
+              <a:t>n</a:t>
+            </a:r>
+            <a:r>
+              <a:rPr kumimoji="0" lang="en-GB" sz="3600" b="0" i="0" u="none" strike="noStrike" kern="1200" cap="none" spc="0" normalizeH="0" baseline="0" noProof="0" dirty="0">
+                <a:ln>
+                  <a:noFill/>
+                </a:ln>
+                <a:solidFill>
+                  <a:sysClr val="windowText" lastClr="000000"/>
+                </a:solidFill>
+                <a:effectLst/>
+                <a:uLnTx/>
+                <a:uFillTx/>
+                <a:latin typeface="Symbol" pitchFamily="18" charset="2"/>
+                <a:cs typeface="Times New Roman" pitchFamily="18" charset="0"/>
+                <a:sym typeface="Gill Sans" charset="0"/>
+              </a:rPr>
+              <a:t>]</a:t>
+            </a:r>
+            <a:endParaRPr kumimoji="0" lang="en-GB" sz="3600" b="0" i="0" u="none" strike="noStrike" kern="1200" cap="none" spc="0" normalizeH="0" baseline="0" noProof="0" dirty="0">
+              <a:ln>
+                <a:noFill/>
+              </a:ln>
+              <a:solidFill>
+                <a:sysClr val="windowText" lastClr="000000"/>
+              </a:solidFill>
+              <a:effectLst/>
+              <a:uLnTx/>
+              <a:uFillTx/>
+              <a:latin typeface="Times New Roman" pitchFamily="18" charset="0"/>
+              <a:cs typeface="Times New Roman" pitchFamily="18" charset="0"/>
+              <a:sym typeface="Gill Sans" charset="0"/>
+            </a:endParaRPr>
+          </a:p>
+        </p:txBody>
+      </p:sp>
+      <p:sp>
+        <p:nvSpPr>
+          <p:cNvPr id="454" name="TextBox 453">
+            <a:extLst>
+              <a:ext uri="{FF2B5EF4-FFF2-40B4-BE49-F238E27FC236}">
+                <a16:creationId xmlns:a16="http://schemas.microsoft.com/office/drawing/2014/main" id="{AC324DB0-1583-0776-6174-5D2D6C5389D0}"/>
+              </a:ext>
+            </a:extLst>
+          </p:cNvPr>
+          <p:cNvSpPr txBox="1"/>
+          <p:nvPr/>
+        </p:nvSpPr>
+        <p:spPr>
+          <a:xfrm>
+            <a:off x="6173514" y="12492617"/>
+            <a:ext cx="2003934" cy="646331"/>
+          </a:xfrm>
+          <a:prstGeom prst="rect">
+            <a:avLst/>
+          </a:prstGeom>
+          <a:noFill/>
+        </p:spPr>
+        <p:txBody>
+          <a:bodyPr wrap="square">
+            <a:spAutoFit/>
+          </a:bodyPr>
+          <a:lstStyle/>
+          <a:p>
+            <a:pPr marL="0" marR="0" lvl="0" indent="0" defTabSz="642915" eaLnBrk="1" fontAlgn="base" latinLnBrk="0" hangingPunct="1">
+              <a:lnSpc>
+                <a:spcPct val="100000"/>
+              </a:lnSpc>
+              <a:spcBef>
+                <a:spcPct val="0"/>
+              </a:spcBef>
+              <a:spcAft>
+                <a:spcPct val="0"/>
+              </a:spcAft>
+              <a:buClrTx/>
+              <a:buSzTx/>
+              <a:buFontTx/>
+              <a:buNone/>
+              <a:tabLst/>
+              <a:defRPr/>
+            </a:pPr>
+            <a:r>
+              <a:rPr kumimoji="0" lang="en-GB" sz="3600" b="0" i="1" u="none" strike="noStrike" kern="1200" cap="none" spc="0" normalizeH="0" baseline="0" noProof="0" dirty="0">
+                <a:ln>
+                  <a:noFill/>
+                </a:ln>
+                <a:solidFill>
+                  <a:sysClr val="windowText" lastClr="000000"/>
+                </a:solidFill>
+                <a:effectLst/>
+                <a:uLnTx/>
+                <a:uFillTx/>
+                <a:latin typeface="Symbol" pitchFamily="18" charset="2"/>
+                <a:cs typeface="Times New Roman" pitchFamily="18" charset="0"/>
+                <a:sym typeface="Gill Sans" charset="0"/>
+              </a:rPr>
+              <a:t>f</a:t>
+            </a:r>
+            <a:r>
+              <a:rPr kumimoji="0" lang="en-GB" sz="3600" b="0" i="0" u="none" strike="noStrike" kern="1200" cap="none" spc="0" normalizeH="0" baseline="0" noProof="0" dirty="0">
+                <a:ln>
+                  <a:noFill/>
+                </a:ln>
+                <a:solidFill>
+                  <a:sysClr val="windowText" lastClr="000000"/>
+                </a:solidFill>
+                <a:effectLst/>
+                <a:uLnTx/>
+                <a:uFillTx/>
+                <a:latin typeface="Symbol" pitchFamily="18" charset="2"/>
+                <a:cs typeface="Times New Roman" pitchFamily="18" charset="0"/>
+                <a:sym typeface="Gill Sans" charset="0"/>
+              </a:rPr>
+              <a:t>[</a:t>
+            </a:r>
+            <a:r>
+              <a:rPr kumimoji="0" lang="en-GB" sz="3600" b="0" i="1" u="none" strike="noStrike" kern="1200" cap="none" spc="0" normalizeH="0" baseline="0" noProof="0" dirty="0">
+                <a:ln>
+                  <a:noFill/>
+                </a:ln>
+                <a:solidFill>
+                  <a:sysClr val="windowText" lastClr="000000"/>
+                </a:solidFill>
+                <a:effectLst/>
+                <a:uLnTx/>
+                <a:uFillTx/>
+                <a:latin typeface="Times" panose="02020603050405020304" pitchFamily="18" charset="0"/>
+                <a:cs typeface="Times" panose="02020603050405020304" pitchFamily="18" charset="0"/>
+                <a:sym typeface="Gill Sans" charset="0"/>
+              </a:rPr>
+              <a:t>n</a:t>
+            </a:r>
+            <a:r>
+              <a:rPr kumimoji="0" lang="en-GB" sz="3600" b="0" i="0" u="none" strike="noStrike" kern="1200" cap="none" spc="0" normalizeH="0" baseline="0" noProof="0" dirty="0">
+                <a:ln>
+                  <a:noFill/>
+                </a:ln>
+                <a:solidFill>
+                  <a:sysClr val="windowText" lastClr="000000"/>
+                </a:solidFill>
+                <a:effectLst/>
+                <a:uLnTx/>
+                <a:uFillTx/>
+                <a:latin typeface="Times" panose="02020603050405020304" pitchFamily="18" charset="0"/>
+                <a:cs typeface="Times" panose="02020603050405020304" pitchFamily="18" charset="0"/>
+                <a:sym typeface="Gill Sans" charset="0"/>
+              </a:rPr>
+              <a:t>-</a:t>
+            </a:r>
+            <a:r>
+              <a:rPr kumimoji="0" lang="en-GB" sz="3600" b="0" i="1" u="none" strike="noStrike" kern="1200" cap="none" spc="0" normalizeH="0" baseline="0" noProof="0" dirty="0">
+                <a:ln>
+                  <a:noFill/>
+                </a:ln>
+                <a:solidFill>
+                  <a:sysClr val="windowText" lastClr="000000"/>
+                </a:solidFill>
+                <a:effectLst/>
+                <a:uLnTx/>
+                <a:uFillTx/>
+                <a:latin typeface="Times" panose="02020603050405020304" pitchFamily="18" charset="0"/>
+                <a:cs typeface="Times" panose="02020603050405020304" pitchFamily="18" charset="0"/>
+                <a:sym typeface="Gill Sans" charset="0"/>
+              </a:rPr>
+              <a:t>H</a:t>
+            </a:r>
+            <a:r>
+              <a:rPr kumimoji="0" lang="en-GB" sz="3600" b="0" i="0" u="none" strike="noStrike" kern="1200" cap="none" spc="0" normalizeH="0" baseline="0" noProof="0" dirty="0">
+                <a:ln>
+                  <a:noFill/>
+                </a:ln>
+                <a:solidFill>
+                  <a:sysClr val="windowText" lastClr="000000"/>
+                </a:solidFill>
+                <a:effectLst/>
+                <a:uLnTx/>
+                <a:uFillTx/>
+                <a:latin typeface="Symbol" pitchFamily="18" charset="2"/>
+                <a:cs typeface="Times New Roman" pitchFamily="18" charset="0"/>
+                <a:sym typeface="Gill Sans" charset="0"/>
+              </a:rPr>
+              <a:t>]</a:t>
+            </a:r>
+            <a:endParaRPr kumimoji="0" lang="en-GB" sz="3600" b="0" i="0" u="none" strike="noStrike" kern="1200" cap="none" spc="0" normalizeH="0" baseline="0" noProof="0" dirty="0">
+              <a:ln>
+                <a:noFill/>
+              </a:ln>
+              <a:solidFill>
+                <a:sysClr val="windowText" lastClr="000000"/>
+              </a:solidFill>
+              <a:effectLst/>
+              <a:uLnTx/>
+              <a:uFillTx/>
+              <a:latin typeface="Times New Roman" pitchFamily="18" charset="0"/>
+              <a:cs typeface="Times New Roman" pitchFamily="18" charset="0"/>
+              <a:sym typeface="Gill Sans" charset="0"/>
+            </a:endParaRPr>
+          </a:p>
+        </p:txBody>
+      </p:sp>
+      <p:sp>
+        <p:nvSpPr>
+          <p:cNvPr id="455" name="TextBox 454">
+            <a:extLst>
+              <a:ext uri="{FF2B5EF4-FFF2-40B4-BE49-F238E27FC236}">
+                <a16:creationId xmlns:a16="http://schemas.microsoft.com/office/drawing/2014/main" id="{0AEF5A32-1DE6-C07D-6542-E16192C06ACD}"/>
+              </a:ext>
+            </a:extLst>
+          </p:cNvPr>
+          <p:cNvSpPr txBox="1"/>
+          <p:nvPr/>
+        </p:nvSpPr>
+        <p:spPr>
+          <a:xfrm>
+            <a:off x="6512292" y="10468362"/>
+            <a:ext cx="1608890" cy="646331"/>
+          </a:xfrm>
+          <a:prstGeom prst="rect">
+            <a:avLst/>
+          </a:prstGeom>
+          <a:noFill/>
+        </p:spPr>
+        <p:txBody>
+          <a:bodyPr wrap="square">
+            <a:spAutoFit/>
+          </a:bodyPr>
+          <a:lstStyle/>
+          <a:p>
+            <a:pPr marL="0" marR="0" lvl="0" indent="0" defTabSz="642915" eaLnBrk="1" fontAlgn="base" latinLnBrk="0" hangingPunct="1">
+              <a:lnSpc>
+                <a:spcPct val="100000"/>
+              </a:lnSpc>
+              <a:spcBef>
+                <a:spcPct val="0"/>
+              </a:spcBef>
+              <a:spcAft>
+                <a:spcPct val="0"/>
+              </a:spcAft>
+              <a:buClrTx/>
+              <a:buSzTx/>
+              <a:buFontTx/>
+              <a:buNone/>
+              <a:tabLst/>
+              <a:defRPr/>
+            </a:pPr>
+            <a:r>
+              <a:rPr kumimoji="0" lang="en-GB" sz="3600" b="0" i="1" u="none" strike="noStrike" kern="1200" cap="none" spc="0" normalizeH="0" baseline="0" noProof="0" dirty="0" err="1">
+                <a:ln>
+                  <a:noFill/>
+                </a:ln>
+                <a:solidFill>
+                  <a:sysClr val="windowText" lastClr="000000"/>
+                </a:solidFill>
+                <a:effectLst/>
+                <a:uLnTx/>
+                <a:uFillTx/>
+                <a:latin typeface="Symbol" pitchFamily="18" charset="2"/>
+                <a:cs typeface="Times New Roman" pitchFamily="18" charset="0"/>
+                <a:sym typeface="Gill Sans" charset="0"/>
+              </a:rPr>
+              <a:t>f</a:t>
+            </a:r>
+            <a:r>
+              <a:rPr kumimoji="0" lang="en-GB" sz="3600" b="0" i="1" u="none" strike="noStrike" kern="1200" cap="none" spc="0" normalizeH="0" baseline="-25000" noProof="0" dirty="0" err="1">
+                <a:ln>
+                  <a:noFill/>
+                </a:ln>
+                <a:solidFill>
+                  <a:sysClr val="windowText" lastClr="000000"/>
+                </a:solidFill>
+                <a:effectLst/>
+                <a:uLnTx/>
+                <a:uFillTx/>
+                <a:latin typeface="Times" panose="02020603050405020304" pitchFamily="18" charset="0"/>
+                <a:cs typeface="Times" panose="02020603050405020304" pitchFamily="18" charset="0"/>
+                <a:sym typeface="Gill Sans" charset="0"/>
+              </a:rPr>
+              <a:t>e</a:t>
+            </a:r>
+            <a:r>
+              <a:rPr kumimoji="0" lang="en-GB" sz="3600" b="0" i="0" u="none" strike="noStrike" kern="1200" cap="none" spc="0" normalizeH="0" baseline="0" noProof="0" dirty="0">
+                <a:ln>
+                  <a:noFill/>
+                </a:ln>
+                <a:solidFill>
+                  <a:sysClr val="windowText" lastClr="000000"/>
+                </a:solidFill>
+                <a:effectLst/>
+                <a:uLnTx/>
+                <a:uFillTx/>
+                <a:latin typeface="Symbol" pitchFamily="18" charset="2"/>
+                <a:cs typeface="Times New Roman" pitchFamily="18" charset="0"/>
+                <a:sym typeface="Gill Sans" charset="0"/>
+              </a:rPr>
+              <a:t>[</a:t>
+            </a:r>
+            <a:r>
+              <a:rPr kumimoji="0" lang="en-GB" sz="3600" b="0" i="1" u="none" strike="noStrike" kern="1200" cap="none" spc="0" normalizeH="0" baseline="0" noProof="0" dirty="0">
+                <a:ln>
+                  <a:noFill/>
+                </a:ln>
+                <a:solidFill>
+                  <a:sysClr val="windowText" lastClr="000000"/>
+                </a:solidFill>
+                <a:effectLst/>
+                <a:uLnTx/>
+                <a:uFillTx/>
+                <a:latin typeface="Times" panose="02020603050405020304" pitchFamily="18" charset="0"/>
+                <a:cs typeface="Times" panose="02020603050405020304" pitchFamily="18" charset="0"/>
+                <a:sym typeface="Gill Sans" charset="0"/>
+              </a:rPr>
+              <a:t>n</a:t>
+            </a:r>
+            <a:r>
+              <a:rPr kumimoji="0" lang="en-GB" sz="3600" b="0" i="0" u="none" strike="noStrike" kern="1200" cap="none" spc="0" normalizeH="0" baseline="0" noProof="0" dirty="0">
+                <a:ln>
+                  <a:noFill/>
+                </a:ln>
+                <a:solidFill>
+                  <a:sysClr val="windowText" lastClr="000000"/>
+                </a:solidFill>
+                <a:effectLst/>
+                <a:uLnTx/>
+                <a:uFillTx/>
+                <a:latin typeface="Symbol" pitchFamily="18" charset="2"/>
+                <a:cs typeface="Times New Roman" pitchFamily="18" charset="0"/>
+                <a:sym typeface="Gill Sans" charset="0"/>
+              </a:rPr>
+              <a:t>]</a:t>
+            </a:r>
+            <a:endParaRPr kumimoji="0" lang="en-GB" sz="3600" b="0" i="0" u="none" strike="noStrike" kern="1200" cap="none" spc="0" normalizeH="0" baseline="0" noProof="0" dirty="0">
+              <a:ln>
+                <a:noFill/>
+              </a:ln>
+              <a:solidFill>
+                <a:sysClr val="windowText" lastClr="000000"/>
+              </a:solidFill>
+              <a:effectLst/>
+              <a:uLnTx/>
+              <a:uFillTx/>
+              <a:latin typeface="Times New Roman" pitchFamily="18" charset="0"/>
+              <a:cs typeface="Times New Roman" pitchFamily="18" charset="0"/>
+              <a:sym typeface="Gill Sans" charset="0"/>
+            </a:endParaRPr>
+          </a:p>
+        </p:txBody>
+      </p:sp>
     </p:spTree>
   </p:cSld>
   <p:clrMapOvr>
@@ -20709,7 +19694,7 @@
                             </p:stCondLst>
                             <p:childTnLst>
                               <p:par>
-                                <p:cTn id="10" presetID="1" presetClass="entr" presetSubtype="0" fill="hold" grpId="2" nodeType="afterEffect">
+                                <p:cTn id="10" presetID="1" presetClass="entr" presetSubtype="0" fill="hold" grpId="1" nodeType="afterEffect">
                                   <p:stCondLst>
                                     <p:cond delay="0"/>
                                   </p:stCondLst>
@@ -20721,7 +19706,11 @@
                                       <p:cBhvr>
                                         <p:cTn id="11" fill="hold"/>
                                         <p:tgtEl>
-                                          <p:spTgt spid="491"/>
+                                          <p:spTgt spid="489">
+                                            <p:txEl>
+                                              <p:pRg st="2" end="2"/>
+                                            </p:txEl>
+                                          </p:spTgt>
                                         </p:tgtEl>
                                         <p:attrNameLst>
                                           <p:attrName>style.visibility</p:attrName>
@@ -20815,23 +19804,14 @@
                             </p:childTnLst>
                           </p:cTn>
                         </p:par>
-                      </p:childTnLst>
-                    </p:cTn>
-                  </p:par>
-                  <p:par>
-                    <p:cTn id="18" fill="hold">
-                      <p:stCondLst>
-                        <p:cond delay="indefinite"/>
-                      </p:stCondLst>
-                      <p:childTnLst>
                         <p:par>
-                          <p:cTn id="19" fill="hold">
+                          <p:cTn id="18" fill="hold">
                             <p:stCondLst>
                               <p:cond delay="0"/>
                             </p:stCondLst>
                             <p:childTnLst>
                               <p:par>
-                                <p:cTn id="20" presetID="1" presetClass="entr" presetSubtype="0" fill="hold" grpId="1" nodeType="clickEffect">
+                                <p:cTn id="19" presetID="1" presetClass="entr" presetSubtype="0" fill="hold" grpId="1" nodeType="afterEffect">
                                   <p:stCondLst>
                                     <p:cond delay="0"/>
                                   </p:stCondLst>
@@ -20841,7 +19821,7 @@
                                   <p:childTnLst>
                                     <p:set>
                                       <p:cBhvr>
-                                        <p:cTn id="21" fill="hold"/>
+                                        <p:cTn id="20" fill="hold"/>
                                         <p:tgtEl>
                                           <p:spTgt spid="489">
                                             <p:txEl>
@@ -20864,13 +19844,13 @@
                           </p:cTn>
                         </p:par>
                         <p:par>
-                          <p:cTn id="22" fill="hold">
+                          <p:cTn id="21" fill="hold">
                             <p:stCondLst>
                               <p:cond delay="0"/>
                             </p:stCondLst>
                             <p:childTnLst>
                               <p:par>
-                                <p:cTn id="23" presetID="1" presetClass="entr" presetSubtype="0" fill="hold" grpId="3" nodeType="afterEffect">
+                                <p:cTn id="22" presetID="1" presetClass="entr" presetSubtype="0" fill="hold" grpId="1" nodeType="afterEffect">
                                   <p:stCondLst>
                                     <p:cond delay="0"/>
                                   </p:stCondLst>
@@ -20880,51 +19860,7 @@
                                   <p:childTnLst>
                                     <p:set>
                                       <p:cBhvr>
-                                        <p:cTn id="24" fill="hold"/>
-                                        <p:tgtEl>
-                                          <p:spTgt spid="492"/>
-                                        </p:tgtEl>
-                                        <p:attrNameLst>
-                                          <p:attrName>style.visibility</p:attrName>
-                                        </p:attrNameLst>
-                                      </p:cBhvr>
-                                      <p:to>
-                                        <p:strVal val="visible"/>
-                                      </p:to>
-                                    </p:set>
-                                  </p:childTnLst>
-                                </p:cTn>
-                              </p:par>
-                            </p:childTnLst>
-                          </p:cTn>
-                        </p:par>
-                      </p:childTnLst>
-                    </p:cTn>
-                  </p:par>
-                  <p:par>
-                    <p:cTn id="25" fill="hold">
-                      <p:stCondLst>
-                        <p:cond delay="indefinite"/>
-                      </p:stCondLst>
-                      <p:childTnLst>
-                        <p:par>
-                          <p:cTn id="26" fill="hold">
-                            <p:stCondLst>
-                              <p:cond delay="0"/>
-                            </p:stCondLst>
-                            <p:childTnLst>
-                              <p:par>
-                                <p:cTn id="27" presetID="1" presetClass="entr" presetSubtype="0" fill="hold" grpId="1" nodeType="clickEffect">
-                                  <p:stCondLst>
-                                    <p:cond delay="0"/>
-                                  </p:stCondLst>
-                                  <p:iterate>
-                                    <p:tmAbs val="0"/>
-                                  </p:iterate>
-                                  <p:childTnLst>
-                                    <p:set>
-                                      <p:cBhvr>
-                                        <p:cTn id="28" fill="hold"/>
+                                        <p:cTn id="23" fill="hold"/>
                                         <p:tgtEl>
                                           <p:spTgt spid="489">
                                             <p:txEl>
@@ -20946,23 +19882,14 @@
                             </p:childTnLst>
                           </p:cTn>
                         </p:par>
-                      </p:childTnLst>
-                    </p:cTn>
-                  </p:par>
-                  <p:par>
-                    <p:cTn id="29" fill="hold">
-                      <p:stCondLst>
-                        <p:cond delay="indefinite"/>
-                      </p:stCondLst>
-                      <p:childTnLst>
                         <p:par>
-                          <p:cTn id="30" fill="hold">
+                          <p:cTn id="24" fill="hold">
                             <p:stCondLst>
                               <p:cond delay="0"/>
                             </p:stCondLst>
                             <p:childTnLst>
                               <p:par>
-                                <p:cTn id="31" presetID="1" presetClass="entr" presetSubtype="0" fill="hold" grpId="1" nodeType="clickEffect">
+                                <p:cTn id="25" presetID="1" presetClass="entr" presetSubtype="0" fill="hold" grpId="1" nodeType="afterEffect">
                                   <p:stCondLst>
                                     <p:cond delay="0"/>
                                   </p:stCondLst>
@@ -20972,7 +19899,7 @@
                                   <p:childTnLst>
                                     <p:set>
                                       <p:cBhvr>
-                                        <p:cTn id="32" fill="hold"/>
+                                        <p:cTn id="26" fill="hold"/>
                                         <p:tgtEl>
                                           <p:spTgt spid="489">
                                             <p:txEl>
@@ -20995,13 +19922,13 @@
                           </p:cTn>
                         </p:par>
                         <p:par>
-                          <p:cTn id="33" fill="hold">
+                          <p:cTn id="27" fill="hold">
                             <p:stCondLst>
                               <p:cond delay="0"/>
                             </p:stCondLst>
                             <p:childTnLst>
                               <p:par>
-                                <p:cTn id="34" presetID="1" presetClass="entr" presetSubtype="0" fill="hold" grpId="4" nodeType="afterEffect">
+                                <p:cTn id="28" presetID="1" presetClass="entr" presetSubtype="0" fill="hold" grpId="2" nodeType="afterEffect">
                                   <p:stCondLst>
                                     <p:cond delay="0"/>
                                   </p:stCondLst>
@@ -21011,127 +19938,9 @@
                                   <p:childTnLst>
                                     <p:set>
                                       <p:cBhvr>
-                                        <p:cTn id="35" fill="hold"/>
+                                        <p:cTn id="29" fill="hold"/>
                                         <p:tgtEl>
-                                          <p:spTgt spid="493"/>
-                                        </p:tgtEl>
-                                        <p:attrNameLst>
-                                          <p:attrName>style.visibility</p:attrName>
-                                        </p:attrNameLst>
-                                      </p:cBhvr>
-                                      <p:to>
-                                        <p:strVal val="visible"/>
-                                      </p:to>
-                                    </p:set>
-                                  </p:childTnLst>
-                                </p:cTn>
-                              </p:par>
-                            </p:childTnLst>
-                          </p:cTn>
-                        </p:par>
-                      </p:childTnLst>
-                    </p:cTn>
-                  </p:par>
-                  <p:par>
-                    <p:cTn id="36" fill="hold">
-                      <p:stCondLst>
-                        <p:cond delay="indefinite"/>
-                      </p:stCondLst>
-                      <p:childTnLst>
-                        <p:par>
-                          <p:cTn id="37" fill="hold">
-                            <p:stCondLst>
-                              <p:cond delay="0"/>
-                            </p:stCondLst>
-                            <p:childTnLst>
-                              <p:par>
-                                <p:cTn id="38" presetID="1" presetClass="entr" presetSubtype="0" fill="hold" grpId="1" nodeType="clickEffect">
-                                  <p:stCondLst>
-                                    <p:cond delay="0"/>
-                                  </p:stCondLst>
-                                  <p:iterate>
-                                    <p:tmAbs val="0"/>
-                                  </p:iterate>
-                                  <p:childTnLst>
-                                    <p:set>
-                                      <p:cBhvr>
-                                        <p:cTn id="39" fill="hold"/>
-                                        <p:tgtEl>
-                                          <p:spTgt spid="489">
-                                            <p:txEl>
-                                              <p:pRg st="10" end="10"/>
-                                            </p:txEl>
-                                          </p:spTgt>
-                                        </p:tgtEl>
-                                        <p:attrNameLst>
-                                          <p:attrName>style.visibility</p:attrName>
-                                        </p:attrNameLst>
-                                      </p:cBhvr>
-                                      <p:to>
-                                        <p:strVal val="visible"/>
-                                      </p:to>
-                                    </p:set>
-                                  </p:childTnLst>
-                                </p:cTn>
-                              </p:par>
-                            </p:childTnLst>
-                          </p:cTn>
-                        </p:par>
-                        <p:par>
-                          <p:cTn id="40" fill="hold">
-                            <p:stCondLst>
-                              <p:cond delay="0"/>
-                            </p:stCondLst>
-                            <p:childTnLst>
-                              <p:par>
-                                <p:cTn id="41" presetID="1" presetClass="entr" presetSubtype="0" fill="hold" grpId="0" nodeType="afterEffect">
-                                  <p:stCondLst>
-                                    <p:cond delay="0"/>
-                                  </p:stCondLst>
-                                  <p:iterate>
-                                    <p:tmAbs val="0"/>
-                                  </p:iterate>
-                                  <p:childTnLst>
-                                    <p:set>
-                                      <p:cBhvr>
-                                        <p:cTn id="42" fill="hold"/>
-                                        <p:tgtEl>
-                                          <p:spTgt spid="4"/>
-                                        </p:tgtEl>
-                                        <p:attrNameLst>
-                                          <p:attrName>style.visibility</p:attrName>
-                                        </p:attrNameLst>
-                                      </p:cBhvr>
-                                      <p:to>
-                                        <p:strVal val="visible"/>
-                                      </p:to>
-                                    </p:set>
-                                  </p:childTnLst>
-                                </p:cTn>
-                              </p:par>
-                            </p:childTnLst>
-                          </p:cTn>
-                        </p:par>
-                        <p:par>
-                          <p:cTn id="43" fill="hold">
-                            <p:stCondLst>
-                              <p:cond delay="0"/>
-                            </p:stCondLst>
-                            <p:childTnLst>
-                              <p:par>
-                                <p:cTn id="44" presetID="1" presetClass="entr" presetSubtype="0" fill="hold" grpId="0" nodeType="afterEffect">
-                                  <p:stCondLst>
-                                    <p:cond delay="0"/>
-                                  </p:stCondLst>
-                                  <p:iterate>
-                                    <p:tmAbs val="0"/>
-                                  </p:iterate>
-                                  <p:childTnLst>
-                                    <p:set>
-                                      <p:cBhvr>
-                                        <p:cTn id="45" fill="hold"/>
-                                        <p:tgtEl>
-                                          <p:spTgt spid="5"/>
+                                          <p:spTgt spid="491"/>
                                         </p:tgtEl>
                                         <p:attrNameLst>
                                           <p:attrName>style.visibility</p:attrName>
@@ -21174,10 +19983,6 @@
     <p:bldLst>
       <p:bldP spid="489" grpId="1" build="p" bldLvl="5" animBg="1" advAuto="0"/>
       <p:bldP spid="491" grpId="2" animBg="1" advAuto="0"/>
-      <p:bldP spid="492" grpId="3" animBg="1" advAuto="0"/>
-      <p:bldP spid="493" grpId="4" animBg="1" advAuto="0"/>
-      <p:bldP spid="4" grpId="0" animBg="1" advAuto="0"/>
-      <p:bldP spid="5" grpId="0" animBg="1" advAuto="0"/>
     </p:bldLst>
   </p:timing>
 </p:sld>
@@ -21238,8 +20043,12 @@
               </a:spcBef>
             </a:pPr>
             <a:r>
+              <a:rPr lang="en-GB" dirty="0"/>
+              <a:t>Use</a:t>
+            </a:r>
+            <a:r>
               <a:rPr dirty="0"/>
-              <a:t>Then use remainder to calculate </a:t>
+              <a:t> remainder to calculate </a:t>
             </a:r>
             <a:r>
               <a:rPr dirty="0">
@@ -21247,23 +20056,7 @@
                   <a:srgbClr val="3D46A6"/>
                 </a:solidFill>
               </a:rPr>
-              <a:t>deviation from bin </a:t>
-            </a:r>
-            <a:r>
-              <a:rPr dirty="0" err="1">
-                <a:solidFill>
-                  <a:srgbClr val="3D46A6"/>
-                </a:solidFill>
-              </a:rPr>
-              <a:t>centre</a:t>
-            </a:r>
-            <a:r>
-              <a:rPr dirty="0">
-                <a:solidFill>
-                  <a:srgbClr val="3D46A6"/>
-                </a:solidFill>
-              </a:rPr>
-              <a:t> frequency</a:t>
+              <a:t>deviation from bin centre frequency</a:t>
             </a:r>
             <a:r>
               <a:rPr dirty="0"/>
@@ -21345,8 +20138,16 @@
               </a:spcBef>
             </a:pPr>
             <a:r>
+              <a:rPr lang="en-GB" dirty="0"/>
+              <a:t>C</a:t>
+            </a:r>
+            <a:r>
+              <a:rPr dirty="0" err="1"/>
+              <a:t>ould</a:t>
+            </a:r>
+            <a:r>
               <a:rPr dirty="0"/>
-              <a:t>We could also calculate in terms of (fractional) FFT </a:t>
+              <a:t> also calculate in terms of (fractional) FFT </a:t>
             </a:r>
             <a:r>
               <a:rPr dirty="0">
@@ -21361,7 +20162,7 @@
             <a:pPr lvl="2"/>
             <a:r>
               <a:rPr dirty="0"/>
-              <a:t>Use the fact that </a:t>
+              <a:t>Use fact that </a:t>
             </a:r>
             <a:r>
               <a:rPr dirty="0">
@@ -21675,9 +20476,9 @@
         <p:grpSpPr>
           <a:xfrm>
             <a:off x="18895505" y="1725911"/>
-            <a:ext cx="5145203" cy="2548807"/>
+            <a:ext cx="5142433" cy="2557006"/>
             <a:chOff x="0" y="0"/>
-            <a:chExt cx="5145201" cy="2548806"/>
+            <a:chExt cx="5142431" cy="2557005"/>
           </a:xfrm>
         </p:grpSpPr>
         <p:sp>
@@ -21688,8 +20489,8 @@
           </p:nvSpPr>
           <p:spPr>
             <a:xfrm>
-              <a:off x="0" y="1416170"/>
-              <a:ext cx="5145202" cy="1132637"/>
+              <a:off x="0" y="1407972"/>
+              <a:ext cx="5142431" cy="1149033"/>
             </a:xfrm>
             <a:prstGeom prst="rect">
               <a:avLst/>
@@ -21716,7 +20517,7 @@
                 <a:defRPr sz="3400" b="0"/>
               </a:pPr>
               <a:r>
-                <a:rPr b="1">
+                <a:rPr b="1" dirty="0">
                   <a:solidFill>
                     <a:srgbClr val="942192"/>
                   </a:solidFill>
@@ -21724,10 +20525,11 @@
                 <a:t>centre frequency</a:t>
               </a:r>
               <a:r>
+                <a:rPr dirty="0"/>
                 <a:t> of bin </a:t>
               </a:r>
               <a:r>
-                <a:rPr i="1"/>
+                <a:rPr i="1" dirty="0"/>
                 <a:t>k</a:t>
               </a:r>
             </a:p>
@@ -21736,15 +20538,24 @@
                 <a:defRPr sz="3400" b="0"/>
               </a:pPr>
               <a:r>
-                <a:t>multiplied by the </a:t>
+                <a:rPr dirty="0"/>
+                <a:t>multiplied by </a:t>
               </a:r>
               <a:r>
-                <a:rPr b="1">
+                <a:rPr lang="en-GB" b="1" dirty="0">
                   <a:solidFill>
                     <a:srgbClr val="942192"/>
                   </a:solidFill>
                 </a:rPr>
-                <a:t>hop size</a:t>
+                <a:t>h</a:t>
+              </a:r>
+              <a:r>
+                <a:rPr b="1" dirty="0">
+                  <a:solidFill>
+                    <a:srgbClr val="942192"/>
+                  </a:solidFill>
+                </a:rPr>
+                <a:t>op size</a:t>
               </a:r>
             </a:p>
           </p:txBody>
@@ -22090,10 +20901,10 @@
         </p:nvGrpSpPr>
         <p:grpSpPr>
           <a:xfrm>
-            <a:off x="1848508" y="11270945"/>
-            <a:ext cx="6137808" cy="1105511"/>
-            <a:chOff x="0" y="0"/>
-            <a:chExt cx="6137807" cy="1105509"/>
+            <a:off x="1848508" y="11249184"/>
+            <a:ext cx="6137809" cy="1149033"/>
+            <a:chOff x="0" y="-21761"/>
+            <a:chExt cx="6137808" cy="1149031"/>
           </a:xfrm>
         </p:grpSpPr>
         <p:sp>
@@ -22153,8 +20964,8 @@
           </p:nvSpPr>
           <p:spPr>
             <a:xfrm>
-              <a:off x="0" y="-1"/>
-              <a:ext cx="4209492" cy="1105511"/>
+              <a:off x="0" y="-21761"/>
+              <a:ext cx="2936701" cy="1149031"/>
             </a:xfrm>
             <a:prstGeom prst="rect">
               <a:avLst/>
@@ -22189,15 +21000,22 @@
                 </a:defRPr>
               </a:pPr>
               <a:r>
-                <a:t>fractional bin number</a:t>
+                <a:rPr dirty="0"/>
+                <a:t>fractional bin </a:t>
               </a:r>
+              <a:r>
+                <a:rPr lang="en-GB" dirty="0"/>
+                <a:t>#</a:t>
+              </a:r>
+              <a:endParaRPr dirty="0"/>
             </a:p>
             <a:p>
               <a:pPr algn="l">
                 <a:defRPr sz="3400" b="0"/>
               </a:pPr>
               <a:r>
-                <a:t>of the sine wave</a:t>
+                <a:rPr dirty="0"/>
+                <a:t>of sine wave</a:t>
               </a:r>
             </a:p>
           </p:txBody>
@@ -23033,6 +21851,10 @@
           </p:nvPr>
         </p:nvSpPr>
         <p:spPr>
+          <a:xfrm>
+            <a:off x="163287" y="1777999"/>
+            <a:ext cx="23954014" cy="11219543"/>
+          </a:xfrm>
           <a:prstGeom prst="rect">
             <a:avLst/>
           </a:prstGeom>
@@ -23042,8 +21864,16 @@
           <a:lstStyle/>
           <a:p>
             <a:r>
-              <a:rPr dirty="0"/>
-              <a:t>Effectively, we </a:t>
+              <a:rPr lang="en-GB" dirty="0"/>
+              <a:t>P</a:t>
+            </a:r>
+            <a:r>
+              <a:rPr dirty="0" err="1">
+                <a:solidFill>
+                  <a:srgbClr val="3D46A6"/>
+                </a:solidFill>
+              </a:rPr>
+              <a:t>redict</a:t>
             </a:r>
             <a:r>
               <a:rPr dirty="0">
@@ -23051,15 +21881,16 @@
                   <a:srgbClr val="3D46A6"/>
                 </a:solidFill>
               </a:rPr>
-              <a:t>predict how far phase ought</a:t>
-            </a:r>
-            <a:br>
-              <a:rPr dirty="0">
+              <a:t> how far phase ought</a:t>
+            </a:r>
+            <a:r>
+              <a:rPr lang="en-GB" dirty="0">
                 <a:solidFill>
                   <a:srgbClr val="3D46A6"/>
                 </a:solidFill>
               </a:rPr>
-            </a:br>
+              <a:t> </a:t>
+            </a:r>
             <a:r>
               <a:rPr dirty="0">
                 <a:solidFill>
@@ -23070,7 +21901,17 @@
             </a:r>
             <a:r>
               <a:rPr dirty="0"/>
-              <a:t> from one hop to next, then </a:t>
+              <a:t> from one </a:t>
+            </a:r>
+            <a:endParaRPr lang="en-GB" dirty="0"/>
+          </a:p>
+          <a:p>
+            <a:pPr marL="0" indent="0">
+              <a:buNone/>
+            </a:pPr>
+            <a:r>
+              <a:rPr dirty="0"/>
+              <a:t>hop to next, then </a:t>
             </a:r>
             <a:r>
               <a:rPr dirty="0" err="1"/>
@@ -23078,11 +21919,8 @@
             </a:r>
             <a:r>
               <a:rPr lang="en-GB" dirty="0"/>
-              <a:t>e</a:t>
-            </a:r>
-            <a:br>
-              <a:rPr dirty="0"/>
-            </a:br>
+              <a:t>e </a:t>
+            </a:r>
             <a:r>
               <a:rPr dirty="0"/>
               <a:t>actual measured values</a:t>
@@ -23114,7 +21952,7 @@
             <a:pPr lvl="1"/>
             <a:r>
               <a:rPr dirty="0"/>
-              <a:t>Phase advancing less far means a </a:t>
+              <a:t>Phase advancing less far means </a:t>
             </a:r>
             <a:r>
               <a:rPr dirty="0">
@@ -23134,8 +21972,8 @@
           <a:p>
             <a:pPr lvl="1"/>
             <a:r>
-              <a:rPr dirty="0"/>
-              <a:t>A </a:t>
+              <a:rPr lang="en-GB" dirty="0"/>
+              <a:t>G</a:t>
             </a:r>
             <a:r>
               <a:rPr dirty="0">
@@ -23143,7 +21981,7 @@
                   <a:srgbClr val="3D46A6"/>
                 </a:solidFill>
               </a:rPr>
-              <a:t>global</a:t>
+              <a:t>lobal</a:t>
             </a:r>
             <a:r>
               <a:rPr dirty="0"/>
@@ -23235,8 +22073,12 @@
           <a:p>
             <a:pPr lvl="1"/>
             <a:r>
+              <a:rPr lang="en-GB" dirty="0"/>
+              <a:t>F</a:t>
+            </a:r>
+            <a:r>
               <a:rPr dirty="0"/>
-              <a:t>A function to </a:t>
+              <a:t>unction to </a:t>
             </a:r>
             <a:r>
               <a:rPr dirty="0">
@@ -23284,7 +22126,7 @@
             <a:pPr lvl="2"/>
             <a:r>
               <a:rPr dirty="0"/>
-              <a:t>Write a </a:t>
+              <a:t>Write </a:t>
             </a:r>
             <a:r>
               <a:rPr dirty="0">
@@ -23817,17 +22659,8 @@
                                   </p:childTnLst>
                                 </p:cTn>
                               </p:par>
-                            </p:childTnLst>
-                          </p:cTn>
-                        </p:par>
-                        <p:par>
-                          <p:cTn id="9" fill="hold">
-                            <p:stCondLst>
-                              <p:cond delay="0"/>
-                            </p:stCondLst>
-                            <p:childTnLst>
                               <p:par>
-                                <p:cTn id="10" presetID="1" presetClass="entr" presetSubtype="0" fill="hold" grpId="1" nodeType="afterEffect">
+                                <p:cTn id="9" presetID="1" presetClass="entr" presetSubtype="0" fill="hold" grpId="1" nodeType="withEffect">
                                   <p:stCondLst>
                                     <p:cond delay="0"/>
                                   </p:stCondLst>
@@ -23837,7 +22670,7 @@
                                   <p:childTnLst>
                                     <p:set>
                                       <p:cBhvr>
-                                        <p:cTn id="11" fill="hold"/>
+                                        <p:cTn id="10" fill="hold"/>
                                         <p:tgtEl>
                                           <p:spTgt spid="522">
                                             <p:txEl>
@@ -23860,13 +22693,13 @@
                           </p:cTn>
                         </p:par>
                         <p:par>
-                          <p:cTn id="12" fill="hold">
+                          <p:cTn id="11" fill="hold">
                             <p:stCondLst>
                               <p:cond delay="0"/>
                             </p:stCondLst>
                             <p:childTnLst>
                               <p:par>
-                                <p:cTn id="13" presetID="1" presetClass="entr" presetSubtype="0" fill="hold" grpId="1" nodeType="afterEffect">
+                                <p:cTn id="12" presetID="1" presetClass="entr" presetSubtype="0" fill="hold" grpId="1" nodeType="afterEffect">
                                   <p:stCondLst>
                                     <p:cond delay="0"/>
                                   </p:stCondLst>
@@ -23876,7 +22709,7 @@
                                   <p:childTnLst>
                                     <p:set>
                                       <p:cBhvr>
-                                        <p:cTn id="14" fill="hold"/>
+                                        <p:cTn id="13" fill="hold"/>
                                         <p:tgtEl>
                                           <p:spTgt spid="522">
                                             <p:txEl>
@@ -23898,61 +22731,14 @@
                             </p:childTnLst>
                           </p:cTn>
                         </p:par>
-                      </p:childTnLst>
-                    </p:cTn>
-                  </p:par>
-                  <p:par>
-                    <p:cTn id="15" fill="hold">
-                      <p:stCondLst>
-                        <p:cond delay="indefinite"/>
-                      </p:stCondLst>
-                      <p:childTnLst>
                         <p:par>
-                          <p:cTn id="16" fill="hold">
+                          <p:cTn id="14" fill="hold">
                             <p:stCondLst>
                               <p:cond delay="0"/>
                             </p:stCondLst>
                             <p:childTnLst>
                               <p:par>
-                                <p:cTn id="17" presetID="8" presetClass="emph" presetSubtype="0" fill="hold" grpId="2" nodeType="clickEffect">
-                                  <p:stCondLst>
-                                    <p:cond delay="0"/>
-                                  </p:stCondLst>
-                                  <p:childTnLst>
-                                    <p:animRot by="-9000000">
-                                      <p:cBhvr>
-                                        <p:cTn id="18" dur="3000" fill="hold"/>
-                                        <p:tgtEl>
-                                          <p:spTgt spid="530"/>
-                                        </p:tgtEl>
-                                        <p:attrNameLst>
-                                          <p:attrName>r</p:attrName>
-                                        </p:attrNameLst>
-                                      </p:cBhvr>
-                                    </p:animRot>
-                                  </p:childTnLst>
-                                </p:cTn>
-                              </p:par>
-                            </p:childTnLst>
-                          </p:cTn>
-                        </p:par>
-                      </p:childTnLst>
-                    </p:cTn>
-                  </p:par>
-                  <p:par>
-                    <p:cTn id="19" fill="hold">
-                      <p:stCondLst>
-                        <p:cond delay="indefinite"/>
-                      </p:stCondLst>
-                      <p:childTnLst>
-                        <p:par>
-                          <p:cTn id="20" fill="hold">
-                            <p:stCondLst>
-                              <p:cond delay="0"/>
-                            </p:stCondLst>
-                            <p:childTnLst>
-                              <p:par>
-                                <p:cTn id="21" presetID="1" presetClass="entr" presetSubtype="0" fill="hold" grpId="1" nodeType="clickEffect">
+                                <p:cTn id="15" presetID="1" presetClass="entr" presetSubtype="0" fill="hold" grpId="1" nodeType="afterEffect">
                                   <p:stCondLst>
                                     <p:cond delay="0"/>
                                   </p:stCondLst>
@@ -23962,7 +22748,7 @@
                                   <p:childTnLst>
                                     <p:set>
                                       <p:cBhvr>
-                                        <p:cTn id="22" fill="hold"/>
+                                        <p:cTn id="16" fill="hold"/>
                                         <p:tgtEl>
                                           <p:spTgt spid="522">
                                             <p:txEl>
@@ -23988,19 +22774,57 @@
                     </p:cTn>
                   </p:par>
                   <p:par>
-                    <p:cTn id="23" fill="hold">
+                    <p:cTn id="17" fill="hold">
                       <p:stCondLst>
                         <p:cond delay="indefinite"/>
                       </p:stCondLst>
                       <p:childTnLst>
                         <p:par>
-                          <p:cTn id="24" fill="hold">
+                          <p:cTn id="18" fill="hold">
                             <p:stCondLst>
                               <p:cond delay="0"/>
                             </p:stCondLst>
                             <p:childTnLst>
                               <p:par>
-                                <p:cTn id="25" presetID="1" presetClass="entr" presetSubtype="0" fill="hold" grpId="1" nodeType="clickEffect">
+                                <p:cTn id="19" presetID="8" presetClass="emph" presetSubtype="0" fill="hold" grpId="2" nodeType="clickEffect">
+                                  <p:stCondLst>
+                                    <p:cond delay="0"/>
+                                  </p:stCondLst>
+                                  <p:childTnLst>
+                                    <p:animRot by="-9000000">
+                                      <p:cBhvr>
+                                        <p:cTn id="20" dur="3000" fill="hold"/>
+                                        <p:tgtEl>
+                                          <p:spTgt spid="530"/>
+                                        </p:tgtEl>
+                                        <p:attrNameLst>
+                                          <p:attrName>r</p:attrName>
+                                        </p:attrNameLst>
+                                      </p:cBhvr>
+                                    </p:animRot>
+                                  </p:childTnLst>
+                                </p:cTn>
+                              </p:par>
+                            </p:childTnLst>
+                          </p:cTn>
+                        </p:par>
+                      </p:childTnLst>
+                    </p:cTn>
+                  </p:par>
+                  <p:par>
+                    <p:cTn id="21" fill="hold">
+                      <p:stCondLst>
+                        <p:cond delay="indefinite"/>
+                      </p:stCondLst>
+                      <p:childTnLst>
+                        <p:par>
+                          <p:cTn id="22" fill="hold">
+                            <p:stCondLst>
+                              <p:cond delay="0"/>
+                            </p:stCondLst>
+                            <p:childTnLst>
+                              <p:par>
+                                <p:cTn id="23" presetID="1" presetClass="entr" presetSubtype="0" fill="hold" grpId="1" nodeType="clickEffect">
                                   <p:stCondLst>
                                     <p:cond delay="0"/>
                                   </p:stCondLst>
@@ -24010,7 +22834,7 @@
                                   <p:childTnLst>
                                     <p:set>
                                       <p:cBhvr>
-                                        <p:cTn id="26" fill="hold"/>
+                                        <p:cTn id="24" fill="hold"/>
                                         <p:tgtEl>
                                           <p:spTgt spid="522">
                                             <p:txEl>
@@ -24032,14 +22856,23 @@
                             </p:childTnLst>
                           </p:cTn>
                         </p:par>
+                      </p:childTnLst>
+                    </p:cTn>
+                  </p:par>
+                  <p:par>
+                    <p:cTn id="25" fill="hold">
+                      <p:stCondLst>
+                        <p:cond delay="indefinite"/>
+                      </p:stCondLst>
+                      <p:childTnLst>
                         <p:par>
-                          <p:cTn id="27" fill="hold">
+                          <p:cTn id="26" fill="hold">
                             <p:stCondLst>
                               <p:cond delay="0"/>
                             </p:stCondLst>
                             <p:childTnLst>
                               <p:par>
-                                <p:cTn id="28" presetID="1" presetClass="entr" presetSubtype="0" fill="hold" grpId="1" nodeType="afterEffect">
+                                <p:cTn id="27" presetID="1" presetClass="entr" presetSubtype="0" fill="hold" grpId="1" nodeType="clickEffect">
                                   <p:stCondLst>
                                     <p:cond delay="0"/>
                                   </p:stCondLst>
@@ -24049,7 +22882,7 @@
                                   <p:childTnLst>
                                     <p:set>
                                       <p:cBhvr>
-                                        <p:cTn id="29" fill="hold"/>
+                                        <p:cTn id="28" fill="hold"/>
                                         <p:tgtEl>
                                           <p:spTgt spid="522">
                                             <p:txEl>
@@ -24072,13 +22905,13 @@
                           </p:cTn>
                         </p:par>
                         <p:par>
-                          <p:cTn id="30" fill="hold">
+                          <p:cTn id="29" fill="hold">
                             <p:stCondLst>
                               <p:cond delay="0"/>
                             </p:stCondLst>
                             <p:childTnLst>
                               <p:par>
-                                <p:cTn id="31" presetID="1" presetClass="entr" presetSubtype="0" fill="hold" grpId="1" nodeType="afterEffect">
+                                <p:cTn id="30" presetID="1" presetClass="entr" presetSubtype="0" fill="hold" grpId="1" nodeType="afterEffect">
                                   <p:stCondLst>
                                     <p:cond delay="0"/>
                                   </p:stCondLst>
@@ -24088,7 +22921,7 @@
                                   <p:childTnLst>
                                     <p:set>
                                       <p:cBhvr>
-                                        <p:cTn id="32" fill="hold"/>
+                                        <p:cTn id="31" fill="hold"/>
                                         <p:tgtEl>
                                           <p:spTgt spid="522">
                                             <p:txEl>
@@ -24110,23 +22943,14 @@
                             </p:childTnLst>
                           </p:cTn>
                         </p:par>
-                      </p:childTnLst>
-                    </p:cTn>
-                  </p:par>
-                  <p:par>
-                    <p:cTn id="33" fill="hold">
-                      <p:stCondLst>
-                        <p:cond delay="indefinite"/>
-                      </p:stCondLst>
-                      <p:childTnLst>
                         <p:par>
-                          <p:cTn id="34" fill="hold">
+                          <p:cTn id="32" fill="hold">
                             <p:stCondLst>
                               <p:cond delay="0"/>
                             </p:stCondLst>
                             <p:childTnLst>
                               <p:par>
-                                <p:cTn id="35" presetID="1" presetClass="entr" presetSubtype="0" fill="hold" grpId="1" nodeType="clickEffect">
+                                <p:cTn id="33" presetID="1" presetClass="entr" presetSubtype="0" fill="hold" grpId="1" nodeType="afterEffect">
                                   <p:stCondLst>
                                     <p:cond delay="0"/>
                                   </p:stCondLst>
@@ -24136,7 +22960,7 @@
                                   <p:childTnLst>
                                     <p:set>
                                       <p:cBhvr>
-                                        <p:cTn id="36" fill="hold"/>
+                                        <p:cTn id="34" fill="hold"/>
                                         <p:tgtEl>
                                           <p:spTgt spid="522">
                                             <p:txEl>
@@ -24162,19 +22986,19 @@
                     </p:cTn>
                   </p:par>
                   <p:par>
-                    <p:cTn id="37" fill="hold">
+                    <p:cTn id="35" fill="hold">
                       <p:stCondLst>
                         <p:cond delay="indefinite"/>
                       </p:stCondLst>
                       <p:childTnLst>
                         <p:par>
-                          <p:cTn id="38" fill="hold">
+                          <p:cTn id="36" fill="hold">
                             <p:stCondLst>
                               <p:cond delay="0"/>
                             </p:stCondLst>
                             <p:childTnLst>
                               <p:par>
-                                <p:cTn id="39" presetID="1" presetClass="entr" presetSubtype="0" fill="hold" grpId="1" nodeType="clickEffect">
+                                <p:cTn id="37" presetID="1" presetClass="entr" presetSubtype="0" fill="hold" grpId="1" nodeType="clickEffect">
                                   <p:stCondLst>
                                     <p:cond delay="0"/>
                                   </p:stCondLst>
@@ -24184,7 +23008,7 @@
                                   <p:childTnLst>
                                     <p:set>
                                       <p:cBhvr>
-                                        <p:cTn id="40" fill="hold"/>
+                                        <p:cTn id="38" fill="hold"/>
                                         <p:tgtEl>
                                           <p:spTgt spid="522">
                                             <p:txEl>
@@ -24206,14 +23030,23 @@
                             </p:childTnLst>
                           </p:cTn>
                         </p:par>
+                      </p:childTnLst>
+                    </p:cTn>
+                  </p:par>
+                  <p:par>
+                    <p:cTn id="39" fill="hold">
+                      <p:stCondLst>
+                        <p:cond delay="indefinite"/>
+                      </p:stCondLst>
+                      <p:childTnLst>
                         <p:par>
-                          <p:cTn id="41" fill="hold">
+                          <p:cTn id="40" fill="hold">
                             <p:stCondLst>
                               <p:cond delay="0"/>
                             </p:stCondLst>
                             <p:childTnLst>
                               <p:par>
-                                <p:cTn id="42" presetID="1" presetClass="entr" presetSubtype="0" fill="hold" grpId="1" nodeType="afterEffect">
+                                <p:cTn id="41" presetID="1" presetClass="entr" presetSubtype="0" fill="hold" grpId="1" nodeType="clickEffect">
                                   <p:stCondLst>
                                     <p:cond delay="0"/>
                                   </p:stCondLst>
@@ -24223,11 +23056,50 @@
                                   <p:childTnLst>
                                     <p:set>
                                       <p:cBhvr>
-                                        <p:cTn id="43" fill="hold"/>
+                                        <p:cTn id="42" fill="hold"/>
                                         <p:tgtEl>
                                           <p:spTgt spid="522">
                                             <p:txEl>
                                               <p:pRg st="9" end="9"/>
+                                            </p:txEl>
+                                          </p:spTgt>
+                                        </p:tgtEl>
+                                        <p:attrNameLst>
+                                          <p:attrName>style.visibility</p:attrName>
+                                        </p:attrNameLst>
+                                      </p:cBhvr>
+                                      <p:to>
+                                        <p:strVal val="visible"/>
+                                      </p:to>
+                                    </p:set>
+                                  </p:childTnLst>
+                                </p:cTn>
+                              </p:par>
+                            </p:childTnLst>
+                          </p:cTn>
+                        </p:par>
+                        <p:par>
+                          <p:cTn id="43" fill="hold">
+                            <p:stCondLst>
+                              <p:cond delay="0"/>
+                            </p:stCondLst>
+                            <p:childTnLst>
+                              <p:par>
+                                <p:cTn id="44" presetID="1" presetClass="entr" presetSubtype="0" fill="hold" grpId="1" nodeType="afterEffect">
+                                  <p:stCondLst>
+                                    <p:cond delay="0"/>
+                                  </p:stCondLst>
+                                  <p:iterate>
+                                    <p:tmAbs val="0"/>
+                                  </p:iterate>
+                                  <p:childTnLst>
+                                    <p:set>
+                                      <p:cBhvr>
+                                        <p:cTn id="45" fill="hold"/>
+                                        <p:tgtEl>
+                                          <p:spTgt spid="522">
+                                            <p:txEl>
+                                              <p:pRg st="10" end="10"/>
                                             </p:txEl>
                                           </p:spTgt>
                                         </p:tgtEl>
@@ -24364,8 +23236,16 @@
           <a:p>
             <a:pPr lvl="1"/>
             <a:r>
+              <a:rPr lang="en-GB" dirty="0"/>
+              <a:t>Y</a:t>
+            </a:r>
+            <a:r>
+              <a:rPr dirty="0" err="1"/>
+              <a:t>ou</a:t>
+            </a:r>
+            <a:r>
               <a:rPr dirty="0"/>
-              <a:t>Remember you will need a </a:t>
+              <a:t> will need </a:t>
             </a:r>
             <a:r>
               <a:rPr dirty="0">
